--- a/gameloft_present_chessgame.pptx
+++ b/gameloft_present_chessgame.pptx
@@ -28,6 +28,11 @@
     <p:sldId id="272" r:id="rId21"/>
     <p:sldId id="273" r:id="rId22"/>
     <p:sldId id="274" r:id="rId23"/>
+    <p:sldId id="275" r:id="rId24"/>
+    <p:sldId id="276" r:id="rId25"/>
+    <p:sldId id="277" r:id="rId26"/>
+    <p:sldId id="278" r:id="rId27"/>
+    <p:sldId id="279" r:id="rId28"/>
   </p:sldIdLst>
   <p:sldSz cx="11887200" cy="6858000"/>
   <p:notesSz cx="6858000" cy="9144000"/>
@@ -246,7 +251,7 @@
           <a:bodyPr lIns="0" rIns="0" tIns="0" bIns="0" anchor="b"/>
           <a:p>
             <a:pPr algn="r"/>
-            <a:fld id="{EDCF94C0-946E-408B-90F1-F0470BBBED6B}" type="slidenum">
+            <a:fld id="{EB785EB3-4ED8-4A1E-A6CB-75251AC434D4}" type="slidenum">
               <a:rPr b="0" lang="en-US" sz="1400" spc="-1" strike="noStrike">
                 <a:latin typeface="Times New Roman"/>
               </a:rPr>
@@ -283,7 +288,7 @@
       </p:grpSpPr>
       <p:sp>
         <p:nvSpPr>
-          <p:cNvPr id="206" name="PlaceHolder 1"/>
+          <p:cNvPr id="242" name="PlaceHolder 1"/>
           <p:cNvSpPr>
             <a:spLocks noGrp="1"/>
           </p:cNvSpPr>
@@ -294,7 +299,7 @@
         <p:spPr>
           <a:xfrm>
             <a:off x="685800" y="4343400"/>
-            <a:ext cx="5484240" cy="4112640"/>
+            <a:ext cx="5482800" cy="4111200"/>
           </a:xfrm>
           <a:prstGeom prst="rect">
             <a:avLst/>
@@ -303,7 +308,7 @@
         <p:txBody>
           <a:bodyPr lIns="0" rIns="0" tIns="0" bIns="0"/>
           <a:p>
-            <a:pPr marL="216000" indent="-214560">
+            <a:pPr marL="216000" indent="-213120">
               <a:lnSpc>
                 <a:spcPct val="100000"/>
               </a:lnSpc>
@@ -326,7 +331,7 @@
       </p:sp>
       <p:sp>
         <p:nvSpPr>
-          <p:cNvPr id="207" name="PlaceHolder 2"/>
+          <p:cNvPr id="243" name="PlaceHolder 2"/>
           <p:cNvSpPr>
             <a:spLocks noGrp="1"/>
           </p:cNvSpPr>
@@ -337,7 +342,7 @@
         <p:spPr>
           <a:xfrm>
             <a:off x="457200" y="685800"/>
-            <a:ext cx="5941440" cy="3426840"/>
+            <a:ext cx="5940000" cy="3425400"/>
           </a:xfrm>
           <a:prstGeom prst="rect">
             <a:avLst/>
@@ -368,7 +373,7 @@
       </p:grpSpPr>
       <p:sp>
         <p:nvSpPr>
-          <p:cNvPr id="212" name="PlaceHolder 1"/>
+          <p:cNvPr id="248" name="PlaceHolder 1"/>
           <p:cNvSpPr>
             <a:spLocks noGrp="1"/>
           </p:cNvSpPr>
@@ -379,7 +384,7 @@
         <p:spPr>
           <a:xfrm>
             <a:off x="685800" y="4343400"/>
-            <a:ext cx="5484240" cy="4112640"/>
+            <a:ext cx="5482800" cy="4111200"/>
           </a:xfrm>
           <a:prstGeom prst="rect">
             <a:avLst/>
@@ -388,7 +393,7 @@
         <p:txBody>
           <a:bodyPr lIns="0" rIns="0" tIns="0" bIns="0"/>
           <a:p>
-            <a:pPr marL="216000" indent="-214560">
+            <a:pPr marL="216000" indent="-213120">
               <a:lnSpc>
                 <a:spcPct val="100000"/>
               </a:lnSpc>
@@ -411,7 +416,7 @@
       </p:sp>
       <p:sp>
         <p:nvSpPr>
-          <p:cNvPr id="213" name="PlaceHolder 2"/>
+          <p:cNvPr id="249" name="PlaceHolder 2"/>
           <p:cNvSpPr>
             <a:spLocks noGrp="1"/>
           </p:cNvSpPr>
@@ -422,7 +427,7 @@
         <p:spPr>
           <a:xfrm>
             <a:off x="457200" y="685800"/>
-            <a:ext cx="5941440" cy="3426840"/>
+            <a:ext cx="5940000" cy="3425400"/>
           </a:xfrm>
           <a:prstGeom prst="rect">
             <a:avLst/>
@@ -453,7 +458,7 @@
       </p:grpSpPr>
       <p:sp>
         <p:nvSpPr>
-          <p:cNvPr id="214" name="PlaceHolder 1"/>
+          <p:cNvPr id="250" name="PlaceHolder 1"/>
           <p:cNvSpPr>
             <a:spLocks noGrp="1"/>
           </p:cNvSpPr>
@@ -464,7 +469,7 @@
         <p:spPr>
           <a:xfrm>
             <a:off x="685800" y="4343400"/>
-            <a:ext cx="5484240" cy="4112640"/>
+            <a:ext cx="5482800" cy="4111200"/>
           </a:xfrm>
           <a:prstGeom prst="rect">
             <a:avLst/>
@@ -473,7 +478,7 @@
         <p:txBody>
           <a:bodyPr lIns="0" rIns="0" tIns="0" bIns="0"/>
           <a:p>
-            <a:pPr marL="216000" indent="-214560">
+            <a:pPr marL="216000" indent="-213120">
               <a:lnSpc>
                 <a:spcPct val="100000"/>
               </a:lnSpc>
@@ -496,7 +501,7 @@
       </p:sp>
       <p:sp>
         <p:nvSpPr>
-          <p:cNvPr id="215" name="PlaceHolder 2"/>
+          <p:cNvPr id="251" name="PlaceHolder 2"/>
           <p:cNvSpPr>
             <a:spLocks noGrp="1"/>
           </p:cNvSpPr>
@@ -507,7 +512,347 @@
         <p:spPr>
           <a:xfrm>
             <a:off x="457200" y="685800"/>
-            <a:ext cx="5941440" cy="3426840"/>
+            <a:ext cx="5940000" cy="3425400"/>
+          </a:xfrm>
+          <a:prstGeom prst="rect">
+            <a:avLst/>
+          </a:prstGeom>
+        </p:spPr>
+      </p:sp>
+    </p:spTree>
+  </p:cSld>
+</p:notes>
+</file>
+
+<file path=ppt/notesSlides/notesSlide16.xml><?xml version="1.0" encoding="utf-8"?>
+<p:notes xmlns:a="http://schemas.openxmlformats.org/drawingml/2006/main" xmlns:p="http://schemas.openxmlformats.org/presentationml/2006/main" xmlns:r="http://schemas.openxmlformats.org/officeDocument/2006/relationships" xmlns:p14="http://schemas.microsoft.com/office/powerpoint/2010/main" xmlns:p15="http://schemas.microsoft.com/office/powerpoint/2012/main" xmlns:mc="http://schemas.openxmlformats.org/markup-compatibility/2006">
+  <p:cSld>
+    <p:spTree>
+      <p:nvGrpSpPr>
+        <p:cNvPr id="1" name=""/>
+        <p:cNvGrpSpPr/>
+        <p:nvPr/>
+      </p:nvGrpSpPr>
+      <p:grpSpPr>
+        <a:xfrm>
+          <a:off x="0" y="0"/>
+          <a:ext cx="0" cy="0"/>
+          <a:chOff x="0" y="0"/>
+          <a:chExt cx="0" cy="0"/>
+        </a:xfrm>
+      </p:grpSpPr>
+      <p:sp>
+        <p:nvSpPr>
+          <p:cNvPr id="252" name="PlaceHolder 1"/>
+          <p:cNvSpPr>
+            <a:spLocks noGrp="1"/>
+          </p:cNvSpPr>
+          <p:nvPr>
+            <p:ph type="body"/>
+          </p:nvPr>
+        </p:nvSpPr>
+        <p:spPr>
+          <a:xfrm>
+            <a:off x="685800" y="4343400"/>
+            <a:ext cx="5482800" cy="4111200"/>
+          </a:xfrm>
+          <a:prstGeom prst="rect">
+            <a:avLst/>
+          </a:prstGeom>
+        </p:spPr>
+        <p:txBody>
+          <a:bodyPr lIns="0" rIns="0" tIns="0" bIns="0"/>
+          <a:p>
+            <a:pPr marL="216000" indent="-213120">
+              <a:lnSpc>
+                <a:spcPct val="100000"/>
+              </a:lnSpc>
+            </a:pPr>
+            <a:r>
+              <a:rPr b="0" lang="en-US" sz="1200" spc="-1" strike="noStrike">
+                <a:solidFill>
+                  <a:srgbClr val="000000"/>
+                </a:solidFill>
+                <a:latin typeface="Calibri"/>
+                <a:ea typeface="Calibri"/>
+              </a:rPr>
+              <a:t>Special in the real life have some way to know that, for example, do you know him, the fortune teller,  he can give you some your information character just looking your face.  But if your not him, you cannot read a character from the face, so how can we know? We have the solution for you.</a:t>
+            </a:r>
+            <a:endParaRPr b="0" lang="en-US" sz="1200" spc="-1" strike="noStrike">
+              <a:latin typeface="Arial"/>
+            </a:endParaRPr>
+          </a:p>
+        </p:txBody>
+      </p:sp>
+      <p:sp>
+        <p:nvSpPr>
+          <p:cNvPr id="253" name="PlaceHolder 2"/>
+          <p:cNvSpPr>
+            <a:spLocks noGrp="1"/>
+          </p:cNvSpPr>
+          <p:nvPr>
+            <p:ph type="sldImg"/>
+          </p:nvPr>
+        </p:nvSpPr>
+        <p:spPr>
+          <a:xfrm>
+            <a:off x="457200" y="685800"/>
+            <a:ext cx="5940000" cy="3425400"/>
+          </a:xfrm>
+          <a:prstGeom prst="rect">
+            <a:avLst/>
+          </a:prstGeom>
+        </p:spPr>
+      </p:sp>
+    </p:spTree>
+  </p:cSld>
+</p:notes>
+</file>
+
+<file path=ppt/notesSlides/notesSlide17.xml><?xml version="1.0" encoding="utf-8"?>
+<p:notes xmlns:a="http://schemas.openxmlformats.org/drawingml/2006/main" xmlns:p="http://schemas.openxmlformats.org/presentationml/2006/main" xmlns:r="http://schemas.openxmlformats.org/officeDocument/2006/relationships" xmlns:p14="http://schemas.microsoft.com/office/powerpoint/2010/main" xmlns:p15="http://schemas.microsoft.com/office/powerpoint/2012/main" xmlns:mc="http://schemas.openxmlformats.org/markup-compatibility/2006">
+  <p:cSld>
+    <p:spTree>
+      <p:nvGrpSpPr>
+        <p:cNvPr id="1" name=""/>
+        <p:cNvGrpSpPr/>
+        <p:nvPr/>
+      </p:nvGrpSpPr>
+      <p:grpSpPr>
+        <a:xfrm>
+          <a:off x="0" y="0"/>
+          <a:ext cx="0" cy="0"/>
+          <a:chOff x="0" y="0"/>
+          <a:chExt cx="0" cy="0"/>
+        </a:xfrm>
+      </p:grpSpPr>
+      <p:sp>
+        <p:nvSpPr>
+          <p:cNvPr id="254" name="PlaceHolder 1"/>
+          <p:cNvSpPr>
+            <a:spLocks noGrp="1"/>
+          </p:cNvSpPr>
+          <p:nvPr>
+            <p:ph type="body"/>
+          </p:nvPr>
+        </p:nvSpPr>
+        <p:spPr>
+          <a:xfrm>
+            <a:off x="685800" y="4343400"/>
+            <a:ext cx="5482800" cy="4111200"/>
+          </a:xfrm>
+          <a:prstGeom prst="rect">
+            <a:avLst/>
+          </a:prstGeom>
+        </p:spPr>
+        <p:txBody>
+          <a:bodyPr lIns="0" rIns="0" tIns="0" bIns="0"/>
+          <a:p>
+            <a:pPr marL="216000" indent="-213120">
+              <a:lnSpc>
+                <a:spcPct val="100000"/>
+              </a:lnSpc>
+            </a:pPr>
+            <a:r>
+              <a:rPr b="0" lang="en-US" sz="1200" spc="-1" strike="noStrike">
+                <a:solidFill>
+                  <a:srgbClr val="000000"/>
+                </a:solidFill>
+                <a:latin typeface="Calibri"/>
+                <a:ea typeface="Calibri"/>
+              </a:rPr>
+              <a:t>Special in the real life have some way to know that, for example, do you know him, the fortune teller,  he can give you some your information character just looking your face.  But if your not him, you cannot read a character from the face, so how can we know? We have the solution for you.</a:t>
+            </a:r>
+            <a:endParaRPr b="0" lang="en-US" sz="1200" spc="-1" strike="noStrike">
+              <a:latin typeface="Arial"/>
+            </a:endParaRPr>
+          </a:p>
+        </p:txBody>
+      </p:sp>
+      <p:sp>
+        <p:nvSpPr>
+          <p:cNvPr id="255" name="PlaceHolder 2"/>
+          <p:cNvSpPr>
+            <a:spLocks noGrp="1"/>
+          </p:cNvSpPr>
+          <p:nvPr>
+            <p:ph type="sldImg"/>
+          </p:nvPr>
+        </p:nvSpPr>
+        <p:spPr>
+          <a:xfrm>
+            <a:off x="457200" y="685800"/>
+            <a:ext cx="5940000" cy="3425400"/>
+          </a:xfrm>
+          <a:prstGeom prst="rect">
+            <a:avLst/>
+          </a:prstGeom>
+        </p:spPr>
+      </p:sp>
+    </p:spTree>
+  </p:cSld>
+</p:notes>
+</file>
+
+<file path=ppt/notesSlides/notesSlide18.xml><?xml version="1.0" encoding="utf-8"?>
+<p:notes xmlns:a="http://schemas.openxmlformats.org/drawingml/2006/main" xmlns:p="http://schemas.openxmlformats.org/presentationml/2006/main" xmlns:r="http://schemas.openxmlformats.org/officeDocument/2006/relationships" xmlns:p14="http://schemas.microsoft.com/office/powerpoint/2010/main" xmlns:p15="http://schemas.microsoft.com/office/powerpoint/2012/main" xmlns:mc="http://schemas.openxmlformats.org/markup-compatibility/2006">
+  <p:cSld>
+    <p:spTree>
+      <p:nvGrpSpPr>
+        <p:cNvPr id="1" name=""/>
+        <p:cNvGrpSpPr/>
+        <p:nvPr/>
+      </p:nvGrpSpPr>
+      <p:grpSpPr>
+        <a:xfrm>
+          <a:off x="0" y="0"/>
+          <a:ext cx="0" cy="0"/>
+          <a:chOff x="0" y="0"/>
+          <a:chExt cx="0" cy="0"/>
+        </a:xfrm>
+      </p:grpSpPr>
+      <p:sp>
+        <p:nvSpPr>
+          <p:cNvPr id="256" name="PlaceHolder 1"/>
+          <p:cNvSpPr>
+            <a:spLocks noGrp="1"/>
+          </p:cNvSpPr>
+          <p:nvPr>
+            <p:ph type="body"/>
+          </p:nvPr>
+        </p:nvSpPr>
+        <p:spPr>
+          <a:xfrm>
+            <a:off x="685800" y="4343400"/>
+            <a:ext cx="5482800" cy="4111200"/>
+          </a:xfrm>
+          <a:prstGeom prst="rect">
+            <a:avLst/>
+          </a:prstGeom>
+        </p:spPr>
+        <p:txBody>
+          <a:bodyPr lIns="0" rIns="0" tIns="0" bIns="0"/>
+          <a:p>
+            <a:pPr marL="216000" indent="-213120">
+              <a:lnSpc>
+                <a:spcPct val="100000"/>
+              </a:lnSpc>
+            </a:pPr>
+            <a:r>
+              <a:rPr b="0" lang="en-US" sz="1200" spc="-1" strike="noStrike">
+                <a:solidFill>
+                  <a:srgbClr val="000000"/>
+                </a:solidFill>
+                <a:latin typeface="Calibri"/>
+                <a:ea typeface="Calibri"/>
+              </a:rPr>
+              <a:t>Special in the real life have some way to know that, for example, do you know him, the fortune teller,  he can give you some your information character just looking your face.  But if your not him, you cannot read a character from the face, so how can we know? We have the solution for you.</a:t>
+            </a:r>
+            <a:endParaRPr b="0" lang="en-US" sz="1200" spc="-1" strike="noStrike">
+              <a:latin typeface="Arial"/>
+            </a:endParaRPr>
+          </a:p>
+        </p:txBody>
+      </p:sp>
+      <p:sp>
+        <p:nvSpPr>
+          <p:cNvPr id="257" name="PlaceHolder 2"/>
+          <p:cNvSpPr>
+            <a:spLocks noGrp="1"/>
+          </p:cNvSpPr>
+          <p:nvPr>
+            <p:ph type="sldImg"/>
+          </p:nvPr>
+        </p:nvSpPr>
+        <p:spPr>
+          <a:xfrm>
+            <a:off x="457200" y="685800"/>
+            <a:ext cx="5940000" cy="3425400"/>
+          </a:xfrm>
+          <a:prstGeom prst="rect">
+            <a:avLst/>
+          </a:prstGeom>
+        </p:spPr>
+      </p:sp>
+    </p:spTree>
+  </p:cSld>
+</p:notes>
+</file>
+
+<file path=ppt/notesSlides/notesSlide19.xml><?xml version="1.0" encoding="utf-8"?>
+<p:notes xmlns:a="http://schemas.openxmlformats.org/drawingml/2006/main" xmlns:p="http://schemas.openxmlformats.org/presentationml/2006/main" xmlns:r="http://schemas.openxmlformats.org/officeDocument/2006/relationships" xmlns:p14="http://schemas.microsoft.com/office/powerpoint/2010/main" xmlns:p15="http://schemas.microsoft.com/office/powerpoint/2012/main" xmlns:mc="http://schemas.openxmlformats.org/markup-compatibility/2006">
+  <p:cSld>
+    <p:spTree>
+      <p:nvGrpSpPr>
+        <p:cNvPr id="1" name=""/>
+        <p:cNvGrpSpPr/>
+        <p:nvPr/>
+      </p:nvGrpSpPr>
+      <p:grpSpPr>
+        <a:xfrm>
+          <a:off x="0" y="0"/>
+          <a:ext cx="0" cy="0"/>
+          <a:chOff x="0" y="0"/>
+          <a:chExt cx="0" cy="0"/>
+        </a:xfrm>
+      </p:grpSpPr>
+      <p:sp>
+        <p:nvSpPr>
+          <p:cNvPr id="258" name="PlaceHolder 1"/>
+          <p:cNvSpPr>
+            <a:spLocks noGrp="1"/>
+          </p:cNvSpPr>
+          <p:nvPr>
+            <p:ph type="body"/>
+          </p:nvPr>
+        </p:nvSpPr>
+        <p:spPr>
+          <a:xfrm>
+            <a:off x="685800" y="4343400"/>
+            <a:ext cx="5482800" cy="4111200"/>
+          </a:xfrm>
+          <a:prstGeom prst="rect">
+            <a:avLst/>
+          </a:prstGeom>
+        </p:spPr>
+        <p:txBody>
+          <a:bodyPr lIns="0" rIns="0" tIns="0" bIns="0"/>
+          <a:p>
+            <a:pPr marL="216000" indent="-213120">
+              <a:lnSpc>
+                <a:spcPct val="100000"/>
+              </a:lnSpc>
+            </a:pPr>
+            <a:r>
+              <a:rPr b="0" lang="en-US" sz="1200" spc="-1" strike="noStrike">
+                <a:solidFill>
+                  <a:srgbClr val="000000"/>
+                </a:solidFill>
+                <a:latin typeface="Calibri"/>
+                <a:ea typeface="Calibri"/>
+              </a:rPr>
+              <a:t>Special in the real life have some way to know that, for example, do you know him, the fortune teller,  he can give you some your information character just looking your face.  But if your not him, you cannot read a character from the face, so how can we know? We have the solution for you.</a:t>
+            </a:r>
+            <a:endParaRPr b="0" lang="en-US" sz="1200" spc="-1" strike="noStrike">
+              <a:latin typeface="Arial"/>
+            </a:endParaRPr>
+          </a:p>
+        </p:txBody>
+      </p:sp>
+      <p:sp>
+        <p:nvSpPr>
+          <p:cNvPr id="259" name="PlaceHolder 2"/>
+          <p:cNvSpPr>
+            <a:spLocks noGrp="1"/>
+          </p:cNvSpPr>
+          <p:nvPr>
+            <p:ph type="sldImg"/>
+          </p:nvPr>
+        </p:nvSpPr>
+        <p:spPr>
+          <a:xfrm>
+            <a:off x="457200" y="685800"/>
+            <a:ext cx="5940000" cy="3425400"/>
           </a:xfrm>
           <a:prstGeom prst="rect">
             <a:avLst/>
@@ -538,7 +883,7 @@
       </p:grpSpPr>
       <p:sp>
         <p:nvSpPr>
-          <p:cNvPr id="208" name="PlaceHolder 1"/>
+          <p:cNvPr id="244" name="PlaceHolder 1"/>
           <p:cNvSpPr>
             <a:spLocks noGrp="1"/>
           </p:cNvSpPr>
@@ -549,7 +894,7 @@
         <p:spPr>
           <a:xfrm>
             <a:off x="685800" y="4343400"/>
-            <a:ext cx="5484240" cy="4112640"/>
+            <a:ext cx="5482800" cy="4111200"/>
           </a:xfrm>
           <a:prstGeom prst="rect">
             <a:avLst/>
@@ -558,7 +903,7 @@
         <p:txBody>
           <a:bodyPr lIns="0" rIns="0" tIns="0" bIns="0"/>
           <a:p>
-            <a:pPr marL="457200" indent="-226440">
+            <a:pPr marL="457200" indent="-225000">
               <a:lnSpc>
                 <a:spcPct val="100000"/>
               </a:lnSpc>
@@ -578,7 +923,7 @@
             </a:endParaRPr>
           </a:p>
           <a:p>
-            <a:pPr marL="457200" indent="-226440">
+            <a:pPr marL="457200" indent="-225000">
               <a:lnSpc>
                 <a:spcPct val="100000"/>
               </a:lnSpc>
@@ -598,7 +943,7 @@
             </a:endParaRPr>
           </a:p>
           <a:p>
-            <a:pPr marL="457200" indent="-226440">
+            <a:pPr marL="457200" indent="-225000">
               <a:lnSpc>
                 <a:spcPct val="100000"/>
               </a:lnSpc>
@@ -618,7 +963,7 @@
             </a:endParaRPr>
           </a:p>
           <a:p>
-            <a:pPr marL="457200" indent="-226440">
+            <a:pPr marL="457200" indent="-225000">
               <a:lnSpc>
                 <a:spcPct val="100000"/>
               </a:lnSpc>
@@ -641,7 +986,7 @@
       </p:sp>
       <p:sp>
         <p:nvSpPr>
-          <p:cNvPr id="209" name="PlaceHolder 2"/>
+          <p:cNvPr id="245" name="PlaceHolder 2"/>
           <p:cNvSpPr>
             <a:spLocks noGrp="1"/>
           </p:cNvSpPr>
@@ -652,7 +997,92 @@
         <p:spPr>
           <a:xfrm>
             <a:off x="457200" y="685800"/>
-            <a:ext cx="5941440" cy="3426840"/>
+            <a:ext cx="5940000" cy="3425400"/>
+          </a:xfrm>
+          <a:prstGeom prst="rect">
+            <a:avLst/>
+          </a:prstGeom>
+        </p:spPr>
+      </p:sp>
+    </p:spTree>
+  </p:cSld>
+</p:notes>
+</file>
+
+<file path=ppt/notesSlides/notesSlide20.xml><?xml version="1.0" encoding="utf-8"?>
+<p:notes xmlns:a="http://schemas.openxmlformats.org/drawingml/2006/main" xmlns:p="http://schemas.openxmlformats.org/presentationml/2006/main" xmlns:r="http://schemas.openxmlformats.org/officeDocument/2006/relationships" xmlns:p14="http://schemas.microsoft.com/office/powerpoint/2010/main" xmlns:p15="http://schemas.microsoft.com/office/powerpoint/2012/main" xmlns:mc="http://schemas.openxmlformats.org/markup-compatibility/2006">
+  <p:cSld>
+    <p:spTree>
+      <p:nvGrpSpPr>
+        <p:cNvPr id="1" name=""/>
+        <p:cNvGrpSpPr/>
+        <p:nvPr/>
+      </p:nvGrpSpPr>
+      <p:grpSpPr>
+        <a:xfrm>
+          <a:off x="0" y="0"/>
+          <a:ext cx="0" cy="0"/>
+          <a:chOff x="0" y="0"/>
+          <a:chExt cx="0" cy="0"/>
+        </a:xfrm>
+      </p:grpSpPr>
+      <p:sp>
+        <p:nvSpPr>
+          <p:cNvPr id="260" name="PlaceHolder 1"/>
+          <p:cNvSpPr>
+            <a:spLocks noGrp="1"/>
+          </p:cNvSpPr>
+          <p:nvPr>
+            <p:ph type="body"/>
+          </p:nvPr>
+        </p:nvSpPr>
+        <p:spPr>
+          <a:xfrm>
+            <a:off x="685800" y="4343400"/>
+            <a:ext cx="5482800" cy="4111200"/>
+          </a:xfrm>
+          <a:prstGeom prst="rect">
+            <a:avLst/>
+          </a:prstGeom>
+        </p:spPr>
+        <p:txBody>
+          <a:bodyPr lIns="0" rIns="0" tIns="0" bIns="0"/>
+          <a:p>
+            <a:pPr marL="216000" indent="-213120">
+              <a:lnSpc>
+                <a:spcPct val="100000"/>
+              </a:lnSpc>
+            </a:pPr>
+            <a:r>
+              <a:rPr b="0" lang="en-US" sz="1200" spc="-1" strike="noStrike">
+                <a:solidFill>
+                  <a:srgbClr val="000000"/>
+                </a:solidFill>
+                <a:latin typeface="Calibri"/>
+                <a:ea typeface="Calibri"/>
+              </a:rPr>
+              <a:t>Special in the real life have some way to know that, for example, do you know him, the fortune teller,  he can give you some your information character just looking your face.  But if your not him, you cannot read a character from the face, so how can we know? We have the solution for you.</a:t>
+            </a:r>
+            <a:endParaRPr b="0" lang="en-US" sz="1200" spc="-1" strike="noStrike">
+              <a:latin typeface="Arial"/>
+            </a:endParaRPr>
+          </a:p>
+        </p:txBody>
+      </p:sp>
+      <p:sp>
+        <p:nvSpPr>
+          <p:cNvPr id="261" name="PlaceHolder 2"/>
+          <p:cNvSpPr>
+            <a:spLocks noGrp="1"/>
+          </p:cNvSpPr>
+          <p:nvPr>
+            <p:ph type="sldImg"/>
+          </p:nvPr>
+        </p:nvSpPr>
+        <p:spPr>
+          <a:xfrm>
+            <a:off x="457200" y="685800"/>
+            <a:ext cx="5940000" cy="3425400"/>
           </a:xfrm>
           <a:prstGeom prst="rect">
             <a:avLst/>
@@ -683,7 +1113,7 @@
       </p:grpSpPr>
       <p:sp>
         <p:nvSpPr>
-          <p:cNvPr id="210" name="PlaceHolder 1"/>
+          <p:cNvPr id="246" name="PlaceHolder 1"/>
           <p:cNvSpPr>
             <a:spLocks noGrp="1"/>
           </p:cNvSpPr>
@@ -694,7 +1124,7 @@
         <p:spPr>
           <a:xfrm>
             <a:off x="685800" y="4343400"/>
-            <a:ext cx="5484240" cy="4112640"/>
+            <a:ext cx="5482800" cy="4111200"/>
           </a:xfrm>
           <a:prstGeom prst="rect">
             <a:avLst/>
@@ -703,7 +1133,7 @@
         <p:txBody>
           <a:bodyPr lIns="0" rIns="0" tIns="0" bIns="0"/>
           <a:p>
-            <a:pPr marL="216000" indent="-214560">
+            <a:pPr marL="216000" indent="-213120">
               <a:lnSpc>
                 <a:spcPct val="100000"/>
               </a:lnSpc>
@@ -726,7 +1156,7 @@
       </p:sp>
       <p:sp>
         <p:nvSpPr>
-          <p:cNvPr id="211" name="PlaceHolder 2"/>
+          <p:cNvPr id="247" name="PlaceHolder 2"/>
           <p:cNvSpPr>
             <a:spLocks noGrp="1"/>
           </p:cNvSpPr>
@@ -737,7 +1167,7 @@
         <p:spPr>
           <a:xfrm>
             <a:off x="457200" y="685800"/>
-            <a:ext cx="5941440" cy="3426840"/>
+            <a:ext cx="5940000" cy="3425400"/>
           </a:xfrm>
           <a:prstGeom prst="rect">
             <a:avLst/>
@@ -3734,7 +4164,19 @@
               <a:rPr b="0" lang="en-US" sz="4400" spc="-1" strike="noStrike">
                 <a:latin typeface="Arial"/>
               </a:rPr>
-              <a:t>Click to edit the title text </a:t>
+              <a:t>Click to </a:t>
+            </a:r>
+            <a:r>
+              <a:rPr b="0" lang="en-US" sz="4400" spc="-1" strike="noStrike">
+                <a:latin typeface="Arial"/>
+              </a:rPr>
+              <a:t>edit the </a:t>
+            </a:r>
+            <a:r>
+              <a:rPr b="0" lang="en-US" sz="4400" spc="-1" strike="noStrike">
+                <a:latin typeface="Arial"/>
+              </a:rPr>
+              <a:t>title text </a:t>
             </a:r>
             <a:r>
               <a:rPr b="0" lang="en-US" sz="4400" spc="-1" strike="noStrike">
@@ -3973,7 +4415,7 @@
         <p:spPr>
           <a:xfrm>
             <a:off x="289800" y="2743200"/>
-            <a:ext cx="11046960" cy="1467720"/>
+            <a:ext cx="11045520" cy="1466280"/>
           </a:xfrm>
           <a:prstGeom prst="rect">
             <a:avLst/>
@@ -4022,7 +4464,7 @@
         <p:spPr>
           <a:xfrm>
             <a:off x="1219320" y="4267080"/>
-            <a:ext cx="9614160" cy="1750320"/>
+            <a:ext cx="9612720" cy="1748880"/>
           </a:xfrm>
           <a:prstGeom prst="rect">
             <a:avLst/>
@@ -4257,7 +4699,7 @@
         <p:spPr>
           <a:xfrm>
             <a:off x="457200" y="152280"/>
-            <a:ext cx="11046960" cy="6550920"/>
+            <a:ext cx="11045520" cy="6549480"/>
           </a:xfrm>
           <a:prstGeom prst="rect">
             <a:avLst/>
@@ -4286,7 +4728,7 @@
         <p:spPr>
           <a:xfrm>
             <a:off x="3809880" y="457200"/>
-            <a:ext cx="6627240" cy="1064520"/>
+            <a:ext cx="6625800" cy="1063080"/>
           </a:xfrm>
           <a:prstGeom prst="rect">
             <a:avLst/>
@@ -4389,7 +4831,7 @@
         <p:spPr>
           <a:xfrm>
             <a:off x="1005840" y="91440"/>
-            <a:ext cx="4489200" cy="3290040"/>
+            <a:ext cx="4487760" cy="3288600"/>
           </a:xfrm>
           <a:prstGeom prst="rect">
             <a:avLst/>
@@ -4457,7 +4899,7 @@
         <p:spPr>
           <a:xfrm>
             <a:off x="4206240" y="662040"/>
-            <a:ext cx="2833200" cy="708120"/>
+            <a:ext cx="2831760" cy="706680"/>
           </a:xfrm>
           <a:prstGeom prst="rect">
             <a:avLst/>
@@ -4506,7 +4948,7 @@
         <p:spPr>
           <a:xfrm>
             <a:off x="779040" y="1370880"/>
-            <a:ext cx="4523760" cy="545400"/>
+            <a:ext cx="4522320" cy="543960"/>
           </a:xfrm>
           <a:prstGeom prst="rect">
             <a:avLst/>
@@ -4525,7 +4967,7 @@
         <p:txBody>
           <a:bodyPr wrap="none" lIns="90000" rIns="90000" tIns="45000" bIns="45000"/>
           <a:p>
-            <a:pPr marL="216000" indent="-214200">
+            <a:pPr marL="216000" indent="-212760">
               <a:lnSpc>
                 <a:spcPct val="100000"/>
               </a:lnSpc>
@@ -4564,7 +5006,7 @@
         <p:spPr>
           <a:xfrm>
             <a:off x="1371600" y="1992240"/>
-            <a:ext cx="8638200" cy="4847040"/>
+            <a:ext cx="8636760" cy="4845600"/>
           </a:xfrm>
           <a:prstGeom prst="rect">
             <a:avLst/>
@@ -4632,7 +5074,7 @@
         <p:spPr>
           <a:xfrm>
             <a:off x="4206240" y="662040"/>
-            <a:ext cx="2833200" cy="708120"/>
+            <a:ext cx="2831760" cy="706680"/>
           </a:xfrm>
           <a:prstGeom prst="rect">
             <a:avLst/>
@@ -4681,7 +5123,7 @@
         <p:spPr>
           <a:xfrm>
             <a:off x="779040" y="1370880"/>
-            <a:ext cx="4523760" cy="545400"/>
+            <a:ext cx="4522320" cy="543960"/>
           </a:xfrm>
           <a:prstGeom prst="rect">
             <a:avLst/>
@@ -4794,7 +5236,7 @@
         <p:spPr>
           <a:xfrm>
             <a:off x="1208160" y="2319120"/>
-            <a:ext cx="8609400" cy="4827960"/>
+            <a:ext cx="8607960" cy="4826520"/>
           </a:xfrm>
           <a:prstGeom prst="rect">
             <a:avLst/>
@@ -4862,7 +5304,7 @@
         <p:spPr>
           <a:xfrm>
             <a:off x="4206240" y="662040"/>
-            <a:ext cx="2833200" cy="708120"/>
+            <a:ext cx="2831760" cy="706680"/>
           </a:xfrm>
           <a:prstGeom prst="rect">
             <a:avLst/>
@@ -4911,7 +5353,7 @@
         <p:spPr>
           <a:xfrm>
             <a:off x="779040" y="1370880"/>
-            <a:ext cx="4523760" cy="545400"/>
+            <a:ext cx="4522320" cy="543960"/>
           </a:xfrm>
           <a:prstGeom prst="rect">
             <a:avLst/>
@@ -4937,7 +5379,7 @@
         <p:spPr>
           <a:xfrm>
             <a:off x="779040" y="1370880"/>
-            <a:ext cx="4523760" cy="545400"/>
+            <a:ext cx="4522320" cy="543960"/>
           </a:xfrm>
           <a:prstGeom prst="rect">
             <a:avLst/>
@@ -4956,7 +5398,7 @@
         <p:txBody>
           <a:bodyPr wrap="none" lIns="90000" rIns="90000" tIns="45000" bIns="45000"/>
           <a:p>
-            <a:pPr marL="216000" indent="-214200">
+            <a:pPr marL="216000" indent="-212760">
               <a:lnSpc>
                 <a:spcPct val="100000"/>
               </a:lnSpc>
@@ -4995,7 +5437,7 @@
         <p:spPr>
           <a:xfrm>
             <a:off x="626760" y="1920240"/>
-            <a:ext cx="8771760" cy="4904640"/>
+            <a:ext cx="8770320" cy="4903200"/>
           </a:xfrm>
           <a:prstGeom prst="rect">
             <a:avLst/>
@@ -5063,7 +5505,7 @@
         <p:spPr>
           <a:xfrm>
             <a:off x="2374560" y="770040"/>
-            <a:ext cx="6949080" cy="708120"/>
+            <a:ext cx="6947640" cy="706680"/>
           </a:xfrm>
           <a:prstGeom prst="rect">
             <a:avLst/>
@@ -5112,9 +5554,9 @@
         <p:grpSpPr>
           <a:xfrm>
             <a:off x="1828800" y="3017520"/>
-            <a:ext cx="456480" cy="2925360"/>
+            <a:ext cx="455040" cy="2923920"/>
             <a:chOff x="1828800" y="3017520"/>
-            <a:chExt cx="456480" cy="2925360"/>
+            <a:chExt cx="455040" cy="2923920"/>
           </a:xfrm>
         </p:grpSpPr>
         <p:pic>
@@ -5130,7 +5572,7 @@
           <p:spPr>
             <a:xfrm>
               <a:off x="1848240" y="3017520"/>
-              <a:ext cx="437040" cy="437040"/>
+              <a:ext cx="435600" cy="435600"/>
             </a:xfrm>
             <a:prstGeom prst="rect">
               <a:avLst/>
@@ -5153,7 +5595,7 @@
           <p:spPr>
             <a:xfrm>
               <a:off x="1828800" y="3494160"/>
-              <a:ext cx="437040" cy="437040"/>
+              <a:ext cx="435600" cy="435600"/>
             </a:xfrm>
             <a:prstGeom prst="rect">
               <a:avLst/>
@@ -5176,7 +5618,7 @@
           <p:spPr>
             <a:xfrm>
               <a:off x="1828800" y="3951360"/>
-              <a:ext cx="437040" cy="437040"/>
+              <a:ext cx="435600" cy="435600"/>
             </a:xfrm>
             <a:prstGeom prst="rect">
               <a:avLst/>
@@ -5199,7 +5641,7 @@
           <p:spPr>
             <a:xfrm>
               <a:off x="1848240" y="4480560"/>
-              <a:ext cx="437040" cy="437040"/>
+              <a:ext cx="435600" cy="435600"/>
             </a:xfrm>
             <a:prstGeom prst="rect">
               <a:avLst/>
@@ -5222,7 +5664,7 @@
           <p:spPr>
             <a:xfrm>
               <a:off x="1828800" y="5029200"/>
-              <a:ext cx="437040" cy="437040"/>
+              <a:ext cx="435600" cy="435600"/>
             </a:xfrm>
             <a:prstGeom prst="rect">
               <a:avLst/>
@@ -5245,7 +5687,7 @@
           <p:spPr>
             <a:xfrm>
               <a:off x="1828800" y="5505840"/>
-              <a:ext cx="437040" cy="437040"/>
+              <a:ext cx="435600" cy="435600"/>
             </a:xfrm>
             <a:prstGeom prst="rect">
               <a:avLst/>
@@ -5265,9 +5707,9 @@
         <p:grpSpPr>
           <a:xfrm>
             <a:off x="2743200" y="3017520"/>
-            <a:ext cx="456480" cy="2925360"/>
+            <a:ext cx="455040" cy="2923920"/>
             <a:chOff x="2743200" y="3017520"/>
-            <a:chExt cx="456480" cy="2925360"/>
+            <a:chExt cx="455040" cy="2923920"/>
           </a:xfrm>
         </p:grpSpPr>
         <p:pic>
@@ -5283,7 +5725,7 @@
           <p:spPr>
             <a:xfrm>
               <a:off x="2743200" y="3017520"/>
-              <a:ext cx="437040" cy="437040"/>
+              <a:ext cx="435600" cy="435600"/>
             </a:xfrm>
             <a:prstGeom prst="rect">
               <a:avLst/>
@@ -5306,7 +5748,7 @@
           <p:spPr>
             <a:xfrm>
               <a:off x="2743200" y="3566160"/>
-              <a:ext cx="437040" cy="437040"/>
+              <a:ext cx="435600" cy="435600"/>
             </a:xfrm>
             <a:prstGeom prst="rect">
               <a:avLst/>
@@ -5329,7 +5771,7 @@
           <p:spPr>
             <a:xfrm>
               <a:off x="2743200" y="4042800"/>
-              <a:ext cx="437040" cy="437040"/>
+              <a:ext cx="435600" cy="435600"/>
             </a:xfrm>
             <a:prstGeom prst="rect">
               <a:avLst/>
@@ -5352,7 +5794,7 @@
           <p:spPr>
             <a:xfrm>
               <a:off x="2743200" y="4500000"/>
-              <a:ext cx="437040" cy="437040"/>
+              <a:ext cx="435600" cy="435600"/>
             </a:xfrm>
             <a:prstGeom prst="rect">
               <a:avLst/>
@@ -5375,7 +5817,7 @@
           <p:spPr>
             <a:xfrm>
               <a:off x="2743200" y="5029200"/>
-              <a:ext cx="437040" cy="437040"/>
+              <a:ext cx="435600" cy="435600"/>
             </a:xfrm>
             <a:prstGeom prst="rect">
               <a:avLst/>
@@ -5398,7 +5840,7 @@
           <p:spPr>
             <a:xfrm>
               <a:off x="2762640" y="5505840"/>
-              <a:ext cx="437040" cy="437040"/>
+              <a:ext cx="435600" cy="435600"/>
             </a:xfrm>
             <a:prstGeom prst="rect">
               <a:avLst/>
@@ -5418,7 +5860,7 @@
         <p:spPr>
           <a:xfrm>
             <a:off x="3657600" y="2285280"/>
-            <a:ext cx="1188000" cy="548640"/>
+            <a:ext cx="1186560" cy="547200"/>
           </a:xfrm>
           <a:prstGeom prst="rect">
             <a:avLst/>
@@ -5477,7 +5919,7 @@
         <p:spPr>
           <a:xfrm>
             <a:off x="779040" y="1370880"/>
-            <a:ext cx="7358400" cy="548640"/>
+            <a:ext cx="7356960" cy="547200"/>
           </a:xfrm>
           <a:prstGeom prst="rect">
             <a:avLst/>
@@ -5526,7 +5968,7 @@
         <p:spPr>
           <a:xfrm>
             <a:off x="5760720" y="2285280"/>
-            <a:ext cx="1188000" cy="548640"/>
+            <a:ext cx="1186560" cy="547200"/>
           </a:xfrm>
           <a:prstGeom prst="rect">
             <a:avLst/>
@@ -5585,7 +6027,7 @@
         <p:spPr>
           <a:xfrm>
             <a:off x="3749040" y="3108240"/>
-            <a:ext cx="1005120" cy="457200"/>
+            <a:ext cx="1003680" cy="455760"/>
           </a:xfrm>
           <a:prstGeom prst="rect">
             <a:avLst/>
@@ -5644,7 +6086,7 @@
         <p:spPr>
           <a:xfrm>
             <a:off x="3749040" y="3565440"/>
-            <a:ext cx="1005120" cy="457200"/>
+            <a:ext cx="1003680" cy="455760"/>
           </a:xfrm>
           <a:prstGeom prst="rect">
             <a:avLst/>
@@ -5703,7 +6145,7 @@
         <p:spPr>
           <a:xfrm>
             <a:off x="3749040" y="4022640"/>
-            <a:ext cx="1005120" cy="457200"/>
+            <a:ext cx="1003680" cy="455760"/>
           </a:xfrm>
           <a:prstGeom prst="rect">
             <a:avLst/>
@@ -5762,7 +6204,7 @@
         <p:spPr>
           <a:xfrm>
             <a:off x="3749040" y="4480560"/>
-            <a:ext cx="1005120" cy="457200"/>
+            <a:ext cx="1003680" cy="455760"/>
           </a:xfrm>
           <a:prstGeom prst="rect">
             <a:avLst/>
@@ -5821,7 +6263,7 @@
         <p:spPr>
           <a:xfrm>
             <a:off x="3749040" y="4937040"/>
-            <a:ext cx="1005120" cy="457200"/>
+            <a:ext cx="1003680" cy="455760"/>
           </a:xfrm>
           <a:prstGeom prst="rect">
             <a:avLst/>
@@ -5880,7 +6322,7 @@
         <p:spPr>
           <a:xfrm>
             <a:off x="3749040" y="5394960"/>
-            <a:ext cx="1005120" cy="457200"/>
+            <a:ext cx="1003680" cy="455760"/>
           </a:xfrm>
           <a:prstGeom prst="rect">
             <a:avLst/>
@@ -5939,7 +6381,7 @@
         <p:spPr>
           <a:xfrm>
             <a:off x="3749040" y="3108240"/>
-            <a:ext cx="1005120" cy="457200"/>
+            <a:ext cx="1003680" cy="455760"/>
           </a:xfrm>
           <a:prstGeom prst="rect">
             <a:avLst/>
@@ -5998,7 +6440,7 @@
         <p:spPr>
           <a:xfrm>
             <a:off x="5852160" y="3108960"/>
-            <a:ext cx="1005120" cy="457200"/>
+            <a:ext cx="1003680" cy="455760"/>
           </a:xfrm>
           <a:prstGeom prst="rect">
             <a:avLst/>
@@ -6057,7 +6499,7 @@
         <p:spPr>
           <a:xfrm>
             <a:off x="5852160" y="3565440"/>
-            <a:ext cx="1005120" cy="457200"/>
+            <a:ext cx="1003680" cy="455760"/>
           </a:xfrm>
           <a:prstGeom prst="rect">
             <a:avLst/>
@@ -6116,7 +6558,7 @@
         <p:spPr>
           <a:xfrm>
             <a:off x="5852160" y="4023360"/>
-            <a:ext cx="1005120" cy="457200"/>
+            <a:ext cx="1003680" cy="455760"/>
           </a:xfrm>
           <a:prstGeom prst="rect">
             <a:avLst/>
@@ -6175,7 +6617,7 @@
         <p:spPr>
           <a:xfrm>
             <a:off x="5852160" y="4023360"/>
-            <a:ext cx="1005120" cy="457200"/>
+            <a:ext cx="1003680" cy="455760"/>
           </a:xfrm>
           <a:prstGeom prst="rect">
             <a:avLst/>
@@ -6234,7 +6676,7 @@
         <p:spPr>
           <a:xfrm>
             <a:off x="5852160" y="4479840"/>
-            <a:ext cx="1005120" cy="457200"/>
+            <a:ext cx="1003680" cy="455760"/>
           </a:xfrm>
           <a:prstGeom prst="rect">
             <a:avLst/>
@@ -6293,7 +6735,7 @@
         <p:spPr>
           <a:xfrm>
             <a:off x="5852160" y="4937760"/>
-            <a:ext cx="1005120" cy="457200"/>
+            <a:ext cx="1003680" cy="455760"/>
           </a:xfrm>
           <a:prstGeom prst="rect">
             <a:avLst/>
@@ -6352,7 +6794,7 @@
         <p:spPr>
           <a:xfrm>
             <a:off x="5852160" y="5395680"/>
-            <a:ext cx="1005120" cy="457200"/>
+            <a:ext cx="1003680" cy="455760"/>
           </a:xfrm>
           <a:prstGeom prst="rect">
             <a:avLst/>
@@ -6411,7 +6853,7 @@
         <p:spPr>
           <a:xfrm>
             <a:off x="732240" y="1554840"/>
-            <a:ext cx="7588440" cy="512640"/>
+            <a:ext cx="7587000" cy="511200"/>
           </a:xfrm>
           <a:prstGeom prst="rect">
             <a:avLst/>
@@ -6509,7 +6951,7 @@
         <p:spPr>
           <a:xfrm>
             <a:off x="374400" y="152280"/>
-            <a:ext cx="11129400" cy="6550920"/>
+            <a:ext cx="11127960" cy="6549480"/>
           </a:xfrm>
           <a:prstGeom prst="rect">
             <a:avLst/>
@@ -6538,7 +6980,7 @@
         <p:spPr>
           <a:xfrm>
             <a:off x="2468880" y="1949040"/>
-            <a:ext cx="6810120" cy="4754160"/>
+            <a:ext cx="6808680" cy="4752720"/>
           </a:xfrm>
           <a:prstGeom prst="rect">
             <a:avLst/>
@@ -11777,7 +12219,7 @@
         <p:spPr>
           <a:xfrm>
             <a:off x="914400" y="3291840"/>
-            <a:ext cx="10100520" cy="545400"/>
+            <a:ext cx="10099080" cy="543960"/>
           </a:xfrm>
           <a:prstGeom prst="rect">
             <a:avLst/>
@@ -11803,7 +12245,7 @@
         <p:spPr>
           <a:xfrm>
             <a:off x="732240" y="1554480"/>
-            <a:ext cx="7588440" cy="512640"/>
+            <a:ext cx="7587000" cy="511200"/>
           </a:xfrm>
           <a:prstGeom prst="rect">
             <a:avLst/>
@@ -11852,7 +12294,7 @@
         <p:spPr>
           <a:xfrm>
             <a:off x="2374560" y="770040"/>
-            <a:ext cx="6949080" cy="708120"/>
+            <a:ext cx="6947640" cy="706680"/>
           </a:xfrm>
           <a:prstGeom prst="rect">
             <a:avLst/>
@@ -11950,7 +12392,7 @@
         <p:spPr>
           <a:xfrm>
             <a:off x="374400" y="152280"/>
-            <a:ext cx="11129400" cy="6550920"/>
+            <a:ext cx="11127960" cy="6549480"/>
           </a:xfrm>
           <a:prstGeom prst="rect">
             <a:avLst/>
@@ -11978,8 +12420,34 @@
         </p:nvSpPr>
         <p:spPr>
           <a:xfrm>
-            <a:off x="982440" y="694080"/>
-            <a:ext cx="5320800" cy="545400"/>
+            <a:off x="914400" y="3291840"/>
+            <a:ext cx="10099080" cy="543960"/>
+          </a:xfrm>
+          <a:prstGeom prst="rect">
+            <a:avLst/>
+          </a:prstGeom>
+          <a:noFill/>
+          <a:ln>
+            <a:noFill/>
+          </a:ln>
+        </p:spPr>
+        <p:style>
+          <a:lnRef idx="0"/>
+          <a:fillRef idx="0"/>
+          <a:effectRef idx="0"/>
+          <a:fontRef idx="minor"/>
+        </p:style>
+      </p:sp>
+      <p:sp>
+        <p:nvSpPr>
+          <p:cNvPr id="178" name="CustomShape 3"/>
+          <p:cNvSpPr/>
+          <p:nvPr/>
+        </p:nvSpPr>
+        <p:spPr>
+          <a:xfrm>
+            <a:off x="1005840" y="2238480"/>
+            <a:ext cx="8959680" cy="4113720"/>
           </a:xfrm>
           <a:prstGeom prst="rect">
             <a:avLst/>
@@ -11996,88 +12464,84 @@
           <a:fontRef idx="minor"/>
         </p:style>
         <p:txBody>
-          <a:bodyPr wrap="none" lIns="90000" rIns="90000" tIns="45000" bIns="45000"/>
-          <a:p>
-            <a:pPr marL="216000" indent="-214200">
-              <a:lnSpc>
-                <a:spcPct val="100000"/>
-              </a:lnSpc>
-              <a:buClr>
-                <a:srgbClr val="000000"/>
-              </a:buClr>
-              <a:buFont typeface="Wingdings" charset="2"/>
-              <a:buChar char=""/>
-            </a:pPr>
-            <a:r>
-              <a:rPr b="1" lang="en-US" sz="3000" spc="-1" strike="noStrike">
-                <a:solidFill>
-                  <a:srgbClr val="000000"/>
-                </a:solidFill>
-                <a:latin typeface="Times New Roman"/>
-                <a:ea typeface="Arial"/>
-              </a:rPr>
-              <a:t> </a:t>
-            </a:r>
-            <a:r>
-              <a:rPr b="1" lang="en-US" sz="3000" spc="-1" strike="noStrike">
-                <a:solidFill>
-                  <a:srgbClr val="000000"/>
-                </a:solidFill>
-                <a:latin typeface="Times New Roman"/>
-                <a:ea typeface="Arial"/>
-              </a:rPr>
-              <a:t>Complexity of a Chess Game</a:t>
-            </a:r>
-            <a:endParaRPr b="0" lang="en-US" sz="3000" spc="-1" strike="noStrike">
-              <a:latin typeface="Arial"/>
-            </a:endParaRPr>
-          </a:p>
-        </p:txBody>
-      </p:sp>
-      <p:sp>
-        <p:nvSpPr>
-          <p:cNvPr id="178" name="CustomShape 3"/>
-          <p:cNvSpPr/>
-          <p:nvPr/>
-        </p:nvSpPr>
-        <p:spPr>
-          <a:xfrm>
-            <a:off x="914400" y="1645920"/>
-            <a:ext cx="7788600" cy="545400"/>
-          </a:xfrm>
-          <a:prstGeom prst="rect">
-            <a:avLst/>
-          </a:prstGeom>
-          <a:noFill/>
-          <a:ln>
-            <a:noFill/>
-          </a:ln>
-        </p:spPr>
-        <p:style>
-          <a:lnRef idx="0"/>
-          <a:fillRef idx="0"/>
-          <a:effectRef idx="0"/>
-          <a:fontRef idx="minor"/>
-        </p:style>
-        <p:txBody>
-          <a:bodyPr wrap="none" lIns="90000" rIns="90000" tIns="45000" bIns="45000"/>
+          <a:bodyPr lIns="90000" rIns="90000" tIns="45000" bIns="45000"/>
           <a:p>
             <a:pPr>
               <a:lnSpc>
                 <a:spcPct val="100000"/>
               </a:lnSpc>
             </a:pPr>
-            <a:r>
-              <a:rPr b="1" lang="en-US" sz="3000" spc="-1" strike="noStrike">
-                <a:solidFill>
-                  <a:srgbClr val="000000"/>
-                </a:solidFill>
-                <a:latin typeface="Times New Roman"/>
-                <a:ea typeface="Arial"/>
-              </a:rPr>
-              <a:t>20 possible start moves, 20 possible replies, etc.</a:t>
-            </a:r>
-            <a:endParaRPr b="0" lang="en-US" sz="3000" spc="-1" strike="noStrike">
+            <a:endParaRPr b="0" lang="en-US" sz="1800" spc="-1" strike="noStrike">
+              <a:latin typeface="Arial"/>
+            </a:endParaRPr>
+          </a:p>
+          <a:p>
+            <a:pPr>
+              <a:lnSpc>
+                <a:spcPct val="100000"/>
+              </a:lnSpc>
+            </a:pPr>
+            <a:endParaRPr b="0" lang="en-US" sz="1800" spc="-1" strike="noStrike">
+              <a:latin typeface="Arial"/>
+            </a:endParaRPr>
+          </a:p>
+          <a:p>
+            <a:pPr>
+              <a:lnSpc>
+                <a:spcPct val="100000"/>
+              </a:lnSpc>
+            </a:pPr>
+            <a:endParaRPr b="0" lang="en-US" sz="1800" spc="-1" strike="noStrike">
+              <a:latin typeface="Arial"/>
+            </a:endParaRPr>
+          </a:p>
+          <a:p>
+            <a:pPr>
+              <a:lnSpc>
+                <a:spcPct val="100000"/>
+              </a:lnSpc>
+            </a:pPr>
+            <a:endParaRPr b="0" lang="en-US" sz="1800" spc="-1" strike="noStrike">
+              <a:latin typeface="Arial"/>
+            </a:endParaRPr>
+          </a:p>
+          <a:p>
+            <a:pPr>
+              <a:lnSpc>
+                <a:spcPct val="100000"/>
+              </a:lnSpc>
+            </a:pPr>
+            <a:endParaRPr b="0" lang="en-US" sz="1800" spc="-1" strike="noStrike">
+              <a:latin typeface="Arial"/>
+            </a:endParaRPr>
+          </a:p>
+          <a:p>
+            <a:pPr>
+              <a:lnSpc>
+                <a:spcPct val="100000"/>
+              </a:lnSpc>
+            </a:pPr>
+            <a:endParaRPr b="0" lang="en-US" sz="1800" spc="-1" strike="noStrike">
+              <a:latin typeface="Arial"/>
+            </a:endParaRPr>
+          </a:p>
+          <a:p>
+            <a:pPr>
+              <a:lnSpc>
+                <a:spcPct val="100000"/>
+              </a:lnSpc>
+            </a:pPr>
+            <a:endParaRPr b="0" lang="en-US" sz="1800" spc="-1" strike="noStrike">
+              <a:latin typeface="Arial"/>
+            </a:endParaRPr>
+          </a:p>
+          <a:p>
+            <a:pPr>
+              <a:lnSpc>
+                <a:spcPct val="100000"/>
+              </a:lnSpc>
+            </a:pPr>
+            <a:endParaRPr b="0" lang="en-US" sz="1800" spc="-1" strike="noStrike">
               <a:latin typeface="Arial"/>
             </a:endParaRPr>
           </a:p>
@@ -12091,8 +12555,8 @@
         </p:nvSpPr>
         <p:spPr>
           <a:xfrm>
-            <a:off x="982440" y="694080"/>
-            <a:ext cx="5320800" cy="545400"/>
+            <a:off x="2374560" y="770040"/>
+            <a:ext cx="6947640" cy="706680"/>
           </a:xfrm>
           <a:prstGeom prst="rect">
             <a:avLst/>
@@ -12109,39 +12573,24 @@
           <a:fontRef idx="minor"/>
         </p:style>
         <p:txBody>
-          <a:bodyPr wrap="none" lIns="90000" rIns="90000" tIns="45000" bIns="45000"/>
-          <a:p>
-            <a:pPr marL="216000" indent="-214200">
-              <a:lnSpc>
-                <a:spcPct val="100000"/>
-              </a:lnSpc>
-              <a:buClr>
-                <a:srgbClr val="000000"/>
-              </a:buClr>
-              <a:buFont typeface="Wingdings" charset="2"/>
-              <a:buChar char=""/>
-            </a:pPr>
-            <a:r>
-              <a:rPr b="1" lang="en-US" sz="3000" spc="-1" strike="noStrike">
-                <a:solidFill>
-                  <a:srgbClr val="000000"/>
-                </a:solidFill>
-                <a:latin typeface="Times New Roman"/>
-                <a:ea typeface="Arial"/>
-              </a:rPr>
-              <a:t> </a:t>
-            </a:r>
-            <a:r>
-              <a:rPr b="1" lang="en-US" sz="3000" spc="-1" strike="noStrike">
-                <a:solidFill>
-                  <a:srgbClr val="000000"/>
-                </a:solidFill>
-                <a:latin typeface="Times New Roman"/>
-                <a:ea typeface="Arial"/>
-              </a:rPr>
-              <a:t>Complexity of a Chess Game</a:t>
-            </a:r>
-            <a:endParaRPr b="0" lang="en-US" sz="3000" spc="-1" strike="noStrike">
+          <a:bodyPr lIns="90000" rIns="90000" tIns="45000" bIns="45000"/>
+          <a:p>
+            <a:pPr>
+              <a:lnSpc>
+                <a:spcPct val="100000"/>
+              </a:lnSpc>
+            </a:pPr>
+            <a:r>
+              <a:rPr b="1" lang="en-US" sz="4400" spc="-1" strike="noStrike">
+                <a:solidFill>
+                  <a:srgbClr val="00b0f0"/>
+                </a:solidFill>
+                <a:latin typeface="Times New Roman"/>
+                <a:ea typeface="Times New Roman"/>
+              </a:rPr>
+              <a:t>EVALUATE SYSTEM</a:t>
+            </a:r>
+            <a:endParaRPr b="0" lang="en-US" sz="4400" spc="-1" strike="noStrike">
               <a:latin typeface="Arial"/>
             </a:endParaRPr>
           </a:p>
@@ -12155,15 +12604,22 @@
         </p:nvSpPr>
         <p:spPr>
           <a:xfrm>
-            <a:off x="888840" y="2193120"/>
-            <a:ext cx="7521840" cy="545400"/>
-          </a:xfrm>
-          <a:prstGeom prst="rect">
-            <a:avLst/>
-          </a:prstGeom>
-          <a:noFill/>
-          <a:ln>
-            <a:noFill/>
+            <a:off x="1463040" y="1817280"/>
+            <a:ext cx="3656880" cy="559440"/>
+          </a:xfrm>
+          <a:prstGeom prst="roundRect">
+            <a:avLst>
+              <a:gd name="adj" fmla="val 10000"/>
+            </a:avLst>
+          </a:prstGeom>
+          <a:solidFill>
+            <a:srgbClr val="67a83f"/>
+          </a:solidFill>
+          <a:ln w="25560">
+            <a:solidFill>
+              <a:schemeClr val="lt1"/>
+            </a:solidFill>
+            <a:round/>
           </a:ln>
         </p:spPr>
         <p:style>
@@ -12173,9 +12629,9 @@
           <a:fontRef idx="minor"/>
         </p:style>
         <p:txBody>
-          <a:bodyPr wrap="none" lIns="90000" rIns="90000" tIns="45000" bIns="45000"/>
-          <a:p>
-            <a:pPr>
+          <a:bodyPr lIns="90000" rIns="90000" tIns="45000" bIns="45000"/>
+          <a:p>
+            <a:pPr algn="ctr">
               <a:lnSpc>
                 <a:spcPct val="100000"/>
               </a:lnSpc>
@@ -12188,7 +12644,7 @@
                 <a:latin typeface="Times New Roman"/>
                 <a:ea typeface="Arial"/>
               </a:rPr>
-              <a:t>400 possible positions after 2 ply (half moves)</a:t>
+              <a:t>Mobility</a:t>
             </a:r>
             <a:endParaRPr b="0" lang="en-US" sz="3000" spc="-1" strike="noStrike">
               <a:latin typeface="Arial"/>
@@ -12204,15 +12660,22 @@
         </p:nvSpPr>
         <p:spPr>
           <a:xfrm>
-            <a:off x="869040" y="2744640"/>
-            <a:ext cx="4615560" cy="545400"/>
-          </a:xfrm>
-          <a:prstGeom prst="rect">
-            <a:avLst/>
-          </a:prstGeom>
-          <a:noFill/>
-          <a:ln>
-            <a:noFill/>
+            <a:off x="1463400" y="2377440"/>
+            <a:ext cx="3656880" cy="559440"/>
+          </a:xfrm>
+          <a:prstGeom prst="roundRect">
+            <a:avLst>
+              <a:gd name="adj" fmla="val 10000"/>
+            </a:avLst>
+          </a:prstGeom>
+          <a:solidFill>
+            <a:srgbClr val="67a83f"/>
+          </a:solidFill>
+          <a:ln w="25560">
+            <a:solidFill>
+              <a:schemeClr val="lt1"/>
+            </a:solidFill>
+            <a:round/>
           </a:ln>
         </p:spPr>
         <p:style>
@@ -12222,9 +12685,9 @@
           <a:fontRef idx="minor"/>
         </p:style>
         <p:txBody>
-          <a:bodyPr wrap="none" lIns="90000" rIns="90000" tIns="45000" bIns="45000"/>
-          <a:p>
-            <a:pPr>
+          <a:bodyPr lIns="90000" rIns="90000" tIns="45000" bIns="45000"/>
+          <a:p>
+            <a:pPr algn="ctr">
               <a:lnSpc>
                 <a:spcPct val="100000"/>
               </a:lnSpc>
@@ -12237,7 +12700,7 @@
                 <a:latin typeface="Times New Roman"/>
                 <a:ea typeface="Arial"/>
               </a:rPr>
-              <a:t>197 281 positions after 4ply</a:t>
+              <a:t>King Threat</a:t>
             </a:r>
             <a:endParaRPr b="0" lang="en-US" sz="3000" spc="-1" strike="noStrike">
               <a:latin typeface="Arial"/>
@@ -12253,15 +12716,22 @@
         </p:nvSpPr>
         <p:spPr>
           <a:xfrm>
-            <a:off x="914400" y="3291840"/>
-            <a:ext cx="10100520" cy="545400"/>
-          </a:xfrm>
-          <a:prstGeom prst="rect">
-            <a:avLst/>
-          </a:prstGeom>
-          <a:noFill/>
-          <a:ln>
-            <a:noFill/>
+            <a:off x="1463040" y="2914560"/>
+            <a:ext cx="3656880" cy="559440"/>
+          </a:xfrm>
+          <a:prstGeom prst="roundRect">
+            <a:avLst>
+              <a:gd name="adj" fmla="val 10000"/>
+            </a:avLst>
+          </a:prstGeom>
+          <a:solidFill>
+            <a:srgbClr val="67a83f"/>
+          </a:solidFill>
+          <a:ln w="25560">
+            <a:solidFill>
+              <a:schemeClr val="lt1"/>
+            </a:solidFill>
+            <a:round/>
           </a:ln>
         </p:spPr>
         <p:style>
@@ -12271,9 +12741,9 @@
           <a:fontRef idx="minor"/>
         </p:style>
         <p:txBody>
-          <a:bodyPr wrap="none" lIns="90000" rIns="90000" tIns="45000" bIns="45000"/>
-          <a:p>
-            <a:pPr>
+          <a:bodyPr lIns="90000" rIns="90000" tIns="45000" bIns="45000"/>
+          <a:p>
+            <a:pPr algn="ctr">
               <a:lnSpc>
                 <a:spcPct val="100000"/>
               </a:lnSpc>
@@ -12286,7 +12756,381 @@
                 <a:latin typeface="Times New Roman"/>
                 <a:ea typeface="Arial"/>
               </a:rPr>
-              <a:t>713 positions after 10 ply (5 White moves and 5 Black moves)</a:t>
+              <a:t>King Castle</a:t>
+            </a:r>
+            <a:endParaRPr b="0" lang="en-US" sz="3000" spc="-1" strike="noStrike">
+              <a:latin typeface="Arial"/>
+            </a:endParaRPr>
+          </a:p>
+        </p:txBody>
+      </p:sp>
+      <p:sp>
+        <p:nvSpPr>
+          <p:cNvPr id="183" name="CustomShape 8"/>
+          <p:cNvSpPr/>
+          <p:nvPr/>
+        </p:nvSpPr>
+        <p:spPr>
+          <a:xfrm>
+            <a:off x="1463400" y="3475080"/>
+            <a:ext cx="3656880" cy="559440"/>
+          </a:xfrm>
+          <a:prstGeom prst="roundRect">
+            <a:avLst>
+              <a:gd name="adj" fmla="val 10000"/>
+            </a:avLst>
+          </a:prstGeom>
+          <a:solidFill>
+            <a:srgbClr val="67a83f"/>
+          </a:solidFill>
+          <a:ln w="25560">
+            <a:solidFill>
+              <a:schemeClr val="lt1"/>
+            </a:solidFill>
+            <a:round/>
+          </a:ln>
+        </p:spPr>
+        <p:style>
+          <a:lnRef idx="0"/>
+          <a:fillRef idx="0"/>
+          <a:effectRef idx="0"/>
+          <a:fontRef idx="minor"/>
+        </p:style>
+        <p:txBody>
+          <a:bodyPr lIns="90000" rIns="90000" tIns="45000" bIns="45000"/>
+          <a:p>
+            <a:pPr algn="ctr">
+              <a:lnSpc>
+                <a:spcPct val="100000"/>
+              </a:lnSpc>
+            </a:pPr>
+            <a:r>
+              <a:rPr b="1" lang="en-US" sz="3000" spc="-1" strike="noStrike">
+                <a:solidFill>
+                  <a:srgbClr val="000000"/>
+                </a:solidFill>
+                <a:latin typeface="Times New Roman"/>
+                <a:ea typeface="Arial"/>
+              </a:rPr>
+              <a:t>King Safety</a:t>
+            </a:r>
+            <a:endParaRPr b="0" lang="en-US" sz="3000" spc="-1" strike="noStrike">
+              <a:latin typeface="Arial"/>
+            </a:endParaRPr>
+          </a:p>
+        </p:txBody>
+      </p:sp>
+      <p:sp>
+        <p:nvSpPr>
+          <p:cNvPr id="184" name="CustomShape 9"/>
+          <p:cNvSpPr/>
+          <p:nvPr/>
+        </p:nvSpPr>
+        <p:spPr>
+          <a:xfrm>
+            <a:off x="1463760" y="4035600"/>
+            <a:ext cx="3656880" cy="559440"/>
+          </a:xfrm>
+          <a:prstGeom prst="roundRect">
+            <a:avLst>
+              <a:gd name="adj" fmla="val 10000"/>
+            </a:avLst>
+          </a:prstGeom>
+          <a:solidFill>
+            <a:srgbClr val="67a83f"/>
+          </a:solidFill>
+          <a:ln w="25560">
+            <a:solidFill>
+              <a:schemeClr val="lt1"/>
+            </a:solidFill>
+            <a:round/>
+          </a:ln>
+        </p:spPr>
+        <p:style>
+          <a:lnRef idx="0"/>
+          <a:fillRef idx="0"/>
+          <a:effectRef idx="0"/>
+          <a:fontRef idx="minor"/>
+        </p:style>
+        <p:txBody>
+          <a:bodyPr lIns="90000" rIns="90000" tIns="45000" bIns="45000"/>
+          <a:p>
+            <a:pPr algn="ctr">
+              <a:lnSpc>
+                <a:spcPct val="100000"/>
+              </a:lnSpc>
+            </a:pPr>
+            <a:r>
+              <a:rPr b="1" lang="en-US" sz="3000" spc="-1" strike="noStrike">
+                <a:solidFill>
+                  <a:srgbClr val="000000"/>
+                </a:solidFill>
+                <a:latin typeface="Times New Roman"/>
+                <a:ea typeface="Arial"/>
+              </a:rPr>
+              <a:t>Attack Move</a:t>
+            </a:r>
+            <a:endParaRPr b="0" lang="en-US" sz="3000" spc="-1" strike="noStrike">
+              <a:latin typeface="Arial"/>
+            </a:endParaRPr>
+          </a:p>
+        </p:txBody>
+      </p:sp>
+      <p:sp>
+        <p:nvSpPr>
+          <p:cNvPr id="185" name="CustomShape 10"/>
+          <p:cNvSpPr/>
+          <p:nvPr/>
+        </p:nvSpPr>
+        <p:spPr>
+          <a:xfrm>
+            <a:off x="1464120" y="4596120"/>
+            <a:ext cx="3656880" cy="559440"/>
+          </a:xfrm>
+          <a:prstGeom prst="roundRect">
+            <a:avLst>
+              <a:gd name="adj" fmla="val 10000"/>
+            </a:avLst>
+          </a:prstGeom>
+          <a:solidFill>
+            <a:srgbClr val="67a83f"/>
+          </a:solidFill>
+          <a:ln w="25560">
+            <a:solidFill>
+              <a:schemeClr val="lt1"/>
+            </a:solidFill>
+            <a:round/>
+          </a:ln>
+        </p:spPr>
+        <p:style>
+          <a:lnRef idx="0"/>
+          <a:fillRef idx="0"/>
+          <a:effectRef idx="0"/>
+          <a:fontRef idx="minor"/>
+        </p:style>
+        <p:txBody>
+          <a:bodyPr lIns="90000" rIns="90000" tIns="45000" bIns="45000"/>
+          <a:p>
+            <a:pPr algn="ctr">
+              <a:lnSpc>
+                <a:spcPct val="100000"/>
+              </a:lnSpc>
+            </a:pPr>
+            <a:r>
+              <a:rPr b="1" lang="en-US" sz="3000" spc="-1" strike="noStrike">
+                <a:solidFill>
+                  <a:srgbClr val="000000"/>
+                </a:solidFill>
+                <a:latin typeface="Times New Roman"/>
+                <a:ea typeface="Arial"/>
+              </a:rPr>
+              <a:t>Piece Evaluation</a:t>
+            </a:r>
+            <a:endParaRPr b="0" lang="en-US" sz="3000" spc="-1" strike="noStrike">
+              <a:latin typeface="Arial"/>
+            </a:endParaRPr>
+          </a:p>
+        </p:txBody>
+      </p:sp>
+      <p:sp>
+        <p:nvSpPr>
+          <p:cNvPr id="186" name="CustomShape 11"/>
+          <p:cNvSpPr/>
+          <p:nvPr/>
+        </p:nvSpPr>
+        <p:spPr>
+          <a:xfrm>
+            <a:off x="1464480" y="5156640"/>
+            <a:ext cx="3656880" cy="559440"/>
+          </a:xfrm>
+          <a:prstGeom prst="roundRect">
+            <a:avLst>
+              <a:gd name="adj" fmla="val 10000"/>
+            </a:avLst>
+          </a:prstGeom>
+          <a:solidFill>
+            <a:srgbClr val="67a83f"/>
+          </a:solidFill>
+          <a:ln w="25560">
+            <a:solidFill>
+              <a:schemeClr val="lt1"/>
+            </a:solidFill>
+            <a:round/>
+          </a:ln>
+        </p:spPr>
+        <p:style>
+          <a:lnRef idx="0"/>
+          <a:fillRef idx="0"/>
+          <a:effectRef idx="0"/>
+          <a:fontRef idx="minor"/>
+        </p:style>
+        <p:txBody>
+          <a:bodyPr lIns="90000" rIns="90000" tIns="45000" bIns="45000"/>
+          <a:p>
+            <a:pPr algn="ctr">
+              <a:lnSpc>
+                <a:spcPct val="100000"/>
+              </a:lnSpc>
+            </a:pPr>
+            <a:r>
+              <a:rPr b="1" lang="en-US" sz="3000" spc="-1" strike="noStrike">
+                <a:solidFill>
+                  <a:srgbClr val="000000"/>
+                </a:solidFill>
+                <a:latin typeface="Times New Roman"/>
+                <a:ea typeface="Arial"/>
+              </a:rPr>
+              <a:t>Depth Bonus </a:t>
+            </a:r>
+            <a:endParaRPr b="0" lang="en-US" sz="3000" spc="-1" strike="noStrike">
+              <a:latin typeface="Arial"/>
+            </a:endParaRPr>
+          </a:p>
+        </p:txBody>
+      </p:sp>
+      <p:sp>
+        <p:nvSpPr>
+          <p:cNvPr id="187" name="Line 12"/>
+          <p:cNvSpPr/>
+          <p:nvPr/>
+        </p:nvSpPr>
+        <p:spPr>
+          <a:xfrm>
+            <a:off x="5880600" y="3782520"/>
+            <a:ext cx="731520" cy="360"/>
+          </a:xfrm>
+          <a:prstGeom prst="line">
+            <a:avLst/>
+          </a:prstGeom>
+          <a:ln w="76320">
+            <a:solidFill>
+              <a:srgbClr val="3465a4"/>
+            </a:solidFill>
+            <a:round/>
+            <a:tailEnd len="med" type="triangle" w="med"/>
+          </a:ln>
+        </p:spPr>
+        <p:style>
+          <a:lnRef idx="0"/>
+          <a:fillRef idx="0"/>
+          <a:effectRef idx="0"/>
+          <a:fontRef idx="minor"/>
+        </p:style>
+      </p:sp>
+      <p:sp>
+        <p:nvSpPr>
+          <p:cNvPr id="188" name="CustomShape 13"/>
+          <p:cNvSpPr/>
+          <p:nvPr/>
+        </p:nvSpPr>
+        <p:spPr>
+          <a:xfrm>
+            <a:off x="5303520" y="1920240"/>
+            <a:ext cx="639360" cy="3748320"/>
+          </a:xfrm>
+          <a:custGeom>
+            <a:avLst/>
+            <a:gdLst/>
+            <a:ahLst/>
+            <a:rect l="l" t="t" r="r" b="b"/>
+            <a:pathLst>
+              <a:path w="1780" h="10416">
+                <a:moveTo>
+                  <a:pt x="0" y="0"/>
+                </a:moveTo>
+                <a:cubicBezTo>
+                  <a:pt x="444" y="0"/>
+                  <a:pt x="889" y="433"/>
+                  <a:pt x="889" y="867"/>
+                </a:cubicBezTo>
+                <a:lnTo>
+                  <a:pt x="889" y="4339"/>
+                </a:lnTo>
+                <a:cubicBezTo>
+                  <a:pt x="889" y="4773"/>
+                  <a:pt x="1334" y="5207"/>
+                  <a:pt x="1779" y="5207"/>
+                </a:cubicBezTo>
+                <a:cubicBezTo>
+                  <a:pt x="1334" y="5207"/>
+                  <a:pt x="889" y="5641"/>
+                  <a:pt x="889" y="6075"/>
+                </a:cubicBezTo>
+                <a:lnTo>
+                  <a:pt x="889" y="9547"/>
+                </a:lnTo>
+                <a:cubicBezTo>
+                  <a:pt x="889" y="9981"/>
+                  <a:pt x="444" y="10415"/>
+                  <a:pt x="0" y="10415"/>
+                </a:cubicBezTo>
+              </a:path>
+            </a:pathLst>
+          </a:custGeom>
+          <a:noFill/>
+          <a:ln w="76320">
+            <a:solidFill>
+              <a:srgbClr val="3465a4"/>
+            </a:solidFill>
+            <a:round/>
+          </a:ln>
+        </p:spPr>
+        <p:style>
+          <a:lnRef idx="0"/>
+          <a:fillRef idx="0"/>
+          <a:effectRef idx="0"/>
+          <a:fontRef idx="minor"/>
+        </p:style>
+      </p:sp>
+      <p:sp>
+        <p:nvSpPr>
+          <p:cNvPr id="189" name="CustomShape 14"/>
+          <p:cNvSpPr/>
+          <p:nvPr/>
+        </p:nvSpPr>
+        <p:spPr>
+          <a:xfrm>
+            <a:off x="6654960" y="3183840"/>
+            <a:ext cx="4480560" cy="1188000"/>
+          </a:xfrm>
+          <a:prstGeom prst="roundRect">
+            <a:avLst>
+              <a:gd name="adj" fmla="val 10000"/>
+            </a:avLst>
+          </a:prstGeom>
+          <a:solidFill>
+            <a:srgbClr val="67a83f"/>
+          </a:solidFill>
+          <a:ln w="25560">
+            <a:solidFill>
+              <a:schemeClr val="lt1"/>
+            </a:solidFill>
+            <a:round/>
+          </a:ln>
+        </p:spPr>
+        <p:style>
+          <a:lnRef idx="0"/>
+          <a:fillRef idx="0"/>
+          <a:effectRef idx="0"/>
+          <a:fontRef idx="minor"/>
+        </p:style>
+        <p:txBody>
+          <a:bodyPr lIns="90000" rIns="90000" tIns="45000" bIns="45000" anchor="ctr"/>
+          <a:p>
+            <a:pPr algn="ctr">
+              <a:lnSpc>
+                <a:spcPct val="100000"/>
+              </a:lnSpc>
+            </a:pPr>
+            <a:r>
+              <a:rPr b="1" lang="en-US" sz="3000" spc="-1" strike="noStrike">
+                <a:solidFill>
+                  <a:srgbClr val="000000"/>
+                </a:solidFill>
+                <a:latin typeface="Times New Roman"/>
+                <a:ea typeface="Arial"/>
+              </a:rPr>
+              <a:t>Player Score</a:t>
             </a:r>
             <a:endParaRPr b="0" lang="en-US" sz="3000" spc="-1" strike="noStrike">
               <a:latin typeface="Arial"/>
@@ -12345,21 +13189,24 @@
       </p:grpSpPr>
       <p:sp>
         <p:nvSpPr>
-          <p:cNvPr id="183" name="CustomShape 1"/>
+          <p:cNvPr id="190" name="CustomShape 1"/>
           <p:cNvSpPr/>
           <p:nvPr/>
         </p:nvSpPr>
         <p:spPr>
           <a:xfrm>
-            <a:off x="352440" y="153360"/>
-            <a:ext cx="11113920" cy="1140840"/>
+            <a:off x="374400" y="152280"/>
+            <a:ext cx="11127960" cy="6549480"/>
           </a:xfrm>
           <a:prstGeom prst="rect">
             <a:avLst/>
           </a:prstGeom>
           <a:noFill/>
-          <a:ln>
-            <a:noFill/>
+          <a:ln w="25560">
+            <a:solidFill>
+              <a:srgbClr val="395e89"/>
+            </a:solidFill>
+            <a:round/>
           </a:ln>
         </p:spPr>
         <p:style>
@@ -12368,40 +13215,43 @@
           <a:effectRef idx="0"/>
           <a:fontRef idx="minor"/>
         </p:style>
-        <p:txBody>
-          <a:bodyPr lIns="90000" rIns="90000" tIns="45000" bIns="45000" anchor="ctr"/>
-          <a:p>
-            <a:pPr algn="ctr">
-              <a:lnSpc>
-                <a:spcPct val="100000"/>
-              </a:lnSpc>
-            </a:pPr>
-            <a:r>
-              <a:rPr b="1" lang="en-US" sz="4400" spc="-1" strike="noStrike">
-                <a:solidFill>
-                  <a:srgbClr val="00b0f0"/>
-                </a:solidFill>
-                <a:latin typeface="Times New Roman"/>
-                <a:ea typeface="Calibri"/>
-              </a:rPr>
-              <a:t>DEMONSTRATION</a:t>
-            </a:r>
-            <a:endParaRPr b="0" lang="en-US" sz="4400" spc="-1" strike="noStrike">
-              <a:latin typeface="Arial"/>
-            </a:endParaRPr>
-          </a:p>
-        </p:txBody>
       </p:sp>
       <p:sp>
         <p:nvSpPr>
-          <p:cNvPr id="184" name="CustomShape 2"/>
+          <p:cNvPr id="191" name="CustomShape 2"/>
           <p:cNvSpPr/>
           <p:nvPr/>
         </p:nvSpPr>
         <p:spPr>
           <a:xfrm>
-            <a:off x="1001520" y="1506600"/>
-            <a:ext cx="10696320" cy="4523760"/>
+            <a:off x="914400" y="3291840"/>
+            <a:ext cx="10099080" cy="543960"/>
+          </a:xfrm>
+          <a:prstGeom prst="rect">
+            <a:avLst/>
+          </a:prstGeom>
+          <a:noFill/>
+          <a:ln>
+            <a:noFill/>
+          </a:ln>
+        </p:spPr>
+        <p:style>
+          <a:lnRef idx="0"/>
+          <a:fillRef idx="0"/>
+          <a:effectRef idx="0"/>
+          <a:fontRef idx="minor"/>
+        </p:style>
+      </p:sp>
+      <p:sp>
+        <p:nvSpPr>
+          <p:cNvPr id="192" name="CustomShape 3"/>
+          <p:cNvSpPr/>
+          <p:nvPr/>
+        </p:nvSpPr>
+        <p:spPr>
+          <a:xfrm>
+            <a:off x="1005840" y="2238480"/>
+            <a:ext cx="8959680" cy="4113720"/>
           </a:xfrm>
           <a:prstGeom prst="rect">
             <a:avLst/>
@@ -12420,27 +13270,82 @@
         <p:txBody>
           <a:bodyPr lIns="90000" rIns="90000" tIns="45000" bIns="45000"/>
           <a:p>
-            <a:pPr marL="342720" indent="-340560">
-              <a:lnSpc>
-                <a:spcPct val="100000"/>
-              </a:lnSpc>
-              <a:buClr>
-                <a:srgbClr val="000000"/>
-              </a:buClr>
-              <a:buFont typeface="Arial"/>
-              <a:buChar char="•"/>
-            </a:pPr>
-            <a:r>
-              <a:rPr b="0" lang="en-US" sz="3500" spc="-1" strike="noStrike">
-                <a:solidFill>
-                  <a:srgbClr val="000000"/>
-                </a:solidFill>
-                <a:latin typeface="Calibri"/>
-                <a:ea typeface="Calibri"/>
-              </a:rPr>
-              <a:t>Link demo:</a:t>
-            </a:r>
-            <a:endParaRPr b="0" lang="en-US" sz="3500" spc="-1" strike="noStrike">
+            <a:pPr>
+              <a:lnSpc>
+                <a:spcPct val="100000"/>
+              </a:lnSpc>
+            </a:pPr>
+            <a:endParaRPr b="0" lang="en-US" sz="1800" spc="-1" strike="noStrike">
+              <a:latin typeface="Arial"/>
+            </a:endParaRPr>
+          </a:p>
+          <a:p>
+            <a:pPr>
+              <a:lnSpc>
+                <a:spcPct val="100000"/>
+              </a:lnSpc>
+            </a:pPr>
+            <a:endParaRPr b="0" lang="en-US" sz="1800" spc="-1" strike="noStrike">
+              <a:latin typeface="Arial"/>
+            </a:endParaRPr>
+          </a:p>
+          <a:p>
+            <a:pPr>
+              <a:lnSpc>
+                <a:spcPct val="100000"/>
+              </a:lnSpc>
+            </a:pPr>
+            <a:endParaRPr b="0" lang="en-US" sz="1800" spc="-1" strike="noStrike">
+              <a:latin typeface="Arial"/>
+            </a:endParaRPr>
+          </a:p>
+          <a:p>
+            <a:pPr>
+              <a:lnSpc>
+                <a:spcPct val="100000"/>
+              </a:lnSpc>
+            </a:pPr>
+            <a:endParaRPr b="0" lang="en-US" sz="1800" spc="-1" strike="noStrike">
+              <a:latin typeface="Arial"/>
+            </a:endParaRPr>
+          </a:p>
+          <a:p>
+            <a:pPr>
+              <a:lnSpc>
+                <a:spcPct val="100000"/>
+              </a:lnSpc>
+            </a:pPr>
+            <a:endParaRPr b="0" lang="en-US" sz="1800" spc="-1" strike="noStrike">
+              <a:latin typeface="Arial"/>
+            </a:endParaRPr>
+          </a:p>
+          <a:p>
+            <a:pPr>
+              <a:lnSpc>
+                <a:spcPct val="100000"/>
+              </a:lnSpc>
+            </a:pPr>
+            <a:endParaRPr b="0" lang="en-US" sz="1800" spc="-1" strike="noStrike">
+              <a:latin typeface="Arial"/>
+            </a:endParaRPr>
+          </a:p>
+          <a:p>
+            <a:pPr>
+              <a:lnSpc>
+                <a:spcPct val="100000"/>
+              </a:lnSpc>
+            </a:pPr>
+            <a:endParaRPr b="0" lang="en-US" sz="1800" spc="-1" strike="noStrike">
+              <a:latin typeface="Arial"/>
+            </a:endParaRPr>
+          </a:p>
+          <a:p>
+            <a:pPr>
+              <a:lnSpc>
+                <a:spcPct val="100000"/>
+              </a:lnSpc>
+            </a:pPr>
+            <a:endParaRPr b="0" lang="en-US" sz="1800" spc="-1" strike="noStrike">
               <a:latin typeface="Arial"/>
             </a:endParaRPr>
           </a:p>
@@ -12448,24 +13353,21 @@
       </p:sp>
       <p:sp>
         <p:nvSpPr>
-          <p:cNvPr id="185" name="CustomShape 3"/>
+          <p:cNvPr id="193" name="CustomShape 4"/>
           <p:cNvSpPr/>
           <p:nvPr/>
         </p:nvSpPr>
         <p:spPr>
           <a:xfrm>
-            <a:off x="374400" y="152280"/>
-            <a:ext cx="11129400" cy="6550920"/>
+            <a:off x="2374560" y="770040"/>
+            <a:ext cx="6947640" cy="706680"/>
           </a:xfrm>
           <a:prstGeom prst="rect">
             <a:avLst/>
           </a:prstGeom>
           <a:noFill/>
-          <a:ln w="25560">
-            <a:solidFill>
-              <a:srgbClr val="395e89"/>
-            </a:solidFill>
-            <a:round/>
+          <a:ln>
+            <a:noFill/>
           </a:ln>
         </p:spPr>
         <p:style>
@@ -12474,6 +13376,321 @@
           <a:effectRef idx="0"/>
           <a:fontRef idx="minor"/>
         </p:style>
+        <p:txBody>
+          <a:bodyPr lIns="90000" rIns="90000" tIns="45000" bIns="45000"/>
+          <a:p>
+            <a:pPr algn="ctr">
+              <a:lnSpc>
+                <a:spcPct val="100000"/>
+              </a:lnSpc>
+            </a:pPr>
+            <a:r>
+              <a:rPr b="1" lang="en-US" sz="4400" spc="-1" strike="noStrike">
+                <a:solidFill>
+                  <a:srgbClr val="00b0f0"/>
+                </a:solidFill>
+                <a:latin typeface="Times New Roman"/>
+                <a:ea typeface="Times New Roman"/>
+              </a:rPr>
+              <a:t>MINIMAX</a:t>
+            </a:r>
+            <a:endParaRPr b="0" lang="en-US" sz="4400" spc="-1" strike="noStrike">
+              <a:latin typeface="Arial"/>
+            </a:endParaRPr>
+          </a:p>
+        </p:txBody>
+      </p:sp>
+      <p:pic>
+        <p:nvPicPr>
+          <p:cNvPr id="194" name="" descr=""/>
+          <p:cNvPicPr/>
+          <p:nvPr/>
+        </p:nvPicPr>
+        <p:blipFill>
+          <a:blip r:embed="rId1"/>
+          <a:stretch/>
+        </p:blipFill>
+        <p:spPr>
+          <a:xfrm>
+            <a:off x="2769840" y="1842480"/>
+            <a:ext cx="6099120" cy="2774160"/>
+          </a:xfrm>
+          <a:prstGeom prst="rect">
+            <a:avLst/>
+          </a:prstGeom>
+          <a:ln>
+            <a:noFill/>
+          </a:ln>
+        </p:spPr>
+      </p:pic>
+      <p:sp>
+        <p:nvSpPr>
+          <p:cNvPr id="195" name="CustomShape 5"/>
+          <p:cNvSpPr/>
+          <p:nvPr/>
+        </p:nvSpPr>
+        <p:spPr>
+          <a:xfrm>
+            <a:off x="1192680" y="5500080"/>
+            <a:ext cx="9505080" cy="519480"/>
+          </a:xfrm>
+          <a:prstGeom prst="rect">
+            <a:avLst/>
+          </a:prstGeom>
+          <a:noFill/>
+          <a:ln>
+            <a:noFill/>
+          </a:ln>
+        </p:spPr>
+        <p:style>
+          <a:lnRef idx="0"/>
+          <a:fillRef idx="0"/>
+          <a:effectRef idx="0"/>
+          <a:fontRef idx="minor"/>
+        </p:style>
+        <p:txBody>
+          <a:bodyPr lIns="90000" rIns="90000" tIns="45000" bIns="45000"/>
+          <a:p>
+            <a:pPr>
+              <a:lnSpc>
+                <a:spcPct val="100000"/>
+              </a:lnSpc>
+            </a:pPr>
+            <a:r>
+              <a:rPr b="0" lang="en-US" sz="1000" spc="-1" strike="noStrike">
+                <a:solidFill>
+                  <a:srgbClr val="000000"/>
+                </a:solidFill>
+                <a:latin typeface="Courier New"/>
+                <a:ea typeface="DejaVu Sans"/>
+              </a:rPr>
+              <a:t>        </a:t>
+            </a:r>
+            <a:r>
+              <a:rPr b="0" lang="en-US" sz="1000" spc="-1" strike="noStrike">
+                <a:solidFill>
+                  <a:srgbClr val="0066b3"/>
+                </a:solidFill>
+                <a:latin typeface="Courier New"/>
+                <a:ea typeface="DejaVu Sans"/>
+              </a:rPr>
+              <a:t>evaluateValue = transitionBoard.</a:t>
+            </a:r>
+            <a:r>
+              <a:rPr b="0" lang="en-US" sz="1000" spc="-1" strike="noStrike">
+                <a:solidFill>
+                  <a:srgbClr val="ce181e"/>
+                </a:solidFill>
+                <a:latin typeface="Courier New"/>
+                <a:ea typeface="DejaVu Sans"/>
+              </a:rPr>
+              <a:t>playerTurn == </a:t>
+            </a:r>
+            <a:r>
+              <a:rPr b="0" lang="en-US" sz="1000" spc="-1" strike="noStrike">
+                <a:solidFill>
+                  <a:srgbClr val="0066b3"/>
+                </a:solidFill>
+                <a:latin typeface="Courier New"/>
+                <a:ea typeface="DejaVu Sans"/>
+              </a:rPr>
+              <a:t>Alliance::</a:t>
+            </a:r>
+            <a:r>
+              <a:rPr b="0" lang="en-US" sz="1000" spc="-1" strike="noStrike">
+                <a:solidFill>
+                  <a:srgbClr val="67a83f"/>
+                </a:solidFill>
+                <a:latin typeface="Courier New"/>
+                <a:ea typeface="DejaVu Sans"/>
+              </a:rPr>
+              <a:t>WHITE ? min(</a:t>
+            </a:r>
+            <a:r>
+              <a:rPr b="0" lang="en-US" sz="1000" spc="-1" strike="noStrike">
+                <a:solidFill>
+                  <a:srgbClr val="0066b3"/>
+                </a:solidFill>
+                <a:latin typeface="Courier New"/>
+                <a:ea typeface="DejaVu Sans"/>
+              </a:rPr>
+              <a:t>transitionBoard, m_searchDepth - 1): </a:t>
+            </a:r>
+            <a:r>
+              <a:rPr b="0" lang="en-US" sz="1000" spc="-1" strike="noStrike">
+                <a:solidFill>
+                  <a:srgbClr val="0066b3"/>
+                </a:solidFill>
+                <a:latin typeface="Courier New"/>
+                <a:ea typeface="DejaVu Sans"/>
+              </a:rPr>
+              <a:t>	</a:t>
+            </a:r>
+            <a:r>
+              <a:rPr b="0" lang="en-US" sz="1000" spc="-1" strike="noStrike">
+                <a:solidFill>
+                  <a:srgbClr val="0066b3"/>
+                </a:solidFill>
+                <a:latin typeface="Courier New"/>
+                <a:ea typeface="DejaVu Sans"/>
+              </a:rPr>
+              <a:t>	</a:t>
+            </a:r>
+            <a:r>
+              <a:rPr b="0" lang="en-US" sz="1000" spc="-1" strike="noStrike">
+                <a:solidFill>
+                  <a:srgbClr val="0066b3"/>
+                </a:solidFill>
+                <a:latin typeface="Courier New"/>
+                <a:ea typeface="DejaVu Sans"/>
+              </a:rPr>
+              <a:t>	</a:t>
+            </a:r>
+            <a:r>
+              <a:rPr b="0" lang="en-US" sz="1000" spc="-1" strike="noStrike">
+                <a:solidFill>
+                  <a:srgbClr val="0066b3"/>
+                </a:solidFill>
+                <a:latin typeface="Courier New"/>
+                <a:ea typeface="DejaVu Sans"/>
+              </a:rPr>
+              <a:t>	</a:t>
+            </a:r>
+            <a:r>
+              <a:rPr b="0" lang="en-US" sz="1000" spc="-1" strike="noStrike">
+                <a:solidFill>
+                  <a:srgbClr val="0066b3"/>
+                </a:solidFill>
+                <a:latin typeface="Courier New"/>
+                <a:ea typeface="DejaVu Sans"/>
+              </a:rPr>
+              <a:t>	</a:t>
+            </a:r>
+            <a:r>
+              <a:rPr b="0" lang="en-US" sz="1000" spc="-1" strike="noStrike">
+                <a:solidFill>
+                  <a:srgbClr val="0066b3"/>
+                </a:solidFill>
+                <a:latin typeface="Courier New"/>
+                <a:ea typeface="DejaVu Sans"/>
+              </a:rPr>
+              <a:t>	</a:t>
+            </a:r>
+            <a:r>
+              <a:rPr b="0" lang="en-US" sz="1000" spc="-1" strike="noStrike">
+                <a:solidFill>
+                  <a:srgbClr val="0066b3"/>
+                </a:solidFill>
+                <a:latin typeface="Courier New"/>
+                <a:ea typeface="DejaVu Sans"/>
+              </a:rPr>
+              <a:t>	</a:t>
+            </a:r>
+            <a:r>
+              <a:rPr b="0" lang="en-US" sz="1000" spc="-1" strike="noStrike">
+                <a:solidFill>
+                  <a:srgbClr val="0066b3"/>
+                </a:solidFill>
+                <a:latin typeface="Courier New"/>
+                <a:ea typeface="DejaVu Sans"/>
+              </a:rPr>
+              <a:t>	</a:t>
+            </a:r>
+            <a:r>
+              <a:rPr b="0" lang="en-US" sz="1000" spc="-1" strike="noStrike">
+                <a:solidFill>
+                  <a:srgbClr val="0066b3"/>
+                </a:solidFill>
+                <a:latin typeface="Courier New"/>
+                <a:ea typeface="DejaVu Sans"/>
+              </a:rPr>
+              <a:t>	</a:t>
+            </a:r>
+            <a:r>
+              <a:rPr b="0" lang="en-US" sz="1000" spc="-1" strike="noStrike">
+                <a:solidFill>
+                  <a:srgbClr val="0066b3"/>
+                </a:solidFill>
+                <a:latin typeface="Courier New"/>
+                <a:ea typeface="DejaVu Sans"/>
+              </a:rPr>
+              <a:t>	</a:t>
+            </a:r>
+            <a:r>
+              <a:rPr b="0" lang="en-US" sz="1000" spc="-1" strike="noStrike">
+                <a:solidFill>
+                  <a:srgbClr val="0066b3"/>
+                </a:solidFill>
+                <a:latin typeface="Courier New"/>
+                <a:ea typeface="DejaVu Sans"/>
+              </a:rPr>
+              <a:t>	</a:t>
+            </a:r>
+            <a:r>
+              <a:rPr b="0" lang="en-US" sz="1000" spc="-1" strike="noStrike">
+                <a:solidFill>
+                  <a:srgbClr val="0066b3"/>
+                </a:solidFill>
+                <a:latin typeface="Courier New"/>
+                <a:ea typeface="DejaVu Sans"/>
+              </a:rPr>
+              <a:t>     </a:t>
+            </a:r>
+            <a:r>
+              <a:rPr b="0" lang="en-US" sz="1000" spc="-1" strike="noStrike">
+                <a:solidFill>
+                  <a:srgbClr val="0066b3"/>
+                </a:solidFill>
+                <a:latin typeface="Courier New"/>
+                <a:ea typeface="DejaVu Sans"/>
+              </a:rPr>
+              <a:t>	</a:t>
+            </a:r>
+            <a:r>
+              <a:rPr b="0" lang="en-US" sz="1000" spc="-1" strike="noStrike">
+                <a:solidFill>
+                  <a:srgbClr val="0066b3"/>
+                </a:solidFill>
+                <a:latin typeface="Courier New"/>
+                <a:ea typeface="DejaVu Sans"/>
+              </a:rPr>
+              <a:t>	</a:t>
+            </a:r>
+            <a:r>
+              <a:rPr b="0" lang="en-US" sz="1000" spc="-1" strike="noStrike">
+                <a:solidFill>
+                  <a:srgbClr val="0066b3"/>
+                </a:solidFill>
+                <a:latin typeface="Courier New"/>
+                <a:ea typeface="DejaVu Sans"/>
+              </a:rPr>
+              <a:t>	</a:t>
+            </a:r>
+            <a:r>
+              <a:rPr b="0" lang="en-US" sz="1000" spc="-1" strike="noStrike">
+                <a:solidFill>
+                  <a:srgbClr val="67a83f"/>
+                </a:solidFill>
+                <a:latin typeface="Courier New"/>
+                <a:ea typeface="DejaVu Sans"/>
+              </a:rPr>
+              <a:t>max(</a:t>
+            </a:r>
+            <a:r>
+              <a:rPr b="0" lang="en-US" sz="1000" spc="-1" strike="noStrike">
+                <a:solidFill>
+                  <a:srgbClr val="0066b3"/>
+                </a:solidFill>
+                <a:latin typeface="Courier New"/>
+                <a:ea typeface="DejaVu Sans"/>
+              </a:rPr>
+              <a:t>transitionBoard, m_searchDepth - 1); </a:t>
+            </a:r>
+            <a:endParaRPr b="0" lang="en-US" sz="1000" spc="-1" strike="noStrike">
+              <a:latin typeface="Arial"/>
+            </a:endParaRPr>
+          </a:p>
+        </p:txBody>
       </p:sp>
     </p:spTree>
   </p:cSld>
@@ -12526,63 +13743,14 @@
       </p:grpSpPr>
       <p:sp>
         <p:nvSpPr>
-          <p:cNvPr id="186" name="CustomShape 1"/>
+          <p:cNvPr id="196" name="CustomShape 1"/>
           <p:cNvSpPr/>
           <p:nvPr/>
         </p:nvSpPr>
         <p:spPr>
           <a:xfrm>
-            <a:off x="457200" y="152280"/>
-            <a:ext cx="11046960" cy="1140840"/>
-          </a:xfrm>
-          <a:prstGeom prst="rect">
-            <a:avLst/>
-          </a:prstGeom>
-          <a:noFill/>
-          <a:ln>
-            <a:noFill/>
-          </a:ln>
-        </p:spPr>
-        <p:style>
-          <a:lnRef idx="0"/>
-          <a:fillRef idx="0"/>
-          <a:effectRef idx="0"/>
-          <a:fontRef idx="minor"/>
-        </p:style>
-        <p:txBody>
-          <a:bodyPr lIns="90000" rIns="90000" tIns="45000" bIns="45000" anchor="ctr"/>
-          <a:p>
-            <a:pPr algn="ctr">
-              <a:lnSpc>
-                <a:spcPct val="100000"/>
-              </a:lnSpc>
-            </a:pPr>
-            <a:r>
-              <a:rPr b="1" lang="en-US" sz="4400" spc="-1" strike="noStrike">
-                <a:solidFill>
-                  <a:srgbClr val="00b0f0"/>
-                </a:solidFill>
-                <a:latin typeface="Times New Roman"/>
-                <a:ea typeface="Calibri"/>
-              </a:rPr>
-              <a:t>CONCLUSION</a:t>
-            </a:r>
-            <a:endParaRPr b="0" lang="en-US" sz="4400" spc="-1" strike="noStrike">
-              <a:latin typeface="Arial"/>
-            </a:endParaRPr>
-          </a:p>
-        </p:txBody>
-      </p:sp>
-      <p:sp>
-        <p:nvSpPr>
-          <p:cNvPr id="187" name="CustomShape 2"/>
-          <p:cNvSpPr/>
-          <p:nvPr/>
-        </p:nvSpPr>
-        <p:spPr>
-          <a:xfrm>
-            <a:off x="457200" y="152280"/>
-            <a:ext cx="11046960" cy="6550920"/>
+            <a:off x="374400" y="152280"/>
+            <a:ext cx="11127960" cy="6549480"/>
           </a:xfrm>
           <a:prstGeom prst="rect">
             <a:avLst/>
@@ -12604,102 +13772,14 @@
       </p:sp>
       <p:sp>
         <p:nvSpPr>
-          <p:cNvPr id="188" name="CustomShape 3"/>
+          <p:cNvPr id="197" name="CustomShape 2"/>
           <p:cNvSpPr/>
           <p:nvPr/>
         </p:nvSpPr>
         <p:spPr>
           <a:xfrm>
-            <a:off x="823680" y="1982160"/>
-            <a:ext cx="4250160" cy="4205520"/>
-          </a:xfrm>
-          <a:prstGeom prst="rect">
-            <a:avLst/>
-          </a:prstGeom>
-          <a:solidFill>
-            <a:schemeClr val="accent1"/>
-          </a:solidFill>
-          <a:ln w="25560">
-            <a:solidFill>
-              <a:schemeClr val="lt1"/>
-            </a:solidFill>
-            <a:round/>
-          </a:ln>
-        </p:spPr>
-        <p:style>
-          <a:lnRef idx="0"/>
-          <a:fillRef idx="0"/>
-          <a:effectRef idx="0"/>
-          <a:fontRef idx="minor"/>
-        </p:style>
-      </p:sp>
-      <p:sp>
-        <p:nvSpPr>
-          <p:cNvPr id="189" name="CustomShape 4"/>
-          <p:cNvSpPr/>
-          <p:nvPr/>
-        </p:nvSpPr>
-        <p:spPr>
-          <a:xfrm rot="16200000">
-            <a:off x="-772920" y="3667320"/>
-            <a:ext cx="3646800" cy="681840"/>
-          </a:xfrm>
-          <a:prstGeom prst="rect">
-            <a:avLst/>
-          </a:prstGeom>
-          <a:noFill/>
-          <a:ln>
-            <a:noFill/>
-          </a:ln>
-        </p:spPr>
-        <p:style>
-          <a:lnRef idx="0"/>
-          <a:fillRef idx="0"/>
-          <a:effectRef idx="0"/>
-          <a:fontRef idx="minor"/>
-        </p:style>
-      </p:sp>
-      <p:sp>
-        <p:nvSpPr>
-          <p:cNvPr id="190" name="CustomShape 5"/>
-          <p:cNvSpPr/>
-          <p:nvPr/>
-        </p:nvSpPr>
-        <p:spPr>
-          <a:xfrm>
-            <a:off x="6666480" y="1985760"/>
-            <a:ext cx="4458960" cy="4145760"/>
-          </a:xfrm>
-          <a:prstGeom prst="rect">
-            <a:avLst/>
-          </a:prstGeom>
-          <a:solidFill>
-            <a:schemeClr val="accent1"/>
-          </a:solidFill>
-          <a:ln w="25560">
-            <a:solidFill>
-              <a:schemeClr val="lt1"/>
-            </a:solidFill>
-            <a:round/>
-          </a:ln>
-        </p:spPr>
-        <p:style>
-          <a:lnRef idx="0"/>
-          <a:fillRef idx="0"/>
-          <a:effectRef idx="0"/>
-          <a:fontRef idx="minor"/>
-        </p:style>
-      </p:sp>
-      <p:sp>
-        <p:nvSpPr>
-          <p:cNvPr id="191" name="CustomShape 6"/>
-          <p:cNvSpPr/>
-          <p:nvPr/>
-        </p:nvSpPr>
-        <p:spPr>
-          <a:xfrm>
-            <a:off x="6820920" y="2154600"/>
-            <a:ext cx="4276080" cy="3948840"/>
+            <a:off x="1005840" y="2238480"/>
+            <a:ext cx="8959680" cy="4113720"/>
           </a:xfrm>
           <a:prstGeom prst="rect">
             <a:avLst/>
@@ -12716,11 +13796,11 @@
           <a:fontRef idx="minor"/>
         </p:style>
         <p:txBody>
-          <a:bodyPr lIns="170640" rIns="170640" tIns="603000" bIns="170640"/>
+          <a:bodyPr lIns="90000" rIns="90000" tIns="45000" bIns="45000"/>
           <a:p>
             <a:pPr>
               <a:lnSpc>
-                <a:spcPct val="90000"/>
+                <a:spcPct val="100000"/>
               </a:lnSpc>
             </a:pPr>
             <a:endParaRPr b="0" lang="en-US" sz="1800" spc="-1" strike="noStrike">
@@ -12730,7 +13810,7 @@
           <a:p>
             <a:pPr>
               <a:lnSpc>
-                <a:spcPct val="90000"/>
+                <a:spcPct val="100000"/>
               </a:lnSpc>
             </a:pPr>
             <a:endParaRPr b="0" lang="en-US" sz="1800" spc="-1" strike="noStrike">
@@ -12740,7 +13820,7 @@
           <a:p>
             <a:pPr>
               <a:lnSpc>
-                <a:spcPct val="90000"/>
+                <a:spcPct val="100000"/>
               </a:lnSpc>
             </a:pPr>
             <a:endParaRPr b="0" lang="en-US" sz="1800" spc="-1" strike="noStrike">
@@ -12748,135 +13828,52 @@
             </a:endParaRPr>
           </a:p>
           <a:p>
-            <a:pPr lvl="1" marL="228600" indent="-226440">
-              <a:lnSpc>
-                <a:spcPct val="90000"/>
-              </a:lnSpc>
-              <a:buClr>
-                <a:srgbClr val="ffffff"/>
-              </a:buClr>
-              <a:buFont typeface="Calibri"/>
-              <a:buChar char="•"/>
-            </a:pPr>
-            <a:r>
-              <a:rPr b="0" lang="en-US" sz="2400" spc="-1" strike="noStrike">
-                <a:solidFill>
-                  <a:srgbClr val="ffffff"/>
-                </a:solidFill>
-                <a:latin typeface="Calibri"/>
-                <a:ea typeface="Calibri"/>
-              </a:rPr>
-              <a:t>Prepare the dataset</a:t>
-            </a:r>
-            <a:endParaRPr b="0" lang="en-US" sz="2400" spc="-1" strike="noStrike">
-              <a:latin typeface="Arial"/>
-            </a:endParaRPr>
-          </a:p>
-          <a:p>
-            <a:pPr lvl="1" marL="228600" indent="-226440">
-              <a:lnSpc>
-                <a:spcPct val="90000"/>
-              </a:lnSpc>
-              <a:spcBef>
-                <a:spcPts val="360"/>
-              </a:spcBef>
-              <a:buClr>
-                <a:srgbClr val="ffffff"/>
-              </a:buClr>
-              <a:buFont typeface="Calibri"/>
-              <a:buChar char="•"/>
-            </a:pPr>
-            <a:r>
-              <a:rPr b="0" lang="en-US" sz="2400" spc="-1" strike="noStrike">
-                <a:solidFill>
-                  <a:srgbClr val="ffffff"/>
-                </a:solidFill>
-                <a:latin typeface="Calibri"/>
-                <a:ea typeface="Calibri"/>
-              </a:rPr>
-              <a:t>Evaluating dataset</a:t>
-            </a:r>
-            <a:endParaRPr b="0" lang="en-US" sz="2400" spc="-1" strike="noStrike">
-              <a:latin typeface="Arial"/>
-            </a:endParaRPr>
-          </a:p>
-          <a:p>
-            <a:pPr lvl="1" marL="228600" indent="-226440">
-              <a:lnSpc>
-                <a:spcPct val="90000"/>
-              </a:lnSpc>
-              <a:spcBef>
-                <a:spcPts val="360"/>
-              </a:spcBef>
-              <a:buClr>
-                <a:srgbClr val="ffffff"/>
-              </a:buClr>
-              <a:buFont typeface="Calibri"/>
-              <a:buChar char="•"/>
-            </a:pPr>
-            <a:r>
-              <a:rPr b="0" lang="en-US" sz="2400" spc="-1" strike="noStrike">
-                <a:solidFill>
-                  <a:srgbClr val="ffffff"/>
-                </a:solidFill>
-                <a:latin typeface="Calibri"/>
-                <a:ea typeface="Calibri"/>
-              </a:rPr>
-              <a:t>Extracting features involve human characteristics</a:t>
-            </a:r>
-            <a:endParaRPr b="0" lang="en-US" sz="2400" spc="-1" strike="noStrike">
-              <a:latin typeface="Arial"/>
-            </a:endParaRPr>
-          </a:p>
-          <a:p>
             <a:pPr>
               <a:lnSpc>
-                <a:spcPct val="90000"/>
-              </a:lnSpc>
-              <a:spcBef>
-                <a:spcPts val="360"/>
-              </a:spcBef>
-            </a:pPr>
-            <a:endParaRPr b="0" lang="en-US" sz="2400" spc="-1" strike="noStrike">
-              <a:latin typeface="Arial"/>
-            </a:endParaRPr>
-          </a:p>
-          <a:p>
-            <a:pPr marL="228600" indent="-226440">
-              <a:lnSpc>
-                <a:spcPct val="90000"/>
-              </a:lnSpc>
-              <a:spcBef>
-                <a:spcPts val="360"/>
-              </a:spcBef>
-            </a:pPr>
-            <a:endParaRPr b="0" lang="en-US" sz="2400" spc="-1" strike="noStrike">
-              <a:latin typeface="Arial"/>
-            </a:endParaRPr>
-          </a:p>
-          <a:p>
-            <a:pPr marL="228600" indent="-226440">
-              <a:lnSpc>
-                <a:spcPct val="90000"/>
-              </a:lnSpc>
-              <a:spcBef>
-                <a:spcPts val="360"/>
-              </a:spcBef>
-            </a:pPr>
-            <a:endParaRPr b="0" lang="en-US" sz="2400" spc="-1" strike="noStrike">
-              <a:latin typeface="Arial"/>
-            </a:endParaRPr>
-          </a:p>
-          <a:p>
-            <a:pPr marL="228600" indent="-74160">
-              <a:lnSpc>
-                <a:spcPct val="90000"/>
-              </a:lnSpc>
-              <a:spcBef>
-                <a:spcPts val="360"/>
-              </a:spcBef>
-            </a:pPr>
-            <a:endParaRPr b="0" lang="en-US" sz="2400" spc="-1" strike="noStrike">
+                <a:spcPct val="100000"/>
+              </a:lnSpc>
+            </a:pPr>
+            <a:endParaRPr b="0" lang="en-US" sz="1800" spc="-1" strike="noStrike">
+              <a:latin typeface="Arial"/>
+            </a:endParaRPr>
+          </a:p>
+          <a:p>
+            <a:pPr>
+              <a:lnSpc>
+                <a:spcPct val="100000"/>
+              </a:lnSpc>
+            </a:pPr>
+            <a:endParaRPr b="0" lang="en-US" sz="1800" spc="-1" strike="noStrike">
+              <a:latin typeface="Arial"/>
+            </a:endParaRPr>
+          </a:p>
+          <a:p>
+            <a:pPr>
+              <a:lnSpc>
+                <a:spcPct val="100000"/>
+              </a:lnSpc>
+            </a:pPr>
+            <a:endParaRPr b="0" lang="en-US" sz="1800" spc="-1" strike="noStrike">
+              <a:latin typeface="Arial"/>
+            </a:endParaRPr>
+          </a:p>
+          <a:p>
+            <a:pPr>
+              <a:lnSpc>
+                <a:spcPct val="100000"/>
+              </a:lnSpc>
+            </a:pPr>
+            <a:endParaRPr b="0" lang="en-US" sz="1800" spc="-1" strike="noStrike">
+              <a:latin typeface="Arial"/>
+            </a:endParaRPr>
+          </a:p>
+          <a:p>
+            <a:pPr>
+              <a:lnSpc>
+                <a:spcPct val="100000"/>
+              </a:lnSpc>
+            </a:pPr>
+            <a:endParaRPr b="0" lang="en-US" sz="1800" spc="-1" strike="noStrike">
               <a:latin typeface="Arial"/>
             </a:endParaRPr>
           </a:p>
@@ -12884,40 +13881,14 @@
       </p:sp>
       <p:sp>
         <p:nvSpPr>
-          <p:cNvPr id="192" name="CustomShape 7"/>
+          <p:cNvPr id="198" name="CustomShape 3"/>
           <p:cNvSpPr/>
           <p:nvPr/>
         </p:nvSpPr>
         <p:spPr>
-          <a:xfrm rot="16200000">
-            <a:off x="4741560" y="3666960"/>
-            <a:ext cx="3646800" cy="681840"/>
-          </a:xfrm>
-          <a:prstGeom prst="rect">
-            <a:avLst/>
-          </a:prstGeom>
-          <a:noFill/>
-          <a:ln>
-            <a:noFill/>
-          </a:ln>
-        </p:spPr>
-        <p:style>
-          <a:lnRef idx="0"/>
-          <a:fillRef idx="0"/>
-          <a:effectRef idx="0"/>
-          <a:fontRef idx="minor"/>
-        </p:style>
-      </p:sp>
-      <p:sp>
-        <p:nvSpPr>
-          <p:cNvPr id="193" name="CustomShape 8"/>
-          <p:cNvSpPr/>
-          <p:nvPr/>
-        </p:nvSpPr>
-        <p:spPr>
-          <a:xfrm>
-            <a:off x="992520" y="2012400"/>
-            <a:ext cx="4252680" cy="3852000"/>
+          <a:xfrm>
+            <a:off x="2374560" y="770040"/>
+            <a:ext cx="6947640" cy="706680"/>
           </a:xfrm>
           <a:prstGeom prst="rect">
             <a:avLst/>
@@ -12934,182 +13905,24 @@
           <a:fontRef idx="minor"/>
         </p:style>
         <p:txBody>
-          <a:bodyPr lIns="170640" rIns="170640" tIns="603000" bIns="170640"/>
-          <a:p>
-            <a:pPr>
-              <a:lnSpc>
-                <a:spcPct val="90000"/>
-              </a:lnSpc>
-            </a:pPr>
-            <a:endParaRPr b="0" lang="en-US" sz="1800" spc="-1" strike="noStrike">
-              <a:latin typeface="Arial"/>
-            </a:endParaRPr>
-          </a:p>
-          <a:p>
-            <a:pPr>
-              <a:lnSpc>
-                <a:spcPct val="90000"/>
-              </a:lnSpc>
-            </a:pPr>
-            <a:endParaRPr b="0" lang="en-US" sz="1800" spc="-1" strike="noStrike">
-              <a:latin typeface="Arial"/>
-            </a:endParaRPr>
-          </a:p>
-          <a:p>
-            <a:pPr>
-              <a:lnSpc>
-                <a:spcPct val="90000"/>
-              </a:lnSpc>
-            </a:pPr>
-            <a:endParaRPr b="0" lang="en-US" sz="1800" spc="-1" strike="noStrike">
-              <a:latin typeface="Arial"/>
-            </a:endParaRPr>
-          </a:p>
-          <a:p>
-            <a:pPr lvl="1" marL="228600" indent="-226440">
-              <a:lnSpc>
-                <a:spcPct val="90000"/>
-              </a:lnSpc>
-              <a:buClr>
-                <a:srgbClr val="ffffff"/>
-              </a:buClr>
-              <a:buFont typeface="Calibri"/>
-              <a:buChar char="•"/>
-            </a:pPr>
-            <a:r>
-              <a:rPr b="0" lang="en-US" sz="2400" spc="-1" strike="noStrike">
-                <a:solidFill>
-                  <a:srgbClr val="ffffff"/>
-                </a:solidFill>
-                <a:latin typeface="Calibri"/>
-                <a:ea typeface="Calibri"/>
-              </a:rPr>
-              <a:t>Machine learning</a:t>
-            </a:r>
-            <a:endParaRPr b="0" lang="en-US" sz="2400" spc="-1" strike="noStrike">
-              <a:latin typeface="Arial"/>
-            </a:endParaRPr>
-          </a:p>
-          <a:p>
-            <a:pPr lvl="1" marL="228600" indent="-226440">
-              <a:lnSpc>
-                <a:spcPct val="90000"/>
-              </a:lnSpc>
-              <a:spcBef>
-                <a:spcPts val="360"/>
-              </a:spcBef>
-              <a:buClr>
-                <a:srgbClr val="ffffff"/>
-              </a:buClr>
-              <a:buFont typeface="Calibri"/>
-              <a:buChar char="•"/>
-            </a:pPr>
-            <a:r>
-              <a:rPr b="0" lang="en-US" sz="2400" spc="-1" strike="noStrike">
-                <a:solidFill>
-                  <a:srgbClr val="ffffff"/>
-                </a:solidFill>
-                <a:latin typeface="Calibri"/>
-                <a:ea typeface="Calibri"/>
-              </a:rPr>
-              <a:t>Teamwork</a:t>
-            </a:r>
-            <a:endParaRPr b="0" lang="en-US" sz="2400" spc="-1" strike="noStrike">
-              <a:latin typeface="Arial"/>
-            </a:endParaRPr>
-          </a:p>
-          <a:p>
-            <a:pPr lvl="1" marL="228600" indent="-226440">
-              <a:lnSpc>
-                <a:spcPct val="90000"/>
-              </a:lnSpc>
-              <a:spcBef>
-                <a:spcPts val="360"/>
-              </a:spcBef>
-              <a:buClr>
-                <a:srgbClr val="ffffff"/>
-              </a:buClr>
-              <a:buFont typeface="Calibri"/>
-              <a:buChar char="•"/>
-            </a:pPr>
-            <a:r>
-              <a:rPr b="0" lang="en-US" sz="2400" spc="-1" strike="noStrike">
-                <a:solidFill>
-                  <a:srgbClr val="ffffff"/>
-                </a:solidFill>
-                <a:latin typeface="Calibri"/>
-                <a:ea typeface="Calibri"/>
-              </a:rPr>
-              <a:t>Using English to work</a:t>
-            </a:r>
-            <a:endParaRPr b="0" lang="en-US" sz="2400" spc="-1" strike="noStrike">
-              <a:latin typeface="Arial"/>
-            </a:endParaRPr>
-          </a:p>
-          <a:p>
-            <a:pPr lvl="1" marL="228600" indent="-226440">
-              <a:lnSpc>
-                <a:spcPct val="90000"/>
-              </a:lnSpc>
-              <a:spcBef>
-                <a:spcPts val="360"/>
-              </a:spcBef>
-              <a:buClr>
-                <a:srgbClr val="ffffff"/>
-              </a:buClr>
-              <a:buFont typeface="Calibri"/>
-              <a:buChar char="•"/>
-            </a:pPr>
-            <a:r>
-              <a:rPr b="0" lang="en-US" sz="2400" spc="-1" strike="noStrike">
-                <a:solidFill>
-                  <a:srgbClr val="ffffff"/>
-                </a:solidFill>
-                <a:latin typeface="Calibri"/>
-                <a:ea typeface="Calibri"/>
-              </a:rPr>
-              <a:t>Application work stable</a:t>
-            </a:r>
-            <a:endParaRPr b="0" lang="en-US" sz="2400" spc="-1" strike="noStrike">
-              <a:latin typeface="Arial"/>
-            </a:endParaRPr>
-          </a:p>
-          <a:p>
-            <a:pPr>
-              <a:lnSpc>
-                <a:spcPct val="90000"/>
-              </a:lnSpc>
-              <a:spcBef>
-                <a:spcPts val="360"/>
-              </a:spcBef>
-            </a:pPr>
-            <a:endParaRPr b="0" lang="en-US" sz="2400" spc="-1" strike="noStrike">
-              <a:latin typeface="Arial"/>
-            </a:endParaRPr>
-          </a:p>
-          <a:p>
-            <a:pPr marL="228600" indent="-74160">
-              <a:lnSpc>
-                <a:spcPct val="90000"/>
-              </a:lnSpc>
-              <a:spcBef>
-                <a:spcPts val="360"/>
-              </a:spcBef>
-            </a:pPr>
-            <a:endParaRPr b="0" lang="en-US" sz="2400" spc="-1" strike="noStrike">
-              <a:latin typeface="Arial"/>
-            </a:endParaRPr>
-          </a:p>
-          <a:p>
-            <a:pPr marL="228600" indent="-74160">
-              <a:lnSpc>
-                <a:spcPct val="90000"/>
-              </a:lnSpc>
-              <a:spcBef>
-                <a:spcPts val="360"/>
-              </a:spcBef>
-            </a:pPr>
-            <a:endParaRPr b="0" lang="en-US" sz="2400" spc="-1" strike="noStrike">
+          <a:bodyPr lIns="90000" rIns="90000" tIns="45000" bIns="45000"/>
+          <a:p>
+            <a:pPr algn="ctr">
+              <a:lnSpc>
+                <a:spcPct val="100000"/>
+              </a:lnSpc>
+            </a:pPr>
+            <a:r>
+              <a:rPr b="1" lang="en-US" sz="4400" spc="-1" strike="noStrike">
+                <a:solidFill>
+                  <a:srgbClr val="00b0f0"/>
+                </a:solidFill>
+                <a:latin typeface="Times New Roman"/>
+                <a:ea typeface="Times New Roman"/>
+              </a:rPr>
+              <a:t>MINIMAX</a:t>
+            </a:r>
+            <a:endParaRPr b="0" lang="en-US" sz="4400" spc="-1" strike="noStrike">
               <a:latin typeface="Arial"/>
             </a:endParaRPr>
           </a:p>
@@ -13117,14 +13930,14 @@
       </p:sp>
       <p:sp>
         <p:nvSpPr>
-          <p:cNvPr id="194" name="CustomShape 9"/>
+          <p:cNvPr id="199" name="CustomShape 4"/>
           <p:cNvSpPr/>
           <p:nvPr/>
         </p:nvSpPr>
         <p:spPr>
           <a:xfrm>
-            <a:off x="7589160" y="2244600"/>
-            <a:ext cx="3646800" cy="681840"/>
+            <a:off x="1463040" y="2011680"/>
+            <a:ext cx="5851440" cy="2285280"/>
           </a:xfrm>
           <a:prstGeom prst="rect">
             <a:avLst/>
@@ -13141,85 +13954,439 @@
           <a:fontRef idx="minor"/>
         </p:style>
         <p:txBody>
-          <a:bodyPr lIns="0" rIns="603000" tIns="0" bIns="0"/>
-          <a:p>
-            <a:pPr algn="r">
-              <a:lnSpc>
-                <a:spcPct val="90000"/>
-              </a:lnSpc>
-            </a:pPr>
-            <a:r>
-              <a:rPr b="0" lang="en-US" sz="3400" spc="-1" strike="noStrike">
-                <a:solidFill>
-                  <a:srgbClr val="ffffff"/>
-                </a:solidFill>
-                <a:latin typeface="Times New Roman"/>
-                <a:ea typeface="Calibri"/>
-              </a:rPr>
-              <a:t>Disadvantage</a:t>
-            </a:r>
-            <a:endParaRPr b="0" lang="en-US" sz="3400" spc="-1" strike="noStrike">
+          <a:bodyPr lIns="90000" rIns="90000" tIns="45000" bIns="45000"/>
+          <a:p>
+            <a:pPr>
+              <a:lnSpc>
+                <a:spcPct val="100000"/>
+              </a:lnSpc>
+            </a:pPr>
+            <a:r>
+              <a:rPr b="0" lang="en-US" sz="1000" spc="-1" strike="noStrike">
+                <a:solidFill>
+                  <a:srgbClr val="0066b3"/>
+                </a:solidFill>
+                <a:latin typeface="Courier New"/>
+                <a:ea typeface="DejaVu Sans"/>
+              </a:rPr>
+              <a:t>function </a:t>
+            </a:r>
+            <a:r>
+              <a:rPr b="0" lang="en-US" sz="1000" spc="-1" strike="noStrike">
+                <a:solidFill>
+                  <a:srgbClr val="00a65d"/>
+                </a:solidFill>
+                <a:latin typeface="Courier New"/>
+                <a:ea typeface="DejaVu Sans"/>
+              </a:rPr>
+              <a:t>minimax(node, depth, maximizingPlayer) is</a:t>
+            </a:r>
+            <a:endParaRPr b="0" lang="en-US" sz="1000" spc="-1" strike="noStrike">
+              <a:latin typeface="Arial"/>
+            </a:endParaRPr>
+          </a:p>
+          <a:p>
+            <a:pPr>
+              <a:lnSpc>
+                <a:spcPct val="100000"/>
+              </a:lnSpc>
+            </a:pPr>
+            <a:r>
+              <a:rPr b="0" lang="en-US" sz="1000" spc="-1" strike="noStrike">
+                <a:solidFill>
+                  <a:srgbClr val="00a65d"/>
+                </a:solidFill>
+                <a:latin typeface="Courier New"/>
+                <a:ea typeface="DejaVu Sans"/>
+              </a:rPr>
+              <a:t>    </a:t>
+            </a:r>
+            <a:r>
+              <a:rPr b="0" lang="en-US" sz="1000" spc="-1" strike="noStrike">
+                <a:solidFill>
+                  <a:srgbClr val="ce181e"/>
+                </a:solidFill>
+                <a:latin typeface="Courier New"/>
+                <a:ea typeface="DejaVu Sans"/>
+              </a:rPr>
+              <a:t>if depth = 0 or node is a terminal node then</a:t>
+            </a:r>
+            <a:endParaRPr b="0" lang="en-US" sz="1000" spc="-1" strike="noStrike">
+              <a:latin typeface="Arial"/>
+            </a:endParaRPr>
+          </a:p>
+          <a:p>
+            <a:pPr>
+              <a:lnSpc>
+                <a:spcPct val="100000"/>
+              </a:lnSpc>
+            </a:pPr>
+            <a:r>
+              <a:rPr b="0" lang="en-US" sz="1000" spc="-1" strike="noStrike">
+                <a:solidFill>
+                  <a:srgbClr val="ce181e"/>
+                </a:solidFill>
+                <a:latin typeface="Courier New"/>
+                <a:ea typeface="DejaVu Sans"/>
+              </a:rPr>
+              <a:t>        </a:t>
+            </a:r>
+            <a:r>
+              <a:rPr b="0" lang="en-US" sz="1000" spc="-1" strike="noStrike">
+                <a:solidFill>
+                  <a:srgbClr val="ce181e"/>
+                </a:solidFill>
+                <a:latin typeface="Courier New"/>
+                <a:ea typeface="DejaVu Sans"/>
+              </a:rPr>
+              <a:t>return the heuristic value of node</a:t>
+            </a:r>
+            <a:endParaRPr b="0" lang="en-US" sz="1000" spc="-1" strike="noStrike">
+              <a:latin typeface="Arial"/>
+            </a:endParaRPr>
+          </a:p>
+          <a:p>
+            <a:pPr>
+              <a:lnSpc>
+                <a:spcPct val="100000"/>
+              </a:lnSpc>
+            </a:pPr>
+            <a:r>
+              <a:rPr b="0" lang="en-US" sz="1000" spc="-1" strike="noStrike">
+                <a:solidFill>
+                  <a:srgbClr val="ce181e"/>
+                </a:solidFill>
+                <a:latin typeface="Courier New"/>
+                <a:ea typeface="DejaVu Sans"/>
+              </a:rPr>
+              <a:t>    </a:t>
+            </a:r>
+            <a:r>
+              <a:rPr b="0" lang="en-US" sz="1000" spc="-1" strike="noStrike">
+                <a:solidFill>
+                  <a:srgbClr val="ce181e"/>
+                </a:solidFill>
+                <a:latin typeface="Courier New"/>
+                <a:ea typeface="DejaVu Sans"/>
+              </a:rPr>
+              <a:t>if maximizingPlayer then</a:t>
+            </a:r>
+            <a:endParaRPr b="0" lang="en-US" sz="1000" spc="-1" strike="noStrike">
+              <a:latin typeface="Arial"/>
+            </a:endParaRPr>
+          </a:p>
+          <a:p>
+            <a:pPr>
+              <a:lnSpc>
+                <a:spcPct val="100000"/>
+              </a:lnSpc>
+            </a:pPr>
+            <a:r>
+              <a:rPr b="0" lang="en-US" sz="1000" spc="-1" strike="noStrike">
+                <a:solidFill>
+                  <a:srgbClr val="ce181e"/>
+                </a:solidFill>
+                <a:latin typeface="Courier New"/>
+                <a:ea typeface="DejaVu Sans"/>
+              </a:rPr>
+              <a:t>        </a:t>
+            </a:r>
+            <a:r>
+              <a:rPr b="0" lang="en-US" sz="1000" spc="-1" strike="noStrike">
+                <a:solidFill>
+                  <a:srgbClr val="ce181e"/>
+                </a:solidFill>
+                <a:latin typeface="Courier New"/>
+                <a:ea typeface="DejaVu Sans"/>
+              </a:rPr>
+              <a:t>value := −∞</a:t>
+            </a:r>
+            <a:endParaRPr b="0" lang="en-US" sz="1000" spc="-1" strike="noStrike">
+              <a:latin typeface="Arial"/>
+            </a:endParaRPr>
+          </a:p>
+          <a:p>
+            <a:pPr>
+              <a:lnSpc>
+                <a:spcPct val="100000"/>
+              </a:lnSpc>
+            </a:pPr>
+            <a:r>
+              <a:rPr b="0" lang="en-US" sz="1000" spc="-1" strike="noStrike">
+                <a:solidFill>
+                  <a:srgbClr val="ce181e"/>
+                </a:solidFill>
+                <a:latin typeface="Courier New"/>
+                <a:ea typeface="DejaVu Sans"/>
+              </a:rPr>
+              <a:t>        </a:t>
+            </a:r>
+            <a:r>
+              <a:rPr b="0" lang="en-US" sz="1000" spc="-1" strike="noStrike">
+                <a:solidFill>
+                  <a:srgbClr val="0066b3"/>
+                </a:solidFill>
+                <a:latin typeface="Courier New"/>
+                <a:ea typeface="DejaVu Sans"/>
+              </a:rPr>
+              <a:t>for each child of node do</a:t>
+            </a:r>
+            <a:endParaRPr b="0" lang="en-US" sz="1000" spc="-1" strike="noStrike">
+              <a:latin typeface="Arial"/>
+            </a:endParaRPr>
+          </a:p>
+          <a:p>
+            <a:pPr>
+              <a:lnSpc>
+                <a:spcPct val="100000"/>
+              </a:lnSpc>
+            </a:pPr>
+            <a:r>
+              <a:rPr b="0" lang="en-US" sz="1000" spc="-1" strike="noStrike">
+                <a:solidFill>
+                  <a:srgbClr val="0066b3"/>
+                </a:solidFill>
+                <a:latin typeface="Courier New"/>
+                <a:ea typeface="DejaVu Sans"/>
+              </a:rPr>
+              <a:t>            </a:t>
+            </a:r>
+            <a:r>
+              <a:rPr b="0" lang="en-US" sz="1000" spc="-1" strike="noStrike">
+                <a:solidFill>
+                  <a:srgbClr val="0066b3"/>
+                </a:solidFill>
+                <a:latin typeface="Courier New"/>
+                <a:ea typeface="DejaVu Sans"/>
+              </a:rPr>
+              <a:t>value := </a:t>
+            </a:r>
+            <a:r>
+              <a:rPr b="0" lang="en-US" sz="1000" spc="-1" strike="noStrike">
+                <a:solidFill>
+                  <a:srgbClr val="00a65d"/>
+                </a:solidFill>
+                <a:latin typeface="Courier New"/>
+                <a:ea typeface="DejaVu Sans"/>
+              </a:rPr>
+              <a:t>max(value, minimax(child, depth − 1, FALSE))</a:t>
+            </a:r>
+            <a:endParaRPr b="0" lang="en-US" sz="1000" spc="-1" strike="noStrike">
+              <a:latin typeface="Arial"/>
+            </a:endParaRPr>
+          </a:p>
+          <a:p>
+            <a:pPr>
+              <a:lnSpc>
+                <a:spcPct val="100000"/>
+              </a:lnSpc>
+            </a:pPr>
+            <a:r>
+              <a:rPr b="0" lang="en-US" sz="1000" spc="-1" strike="noStrike">
+                <a:solidFill>
+                  <a:srgbClr val="00a65d"/>
+                </a:solidFill>
+                <a:latin typeface="Courier New"/>
+                <a:ea typeface="DejaVu Sans"/>
+              </a:rPr>
+              <a:t>        </a:t>
+            </a:r>
+            <a:r>
+              <a:rPr b="0" lang="en-US" sz="1000" spc="-1" strike="noStrike">
+                <a:solidFill>
+                  <a:srgbClr val="0066b3"/>
+                </a:solidFill>
+                <a:latin typeface="Courier New"/>
+                <a:ea typeface="DejaVu Sans"/>
+              </a:rPr>
+              <a:t>return value</a:t>
+            </a:r>
+            <a:endParaRPr b="0" lang="en-US" sz="1000" spc="-1" strike="noStrike">
+              <a:latin typeface="Arial"/>
+            </a:endParaRPr>
+          </a:p>
+          <a:p>
+            <a:pPr>
+              <a:lnSpc>
+                <a:spcPct val="100000"/>
+              </a:lnSpc>
+            </a:pPr>
+            <a:r>
+              <a:rPr b="0" lang="en-US" sz="1000" spc="-1" strike="noStrike">
+                <a:solidFill>
+                  <a:srgbClr val="0066b3"/>
+                </a:solidFill>
+                <a:latin typeface="Courier New"/>
+                <a:ea typeface="DejaVu Sans"/>
+              </a:rPr>
+              <a:t>    </a:t>
+            </a:r>
+            <a:r>
+              <a:rPr b="0" lang="en-US" sz="1000" spc="-1" strike="noStrike">
+                <a:solidFill>
+                  <a:srgbClr val="ce181e"/>
+                </a:solidFill>
+                <a:latin typeface="Courier New"/>
+                <a:ea typeface="DejaVu Sans"/>
+              </a:rPr>
+              <a:t>else (* minimizing player *)</a:t>
+            </a:r>
+            <a:endParaRPr b="0" lang="en-US" sz="1000" spc="-1" strike="noStrike">
+              <a:latin typeface="Arial"/>
+            </a:endParaRPr>
+          </a:p>
+          <a:p>
+            <a:pPr>
+              <a:lnSpc>
+                <a:spcPct val="100000"/>
+              </a:lnSpc>
+            </a:pPr>
+            <a:r>
+              <a:rPr b="0" lang="en-US" sz="1000" spc="-1" strike="noStrike">
+                <a:solidFill>
+                  <a:srgbClr val="ce181e"/>
+                </a:solidFill>
+                <a:latin typeface="Courier New"/>
+                <a:ea typeface="DejaVu Sans"/>
+              </a:rPr>
+              <a:t>        </a:t>
+            </a:r>
+            <a:r>
+              <a:rPr b="0" lang="en-US" sz="1000" spc="-1" strike="noStrike">
+                <a:solidFill>
+                  <a:srgbClr val="ce181e"/>
+                </a:solidFill>
+                <a:latin typeface="Courier New"/>
+                <a:ea typeface="DejaVu Sans"/>
+              </a:rPr>
+              <a:t>value := +∞</a:t>
+            </a:r>
+            <a:endParaRPr b="0" lang="en-US" sz="1000" spc="-1" strike="noStrike">
+              <a:latin typeface="Arial"/>
+            </a:endParaRPr>
+          </a:p>
+          <a:p>
+            <a:pPr>
+              <a:lnSpc>
+                <a:spcPct val="100000"/>
+              </a:lnSpc>
+            </a:pPr>
+            <a:r>
+              <a:rPr b="0" lang="en-US" sz="1000" spc="-1" strike="noStrike">
+                <a:solidFill>
+                  <a:srgbClr val="ce181e"/>
+                </a:solidFill>
+                <a:latin typeface="Courier New"/>
+                <a:ea typeface="DejaVu Sans"/>
+              </a:rPr>
+              <a:t>        </a:t>
+            </a:r>
+            <a:r>
+              <a:rPr b="0" lang="en-US" sz="1000" spc="-1" strike="noStrike">
+                <a:solidFill>
+                  <a:srgbClr val="0066b3"/>
+                </a:solidFill>
+                <a:latin typeface="Courier New"/>
+                <a:ea typeface="DejaVu Sans"/>
+              </a:rPr>
+              <a:t>for each child of node do</a:t>
+            </a:r>
+            <a:endParaRPr b="0" lang="en-US" sz="1000" spc="-1" strike="noStrike">
+              <a:latin typeface="Arial"/>
+            </a:endParaRPr>
+          </a:p>
+          <a:p>
+            <a:pPr>
+              <a:lnSpc>
+                <a:spcPct val="100000"/>
+              </a:lnSpc>
+            </a:pPr>
+            <a:r>
+              <a:rPr b="0" lang="en-US" sz="1000" spc="-1" strike="noStrike">
+                <a:solidFill>
+                  <a:srgbClr val="0066b3"/>
+                </a:solidFill>
+                <a:latin typeface="Courier New"/>
+                <a:ea typeface="DejaVu Sans"/>
+              </a:rPr>
+              <a:t>            </a:t>
+            </a:r>
+            <a:r>
+              <a:rPr b="0" lang="en-US" sz="1000" spc="-1" strike="noStrike">
+                <a:solidFill>
+                  <a:srgbClr val="0066b3"/>
+                </a:solidFill>
+                <a:latin typeface="Courier New"/>
+                <a:ea typeface="DejaVu Sans"/>
+              </a:rPr>
+              <a:t>value := </a:t>
+            </a:r>
+            <a:r>
+              <a:rPr b="0" lang="en-US" sz="1000" spc="-1" strike="noStrike">
+                <a:solidFill>
+                  <a:srgbClr val="00a65d"/>
+                </a:solidFill>
+                <a:latin typeface="Courier New"/>
+                <a:ea typeface="DejaVu Sans"/>
+              </a:rPr>
+              <a:t>min(value, minimax(child, depth − 1, TRUE))</a:t>
+            </a:r>
+            <a:endParaRPr b="0" lang="en-US" sz="1000" spc="-1" strike="noStrike">
+              <a:latin typeface="Arial"/>
+            </a:endParaRPr>
+          </a:p>
+          <a:p>
+            <a:pPr>
+              <a:lnSpc>
+                <a:spcPct val="100000"/>
+              </a:lnSpc>
+            </a:pPr>
+            <a:r>
+              <a:rPr b="0" lang="en-US" sz="1000" spc="-1" strike="noStrike">
+                <a:solidFill>
+                  <a:srgbClr val="00a65d"/>
+                </a:solidFill>
+                <a:latin typeface="Courier New"/>
+                <a:ea typeface="DejaVu Sans"/>
+              </a:rPr>
+              <a:t>        </a:t>
+            </a:r>
+            <a:r>
+              <a:rPr b="0" lang="en-US" sz="1000" spc="-1" strike="noStrike">
+                <a:solidFill>
+                  <a:srgbClr val="0066b3"/>
+                </a:solidFill>
+                <a:latin typeface="Courier New"/>
+                <a:ea typeface="DejaVu Sans"/>
+              </a:rPr>
+              <a:t>return value</a:t>
+            </a:r>
+            <a:endParaRPr b="0" lang="en-US" sz="1000" spc="-1" strike="noStrike">
+              <a:latin typeface="Arial"/>
+            </a:endParaRPr>
+          </a:p>
+          <a:p>
+            <a:pPr>
+              <a:lnSpc>
+                <a:spcPct val="100000"/>
+              </a:lnSpc>
+            </a:pPr>
+            <a:endParaRPr b="0" lang="en-US" sz="1000" spc="-1" strike="noStrike">
               <a:latin typeface="Arial"/>
             </a:endParaRPr>
           </a:p>
         </p:txBody>
       </p:sp>
-      <p:pic>
-        <p:nvPicPr>
-          <p:cNvPr id="195" name="Picture 12" descr=""/>
-          <p:cNvPicPr/>
-          <p:nvPr/>
-        </p:nvPicPr>
-        <p:blipFill>
-          <a:blip r:embed="rId1"/>
-          <a:stretch/>
-        </p:blipFill>
-        <p:spPr>
-          <a:xfrm>
-            <a:off x="838800" y="1958040"/>
-            <a:ext cx="1365840" cy="1319040"/>
-          </a:xfrm>
-          <a:prstGeom prst="rect">
-            <a:avLst/>
-          </a:prstGeom>
-          <a:ln>
-            <a:noFill/>
-          </a:ln>
-        </p:spPr>
-      </p:pic>
-      <p:pic>
-        <p:nvPicPr>
-          <p:cNvPr id="196" name="Picture 13" descr=""/>
-          <p:cNvPicPr/>
-          <p:nvPr/>
-        </p:nvPicPr>
-        <p:blipFill>
-          <a:blip r:embed="rId2"/>
-          <a:stretch/>
-        </p:blipFill>
-        <p:spPr>
-          <a:xfrm>
-            <a:off x="6667560" y="1906200"/>
-            <a:ext cx="1349640" cy="1267920"/>
-          </a:xfrm>
-          <a:prstGeom prst="rect">
-            <a:avLst/>
-          </a:prstGeom>
-          <a:ln>
-            <a:noFill/>
-          </a:ln>
-        </p:spPr>
-      </p:pic>
       <p:sp>
         <p:nvSpPr>
-          <p:cNvPr id="197" name="CustomShape 10"/>
+          <p:cNvPr id="200" name="CustomShape 5"/>
           <p:cNvSpPr/>
           <p:nvPr/>
         </p:nvSpPr>
         <p:spPr>
           <a:xfrm>
-            <a:off x="1270440" y="2228040"/>
-            <a:ext cx="3646800" cy="681840"/>
+            <a:off x="1463040" y="4651920"/>
+            <a:ext cx="2313720" cy="376560"/>
           </a:xfrm>
           <a:prstGeom prst="rect">
             <a:avLst/>
@@ -13236,24 +14403,44 @@
           <a:fontRef idx="minor"/>
         </p:style>
         <p:txBody>
-          <a:bodyPr lIns="0" rIns="603000" tIns="0" bIns="0"/>
-          <a:p>
-            <a:pPr algn="r">
-              <a:lnSpc>
-                <a:spcPct val="90000"/>
-              </a:lnSpc>
-            </a:pPr>
-            <a:r>
-              <a:rPr b="0" lang="en-US" sz="3400" spc="-1" strike="noStrike">
-                <a:solidFill>
-                  <a:srgbClr val="ffffff"/>
-                </a:solidFill>
-                <a:latin typeface="Times New Roman"/>
-                <a:ea typeface="Calibri"/>
-              </a:rPr>
-              <a:t>Advantage</a:t>
-            </a:r>
-            <a:endParaRPr b="0" lang="en-US" sz="3400" spc="-1" strike="noStrike">
+          <a:bodyPr lIns="90000" rIns="90000" tIns="45000" bIns="45000"/>
+          <a:p>
+            <a:pPr>
+              <a:lnSpc>
+                <a:spcPct val="100000"/>
+              </a:lnSpc>
+            </a:pPr>
+            <a:r>
+              <a:rPr b="0" lang="en-US" sz="1000" spc="-1" strike="noStrike">
+                <a:solidFill>
+                  <a:srgbClr val="ce181e"/>
+                </a:solidFill>
+                <a:latin typeface="Courier New"/>
+                <a:ea typeface="DejaVu Sans"/>
+              </a:rPr>
+              <a:t>(* Initial call *)</a:t>
+            </a:r>
+            <a:endParaRPr b="0" lang="en-US" sz="1000" spc="-1" strike="noStrike">
+              <a:latin typeface="Arial"/>
+            </a:endParaRPr>
+          </a:p>
+          <a:p>
+            <a:pPr>
+              <a:lnSpc>
+                <a:spcPct val="100000"/>
+              </a:lnSpc>
+            </a:pPr>
+            <a:r>
+              <a:rPr b="0" lang="en-US" sz="1000" spc="-1" strike="noStrike">
+                <a:solidFill>
+                  <a:srgbClr val="00a65d"/>
+                </a:solidFill>
+                <a:latin typeface="Courier New"/>
+                <a:ea typeface="DejaVu Sans"/>
+              </a:rPr>
+              <a:t>minimax(origin, depth, TRUE)</a:t>
+            </a:r>
+            <a:endParaRPr b="0" lang="en-US" sz="1000" spc="-1" strike="noStrike">
               <a:latin typeface="Arial"/>
             </a:endParaRPr>
           </a:p>
@@ -13310,14 +14497,14 @@
       </p:grpSpPr>
       <p:sp>
         <p:nvSpPr>
-          <p:cNvPr id="198" name="CustomShape 1"/>
+          <p:cNvPr id="201" name="CustomShape 1"/>
           <p:cNvSpPr/>
           <p:nvPr/>
         </p:nvSpPr>
         <p:spPr>
           <a:xfrm>
             <a:off x="374400" y="152280"/>
-            <a:ext cx="11129400" cy="6550920"/>
+            <a:ext cx="11127960" cy="6549480"/>
           </a:xfrm>
           <a:prstGeom prst="rect">
             <a:avLst/>
@@ -13339,14 +14526,14 @@
       </p:sp>
       <p:sp>
         <p:nvSpPr>
-          <p:cNvPr id="199" name="CustomShape 2"/>
+          <p:cNvPr id="202" name="CustomShape 2"/>
           <p:cNvSpPr/>
           <p:nvPr/>
         </p:nvSpPr>
         <p:spPr>
           <a:xfrm>
-            <a:off x="1343880" y="694080"/>
-            <a:ext cx="3010680" cy="576000"/>
+            <a:off x="914400" y="3291840"/>
+            <a:ext cx="10099080" cy="543960"/>
           </a:xfrm>
           <a:prstGeom prst="rect">
             <a:avLst/>
@@ -13354,73 +14541,6 @@
           <a:noFill/>
           <a:ln>
             <a:noFill/>
-          </a:ln>
-        </p:spPr>
-        <p:style>
-          <a:lnRef idx="0"/>
-          <a:fillRef idx="0"/>
-          <a:effectRef idx="0"/>
-          <a:fontRef idx="minor"/>
-        </p:style>
-        <p:txBody>
-          <a:bodyPr wrap="none" lIns="90000" rIns="90000" tIns="45000" bIns="45000"/>
-          <a:p>
-            <a:pPr marL="216000" indent="-214200">
-              <a:lnSpc>
-                <a:spcPct val="100000"/>
-              </a:lnSpc>
-              <a:buClr>
-                <a:srgbClr val="000000"/>
-              </a:buClr>
-              <a:buFont typeface="Wingdings" charset="2"/>
-              <a:buChar char=""/>
-            </a:pPr>
-            <a:r>
-              <a:rPr b="1" lang="en-US" sz="3200" spc="-1" strike="noStrike">
-                <a:solidFill>
-                  <a:srgbClr val="000000"/>
-                </a:solidFill>
-                <a:latin typeface="Times New Roman"/>
-                <a:ea typeface="Calibri"/>
-              </a:rPr>
-              <a:t> </a:t>
-            </a:r>
-            <a:r>
-              <a:rPr b="1" lang="en-US" sz="3200" spc="-1" strike="noStrike">
-                <a:solidFill>
-                  <a:srgbClr val="000000"/>
-                </a:solidFill>
-                <a:latin typeface="Times New Roman"/>
-                <a:ea typeface="Calibri"/>
-              </a:rPr>
-              <a:t>Feature work</a:t>
-            </a:r>
-            <a:endParaRPr b="0" lang="en-US" sz="3200" spc="-1" strike="noStrike">
-              <a:latin typeface="Arial"/>
-            </a:endParaRPr>
-          </a:p>
-        </p:txBody>
-      </p:sp>
-      <p:sp>
-        <p:nvSpPr>
-          <p:cNvPr id="200" name="CustomShape 3"/>
-          <p:cNvSpPr/>
-          <p:nvPr/>
-        </p:nvSpPr>
-        <p:spPr>
-          <a:xfrm>
-            <a:off x="374400" y="152280"/>
-            <a:ext cx="11129400" cy="6550920"/>
-          </a:xfrm>
-          <a:prstGeom prst="rect">
-            <a:avLst/>
-          </a:prstGeom>
-          <a:noFill/>
-          <a:ln w="25560">
-            <a:solidFill>
-              <a:srgbClr val="395e89"/>
-            </a:solidFill>
-            <a:round/>
           </a:ln>
         </p:spPr>
         <p:style>
@@ -13432,14 +14552,14 @@
       </p:sp>
       <p:sp>
         <p:nvSpPr>
-          <p:cNvPr id="201" name="CustomShape 4"/>
+          <p:cNvPr id="203" name="CustomShape 3"/>
           <p:cNvSpPr/>
           <p:nvPr/>
         </p:nvSpPr>
         <p:spPr>
           <a:xfrm>
-            <a:off x="685800" y="1828800"/>
-            <a:ext cx="11046960" cy="4523760"/>
+            <a:off x="1005840" y="2238480"/>
+            <a:ext cx="8959680" cy="4113720"/>
           </a:xfrm>
           <a:prstGeom prst="rect">
             <a:avLst/>
@@ -13458,131 +14578,159 @@
         <p:txBody>
           <a:bodyPr lIns="90000" rIns="90000" tIns="45000" bIns="45000"/>
           <a:p>
-            <a:pPr marL="342720" indent="-340560">
-              <a:lnSpc>
-                <a:spcPct val="200000"/>
-              </a:lnSpc>
-              <a:buClr>
-                <a:srgbClr val="000000"/>
-              </a:buClr>
-              <a:buFont typeface="Noto Sans Symbols"/>
-              <a:buChar char="➢"/>
-            </a:pPr>
-            <a:r>
-              <a:rPr b="0" lang="en-US" sz="2600" spc="-1" strike="noStrike">
-                <a:solidFill>
-                  <a:srgbClr val="000000"/>
-                </a:solidFill>
-                <a:latin typeface="Times New Roman"/>
-                <a:ea typeface="Times New Roman"/>
-              </a:rPr>
-              <a:t> </a:t>
-            </a:r>
-            <a:r>
-              <a:rPr b="0" lang="en-US" sz="2600" spc="-1" strike="noStrike">
-                <a:solidFill>
-                  <a:srgbClr val="000000"/>
-                </a:solidFill>
-                <a:latin typeface="Times New Roman"/>
-                <a:ea typeface="Times New Roman"/>
-              </a:rPr>
-              <a:t>Optimize the accuracy of the model</a:t>
-            </a:r>
-            <a:endParaRPr b="0" lang="en-US" sz="2600" spc="-1" strike="noStrike">
-              <a:latin typeface="Arial"/>
-            </a:endParaRPr>
-          </a:p>
-          <a:p>
-            <a:pPr marL="342720" indent="-340560">
-              <a:lnSpc>
-                <a:spcPct val="200000"/>
-              </a:lnSpc>
-              <a:spcBef>
-                <a:spcPts val="700"/>
-              </a:spcBef>
-              <a:buClr>
-                <a:srgbClr val="000000"/>
-              </a:buClr>
-              <a:buFont typeface="Noto Sans Symbols"/>
-              <a:buChar char="➢"/>
-            </a:pPr>
-            <a:r>
-              <a:rPr b="0" lang="en-US" sz="2600" spc="-1" strike="noStrike">
-                <a:solidFill>
-                  <a:srgbClr val="000000"/>
-                </a:solidFill>
-                <a:latin typeface="Times New Roman"/>
-                <a:ea typeface="Times New Roman"/>
-              </a:rPr>
-              <a:t> </a:t>
-            </a:r>
-            <a:r>
-              <a:rPr b="0" lang="en-US" sz="2600" spc="-1" strike="noStrike">
-                <a:solidFill>
-                  <a:srgbClr val="000000"/>
-                </a:solidFill>
-                <a:latin typeface="Times New Roman"/>
-                <a:ea typeface="Times New Roman"/>
-              </a:rPr>
-              <a:t>Recognizing age and gender.</a:t>
-            </a:r>
-            <a:endParaRPr b="0" lang="en-US" sz="2600" spc="-1" strike="noStrike">
-              <a:latin typeface="Arial"/>
-            </a:endParaRPr>
-          </a:p>
-          <a:p>
-            <a:pPr marL="342720" indent="-340560">
-              <a:lnSpc>
-                <a:spcPct val="200000"/>
-              </a:lnSpc>
-              <a:spcBef>
-                <a:spcPts val="700"/>
-              </a:spcBef>
-              <a:buClr>
-                <a:srgbClr val="000000"/>
-              </a:buClr>
-              <a:buFont typeface="Noto Sans Symbols"/>
-              <a:buChar char="➢"/>
-            </a:pPr>
-            <a:r>
-              <a:rPr b="0" lang="en-US" sz="2600" spc="-1" strike="noStrike">
-                <a:solidFill>
-                  <a:srgbClr val="000000"/>
-                </a:solidFill>
-                <a:latin typeface="Times New Roman"/>
-                <a:ea typeface="Times New Roman"/>
-              </a:rPr>
-              <a:t> </a:t>
-            </a:r>
-            <a:r>
-              <a:rPr b="0" lang="en-US" sz="2600" spc="-1" strike="noStrike">
-                <a:solidFill>
-                  <a:srgbClr val="000000"/>
-                </a:solidFill>
-                <a:latin typeface="Times New Roman"/>
-                <a:ea typeface="Times New Roman"/>
-              </a:rPr>
-              <a:t>Detect and recognize on the internet.</a:t>
-            </a:r>
-            <a:endParaRPr b="0" lang="en-US" sz="2600" spc="-1" strike="noStrike">
-              <a:latin typeface="Arial"/>
-            </a:endParaRPr>
-          </a:p>
-          <a:p>
-            <a:pPr marL="342720" indent="-118080">
-              <a:lnSpc>
-                <a:spcPct val="200000"/>
-              </a:lnSpc>
-              <a:spcBef>
-                <a:spcPts val="700"/>
-              </a:spcBef>
-            </a:pPr>
-            <a:endParaRPr b="0" lang="en-US" sz="2600" spc="-1" strike="noStrike">
+            <a:pPr>
+              <a:lnSpc>
+                <a:spcPct val="100000"/>
+              </a:lnSpc>
+            </a:pPr>
+            <a:endParaRPr b="0" lang="en-US" sz="1800" spc="-1" strike="noStrike">
+              <a:latin typeface="Arial"/>
+            </a:endParaRPr>
+          </a:p>
+          <a:p>
+            <a:pPr>
+              <a:lnSpc>
+                <a:spcPct val="100000"/>
+              </a:lnSpc>
+            </a:pPr>
+            <a:endParaRPr b="0" lang="en-US" sz="1800" spc="-1" strike="noStrike">
+              <a:latin typeface="Arial"/>
+            </a:endParaRPr>
+          </a:p>
+          <a:p>
+            <a:pPr>
+              <a:lnSpc>
+                <a:spcPct val="100000"/>
+              </a:lnSpc>
+            </a:pPr>
+            <a:endParaRPr b="0" lang="en-US" sz="1800" spc="-1" strike="noStrike">
+              <a:latin typeface="Arial"/>
+            </a:endParaRPr>
+          </a:p>
+          <a:p>
+            <a:pPr>
+              <a:lnSpc>
+                <a:spcPct val="100000"/>
+              </a:lnSpc>
+            </a:pPr>
+            <a:endParaRPr b="0" lang="en-US" sz="1800" spc="-1" strike="noStrike">
+              <a:latin typeface="Arial"/>
+            </a:endParaRPr>
+          </a:p>
+          <a:p>
+            <a:pPr>
+              <a:lnSpc>
+                <a:spcPct val="100000"/>
+              </a:lnSpc>
+            </a:pPr>
+            <a:endParaRPr b="0" lang="en-US" sz="1800" spc="-1" strike="noStrike">
+              <a:latin typeface="Arial"/>
+            </a:endParaRPr>
+          </a:p>
+          <a:p>
+            <a:pPr>
+              <a:lnSpc>
+                <a:spcPct val="100000"/>
+              </a:lnSpc>
+            </a:pPr>
+            <a:endParaRPr b="0" lang="en-US" sz="1800" spc="-1" strike="noStrike">
+              <a:latin typeface="Arial"/>
+            </a:endParaRPr>
+          </a:p>
+          <a:p>
+            <a:pPr>
+              <a:lnSpc>
+                <a:spcPct val="100000"/>
+              </a:lnSpc>
+            </a:pPr>
+            <a:endParaRPr b="0" lang="en-US" sz="1800" spc="-1" strike="noStrike">
+              <a:latin typeface="Arial"/>
+            </a:endParaRPr>
+          </a:p>
+          <a:p>
+            <a:pPr>
+              <a:lnSpc>
+                <a:spcPct val="100000"/>
+              </a:lnSpc>
+            </a:pPr>
+            <a:endParaRPr b="0" lang="en-US" sz="1800" spc="-1" strike="noStrike">
               <a:latin typeface="Arial"/>
             </a:endParaRPr>
           </a:p>
         </p:txBody>
       </p:sp>
+      <p:sp>
+        <p:nvSpPr>
+          <p:cNvPr id="204" name="CustomShape 4"/>
+          <p:cNvSpPr/>
+          <p:nvPr/>
+        </p:nvSpPr>
+        <p:spPr>
+          <a:xfrm>
+            <a:off x="2374560" y="770040"/>
+            <a:ext cx="6947640" cy="706680"/>
+          </a:xfrm>
+          <a:prstGeom prst="rect">
+            <a:avLst/>
+          </a:prstGeom>
+          <a:noFill/>
+          <a:ln>
+            <a:noFill/>
+          </a:ln>
+        </p:spPr>
+        <p:style>
+          <a:lnRef idx="0"/>
+          <a:fillRef idx="0"/>
+          <a:effectRef idx="0"/>
+          <a:fontRef idx="minor"/>
+        </p:style>
+        <p:txBody>
+          <a:bodyPr lIns="90000" rIns="90000" tIns="45000" bIns="45000"/>
+          <a:p>
+            <a:pPr algn="ctr">
+              <a:lnSpc>
+                <a:spcPct val="100000"/>
+              </a:lnSpc>
+            </a:pPr>
+            <a:r>
+              <a:rPr b="1" lang="en-US" sz="4400" spc="-1" strike="noStrike">
+                <a:solidFill>
+                  <a:srgbClr val="00b0f0"/>
+                </a:solidFill>
+                <a:latin typeface="Times New Roman"/>
+                <a:ea typeface="Times New Roman"/>
+              </a:rPr>
+              <a:t>Alpha-Beta prune</a:t>
+            </a:r>
+            <a:endParaRPr b="0" lang="en-US" sz="4400" spc="-1" strike="noStrike">
+              <a:latin typeface="Arial"/>
+            </a:endParaRPr>
+          </a:p>
+        </p:txBody>
+      </p:sp>
+      <p:pic>
+        <p:nvPicPr>
+          <p:cNvPr id="205" name="" descr=""/>
+          <p:cNvPicPr/>
+          <p:nvPr/>
+        </p:nvPicPr>
+        <p:blipFill>
+          <a:blip r:embed="rId1"/>
+          <a:stretch/>
+        </p:blipFill>
+        <p:spPr>
+          <a:xfrm>
+            <a:off x="2591280" y="1645920"/>
+            <a:ext cx="6003360" cy="3046320"/>
+          </a:xfrm>
+          <a:prstGeom prst="rect">
+            <a:avLst/>
+          </a:prstGeom>
+          <a:ln>
+            <a:noFill/>
+          </a:ln>
+        </p:spPr>
+      </p:pic>
     </p:spTree>
   </p:cSld>
   <p:timing>
@@ -13632,39 +14780,71 @@
           <a:chExt cx="0" cy="0"/>
         </a:xfrm>
       </p:grpSpPr>
-      <p:pic>
-        <p:nvPicPr>
-          <p:cNvPr id="202" name="Shape 411" descr=""/>
-          <p:cNvPicPr/>
+      <p:sp>
+        <p:nvSpPr>
+          <p:cNvPr id="206" name="CustomShape 1"/>
+          <p:cNvSpPr/>
           <p:nvPr/>
-        </p:nvPicPr>
-        <p:blipFill>
-          <a:blip r:embed="rId1"/>
-          <a:stretch/>
-        </p:blipFill>
-        <p:spPr>
-          <a:xfrm>
-            <a:off x="3886200" y="2743200"/>
-            <a:ext cx="4874760" cy="3731760"/>
+        </p:nvSpPr>
+        <p:spPr>
+          <a:xfrm>
+            <a:off x="374400" y="152280"/>
+            <a:ext cx="11127960" cy="6549480"/>
           </a:xfrm>
           <a:prstGeom prst="rect">
             <a:avLst/>
           </a:prstGeom>
+          <a:noFill/>
+          <a:ln w="25560">
+            <a:solidFill>
+              <a:srgbClr val="395e89"/>
+            </a:solidFill>
+            <a:round/>
+          </a:ln>
+        </p:spPr>
+        <p:style>
+          <a:lnRef idx="0"/>
+          <a:fillRef idx="0"/>
+          <a:effectRef idx="0"/>
+          <a:fontRef idx="minor"/>
+        </p:style>
+      </p:sp>
+      <p:sp>
+        <p:nvSpPr>
+          <p:cNvPr id="207" name="CustomShape 2"/>
+          <p:cNvSpPr/>
+          <p:nvPr/>
+        </p:nvSpPr>
+        <p:spPr>
+          <a:xfrm>
+            <a:off x="914400" y="3291840"/>
+            <a:ext cx="10099080" cy="543960"/>
+          </a:xfrm>
+          <a:prstGeom prst="rect">
+            <a:avLst/>
+          </a:prstGeom>
+          <a:noFill/>
           <a:ln>
             <a:noFill/>
           </a:ln>
         </p:spPr>
-      </p:pic>
+        <p:style>
+          <a:lnRef idx="0"/>
+          <a:fillRef idx="0"/>
+          <a:effectRef idx="0"/>
+          <a:fontRef idx="minor"/>
+        </p:style>
+      </p:sp>
       <p:sp>
         <p:nvSpPr>
-          <p:cNvPr id="203" name="CustomShape 1"/>
+          <p:cNvPr id="208" name="CustomShape 3"/>
           <p:cNvSpPr/>
           <p:nvPr/>
         </p:nvSpPr>
         <p:spPr>
           <a:xfrm>
-            <a:off x="2514600" y="1447920"/>
-            <a:ext cx="7581240" cy="4874760"/>
+            <a:off x="1005840" y="2238480"/>
+            <a:ext cx="8959680" cy="4113720"/>
           </a:xfrm>
           <a:prstGeom prst="rect">
             <a:avLst/>
@@ -13683,22 +14863,82 @@
         <p:txBody>
           <a:bodyPr lIns="90000" rIns="90000" tIns="45000" bIns="45000"/>
           <a:p>
-            <a:pPr marL="342720" indent="-340560" algn="ctr">
-              <a:lnSpc>
-                <a:spcPct val="100000"/>
-              </a:lnSpc>
-            </a:pPr>
-            <a:r>
-              <a:rPr b="1" lang="en-US" sz="4800" spc="-1" strike="noStrike">
-                <a:solidFill>
-                  <a:srgbClr val="3a1a62"/>
-                </a:solidFill>
-                <a:latin typeface="Calibri"/>
-                <a:ea typeface="Calibri"/>
-              </a:rPr>
-              <a:t>THANKS FOR ATTENTION</a:t>
-            </a:r>
-            <a:endParaRPr b="0" lang="en-US" sz="4800" spc="-1" strike="noStrike">
+            <a:pPr>
+              <a:lnSpc>
+                <a:spcPct val="100000"/>
+              </a:lnSpc>
+            </a:pPr>
+            <a:endParaRPr b="0" lang="en-US" sz="1800" spc="-1" strike="noStrike">
+              <a:latin typeface="Arial"/>
+            </a:endParaRPr>
+          </a:p>
+          <a:p>
+            <a:pPr>
+              <a:lnSpc>
+                <a:spcPct val="100000"/>
+              </a:lnSpc>
+            </a:pPr>
+            <a:endParaRPr b="0" lang="en-US" sz="1800" spc="-1" strike="noStrike">
+              <a:latin typeface="Arial"/>
+            </a:endParaRPr>
+          </a:p>
+          <a:p>
+            <a:pPr>
+              <a:lnSpc>
+                <a:spcPct val="100000"/>
+              </a:lnSpc>
+            </a:pPr>
+            <a:endParaRPr b="0" lang="en-US" sz="1800" spc="-1" strike="noStrike">
+              <a:latin typeface="Arial"/>
+            </a:endParaRPr>
+          </a:p>
+          <a:p>
+            <a:pPr>
+              <a:lnSpc>
+                <a:spcPct val="100000"/>
+              </a:lnSpc>
+            </a:pPr>
+            <a:endParaRPr b="0" lang="en-US" sz="1800" spc="-1" strike="noStrike">
+              <a:latin typeface="Arial"/>
+            </a:endParaRPr>
+          </a:p>
+          <a:p>
+            <a:pPr>
+              <a:lnSpc>
+                <a:spcPct val="100000"/>
+              </a:lnSpc>
+            </a:pPr>
+            <a:endParaRPr b="0" lang="en-US" sz="1800" spc="-1" strike="noStrike">
+              <a:latin typeface="Arial"/>
+            </a:endParaRPr>
+          </a:p>
+          <a:p>
+            <a:pPr>
+              <a:lnSpc>
+                <a:spcPct val="100000"/>
+              </a:lnSpc>
+            </a:pPr>
+            <a:endParaRPr b="0" lang="en-US" sz="1800" spc="-1" strike="noStrike">
+              <a:latin typeface="Arial"/>
+            </a:endParaRPr>
+          </a:p>
+          <a:p>
+            <a:pPr>
+              <a:lnSpc>
+                <a:spcPct val="100000"/>
+              </a:lnSpc>
+            </a:pPr>
+            <a:endParaRPr b="0" lang="en-US" sz="1800" spc="-1" strike="noStrike">
+              <a:latin typeface="Arial"/>
+            </a:endParaRPr>
+          </a:p>
+          <a:p>
+            <a:pPr>
+              <a:lnSpc>
+                <a:spcPct val="100000"/>
+              </a:lnSpc>
+            </a:pPr>
+            <a:endParaRPr b="0" lang="en-US" sz="1800" spc="-1" strike="noStrike">
               <a:latin typeface="Arial"/>
             </a:endParaRPr>
           </a:p>
@@ -13706,14 +14946,14 @@
       </p:sp>
       <p:sp>
         <p:nvSpPr>
-          <p:cNvPr id="204" name="CustomShape 2"/>
+          <p:cNvPr id="209" name="CustomShape 4"/>
           <p:cNvSpPr/>
           <p:nvPr/>
         </p:nvSpPr>
         <p:spPr>
           <a:xfrm>
-            <a:off x="10063080" y="0"/>
-            <a:ext cx="491400" cy="362880"/>
+            <a:off x="2374560" y="770040"/>
+            <a:ext cx="6947640" cy="706680"/>
           </a:xfrm>
           <a:prstGeom prst="rect">
             <a:avLst/>
@@ -13730,24 +14970,24 @@
           <a:fontRef idx="minor"/>
         </p:style>
         <p:txBody>
-          <a:bodyPr lIns="90000" rIns="90000" tIns="45000" bIns="45000" anchor="ctr"/>
-          <a:p>
-            <a:pPr algn="r">
-              <a:lnSpc>
-                <a:spcPct val="100000"/>
-              </a:lnSpc>
-            </a:pPr>
-            <a:fld id="{672697B9-C6CB-4642-9B33-8230295E91DB}" type="slidenum">
-              <a:rPr b="0" lang="en-US" sz="900" spc="-1" strike="noStrike">
-                <a:solidFill>
-                  <a:srgbClr val="888888"/>
-                </a:solidFill>
-                <a:latin typeface="Calibri"/>
-                <a:ea typeface="Calibri"/>
-              </a:rPr>
-              <a:t>1</a:t>
-            </a:fld>
-            <a:endParaRPr b="0" lang="en-US" sz="900" spc="-1" strike="noStrike">
+          <a:bodyPr lIns="90000" rIns="90000" tIns="45000" bIns="45000"/>
+          <a:p>
+            <a:pPr algn="ctr">
+              <a:lnSpc>
+                <a:spcPct val="100000"/>
+              </a:lnSpc>
+            </a:pPr>
+            <a:r>
+              <a:rPr b="1" lang="en-US" sz="4400" spc="-1" strike="noStrike">
+                <a:solidFill>
+                  <a:srgbClr val="00b0f0"/>
+                </a:solidFill>
+                <a:latin typeface="Times New Roman"/>
+                <a:ea typeface="Times New Roman"/>
+              </a:rPr>
+              <a:t>Alpha-Beta prune</a:t>
+            </a:r>
+            <a:endParaRPr b="0" lang="en-US" sz="4400" spc="-1" strike="noStrike">
               <a:latin typeface="Arial"/>
             </a:endParaRPr>
           </a:p>
@@ -13755,24 +14995,21 @@
       </p:sp>
       <p:sp>
         <p:nvSpPr>
-          <p:cNvPr id="205" name="CustomShape 3"/>
+          <p:cNvPr id="210" name="CustomShape 5"/>
           <p:cNvSpPr/>
           <p:nvPr/>
         </p:nvSpPr>
         <p:spPr>
           <a:xfrm>
-            <a:off x="457200" y="152280"/>
-            <a:ext cx="11046960" cy="6550920"/>
+            <a:off x="1754640" y="1737360"/>
+            <a:ext cx="5742720" cy="2812320"/>
           </a:xfrm>
           <a:prstGeom prst="rect">
             <a:avLst/>
           </a:prstGeom>
           <a:noFill/>
-          <a:ln w="25560">
-            <a:solidFill>
-              <a:srgbClr val="395e89"/>
-            </a:solidFill>
-            <a:round/>
+          <a:ln>
+            <a:noFill/>
           </a:ln>
         </p:spPr>
         <p:style>
@@ -13781,6 +15018,712 @@
           <a:effectRef idx="0"/>
           <a:fontRef idx="minor"/>
         </p:style>
+        <p:txBody>
+          <a:bodyPr lIns="90000" rIns="90000" tIns="45000" bIns="45000"/>
+          <a:p>
+            <a:pPr>
+              <a:lnSpc>
+                <a:spcPct val="100000"/>
+              </a:lnSpc>
+            </a:pPr>
+            <a:r>
+              <a:rPr b="0" lang="en-US" sz="1000" spc="-1" strike="noStrike">
+                <a:solidFill>
+                  <a:srgbClr val="0066b3"/>
+                </a:solidFill>
+                <a:latin typeface="Courier New"/>
+                <a:ea typeface="DejaVu Sans"/>
+              </a:rPr>
+              <a:t>function </a:t>
+            </a:r>
+            <a:r>
+              <a:rPr b="0" lang="en-US" sz="1000" spc="-1" strike="noStrike">
+                <a:solidFill>
+                  <a:srgbClr val="00a65d"/>
+                </a:solidFill>
+                <a:latin typeface="Courier New"/>
+                <a:ea typeface="DejaVu Sans"/>
+              </a:rPr>
+              <a:t>alphabeta(node, depth, α, β, maximizingPlayer) is</a:t>
+            </a:r>
+            <a:endParaRPr b="0" lang="en-US" sz="1000" spc="-1" strike="noStrike">
+              <a:latin typeface="Arial"/>
+            </a:endParaRPr>
+          </a:p>
+          <a:p>
+            <a:pPr>
+              <a:lnSpc>
+                <a:spcPct val="100000"/>
+              </a:lnSpc>
+            </a:pPr>
+            <a:r>
+              <a:rPr b="0" lang="en-US" sz="1000" spc="-1" strike="noStrike">
+                <a:solidFill>
+                  <a:srgbClr val="00a65d"/>
+                </a:solidFill>
+                <a:latin typeface="Courier New"/>
+                <a:ea typeface="DejaVu Sans"/>
+              </a:rPr>
+              <a:t>    </a:t>
+            </a:r>
+            <a:r>
+              <a:rPr b="0" lang="en-US" sz="1000" spc="-1" strike="noStrike">
+                <a:solidFill>
+                  <a:srgbClr val="ce181e"/>
+                </a:solidFill>
+                <a:latin typeface="Courier New"/>
+                <a:ea typeface="DejaVu Sans"/>
+              </a:rPr>
+              <a:t>if depth = 0 or node is a terminal node then</a:t>
+            </a:r>
+            <a:endParaRPr b="0" lang="en-US" sz="1000" spc="-1" strike="noStrike">
+              <a:latin typeface="Arial"/>
+            </a:endParaRPr>
+          </a:p>
+          <a:p>
+            <a:pPr>
+              <a:lnSpc>
+                <a:spcPct val="100000"/>
+              </a:lnSpc>
+            </a:pPr>
+            <a:r>
+              <a:rPr b="0" lang="en-US" sz="1000" spc="-1" strike="noStrike">
+                <a:solidFill>
+                  <a:srgbClr val="ce181e"/>
+                </a:solidFill>
+                <a:latin typeface="Courier New"/>
+                <a:ea typeface="DejaVu Sans"/>
+              </a:rPr>
+              <a:t>        </a:t>
+            </a:r>
+            <a:r>
+              <a:rPr b="0" lang="en-US" sz="1000" spc="-1" strike="noStrike">
+                <a:solidFill>
+                  <a:srgbClr val="0066b3"/>
+                </a:solidFill>
+                <a:latin typeface="Courier New"/>
+                <a:ea typeface="DejaVu Sans"/>
+              </a:rPr>
+              <a:t>return the heuristic value of node</a:t>
+            </a:r>
+            <a:endParaRPr b="0" lang="en-US" sz="1000" spc="-1" strike="noStrike">
+              <a:latin typeface="Arial"/>
+            </a:endParaRPr>
+          </a:p>
+          <a:p>
+            <a:pPr>
+              <a:lnSpc>
+                <a:spcPct val="100000"/>
+              </a:lnSpc>
+            </a:pPr>
+            <a:r>
+              <a:rPr b="0" lang="en-US" sz="1000" spc="-1" strike="noStrike">
+                <a:solidFill>
+                  <a:srgbClr val="0066b3"/>
+                </a:solidFill>
+                <a:latin typeface="Courier New"/>
+                <a:ea typeface="DejaVu Sans"/>
+              </a:rPr>
+              <a:t>    </a:t>
+            </a:r>
+            <a:r>
+              <a:rPr b="0" lang="en-US" sz="1000" spc="-1" strike="noStrike">
+                <a:solidFill>
+                  <a:srgbClr val="ce181e"/>
+                </a:solidFill>
+                <a:latin typeface="Courier New"/>
+                <a:ea typeface="DejaVu Sans"/>
+              </a:rPr>
+              <a:t>if maximizingPlayer then</a:t>
+            </a:r>
+            <a:endParaRPr b="0" lang="en-US" sz="1000" spc="-1" strike="noStrike">
+              <a:latin typeface="Arial"/>
+            </a:endParaRPr>
+          </a:p>
+          <a:p>
+            <a:pPr>
+              <a:lnSpc>
+                <a:spcPct val="100000"/>
+              </a:lnSpc>
+            </a:pPr>
+            <a:r>
+              <a:rPr b="0" lang="en-US" sz="1000" spc="-1" strike="noStrike">
+                <a:solidFill>
+                  <a:srgbClr val="ce181e"/>
+                </a:solidFill>
+                <a:latin typeface="Courier New"/>
+                <a:ea typeface="DejaVu Sans"/>
+              </a:rPr>
+              <a:t>        </a:t>
+            </a:r>
+            <a:r>
+              <a:rPr b="0" lang="en-US" sz="1000" spc="-1" strike="noStrike">
+                <a:solidFill>
+                  <a:srgbClr val="ce181e"/>
+                </a:solidFill>
+                <a:latin typeface="Courier New"/>
+                <a:ea typeface="DejaVu Sans"/>
+              </a:rPr>
+              <a:t>value := −∞</a:t>
+            </a:r>
+            <a:endParaRPr b="0" lang="en-US" sz="1000" spc="-1" strike="noStrike">
+              <a:latin typeface="Arial"/>
+            </a:endParaRPr>
+          </a:p>
+          <a:p>
+            <a:pPr>
+              <a:lnSpc>
+                <a:spcPct val="100000"/>
+              </a:lnSpc>
+            </a:pPr>
+            <a:r>
+              <a:rPr b="0" lang="en-US" sz="1000" spc="-1" strike="noStrike">
+                <a:solidFill>
+                  <a:srgbClr val="ce181e"/>
+                </a:solidFill>
+                <a:latin typeface="Courier New"/>
+                <a:ea typeface="DejaVu Sans"/>
+              </a:rPr>
+              <a:t>        </a:t>
+            </a:r>
+            <a:r>
+              <a:rPr b="0" lang="en-US" sz="1000" spc="-1" strike="noStrike">
+                <a:solidFill>
+                  <a:srgbClr val="0066b3"/>
+                </a:solidFill>
+                <a:latin typeface="Courier New"/>
+                <a:ea typeface="DejaVu Sans"/>
+              </a:rPr>
+              <a:t>for each child of node do</a:t>
+            </a:r>
+            <a:endParaRPr b="0" lang="en-US" sz="1000" spc="-1" strike="noStrike">
+              <a:latin typeface="Arial"/>
+            </a:endParaRPr>
+          </a:p>
+          <a:p>
+            <a:pPr>
+              <a:lnSpc>
+                <a:spcPct val="100000"/>
+              </a:lnSpc>
+            </a:pPr>
+            <a:r>
+              <a:rPr b="0" lang="en-US" sz="1000" spc="-1" strike="noStrike">
+                <a:solidFill>
+                  <a:srgbClr val="0066b3"/>
+                </a:solidFill>
+                <a:latin typeface="Courier New"/>
+                <a:ea typeface="DejaVu Sans"/>
+              </a:rPr>
+              <a:t>            </a:t>
+            </a:r>
+            <a:r>
+              <a:rPr b="0" lang="en-US" sz="1000" spc="-1" strike="noStrike">
+                <a:solidFill>
+                  <a:srgbClr val="0066b3"/>
+                </a:solidFill>
+                <a:latin typeface="Courier New"/>
+                <a:ea typeface="DejaVu Sans"/>
+              </a:rPr>
+              <a:t>value := </a:t>
+            </a:r>
+            <a:r>
+              <a:rPr b="0" lang="en-US" sz="1000" spc="-1" strike="noStrike">
+                <a:solidFill>
+                  <a:srgbClr val="00a65d"/>
+                </a:solidFill>
+                <a:latin typeface="Courier New"/>
+                <a:ea typeface="DejaVu Sans"/>
+              </a:rPr>
+              <a:t>max(value, alphabeta(child, depth − 1, α, β, FALSE))</a:t>
+            </a:r>
+            <a:endParaRPr b="0" lang="en-US" sz="1000" spc="-1" strike="noStrike">
+              <a:latin typeface="Arial"/>
+            </a:endParaRPr>
+          </a:p>
+          <a:p>
+            <a:pPr>
+              <a:lnSpc>
+                <a:spcPct val="100000"/>
+              </a:lnSpc>
+            </a:pPr>
+            <a:r>
+              <a:rPr b="0" lang="en-US" sz="1000" spc="-1" strike="noStrike">
+                <a:solidFill>
+                  <a:srgbClr val="00a65d"/>
+                </a:solidFill>
+                <a:latin typeface="Courier New"/>
+                <a:ea typeface="DejaVu Sans"/>
+              </a:rPr>
+              <a:t>            </a:t>
+            </a:r>
+            <a:r>
+              <a:rPr b="0" lang="en-US" sz="1000" spc="-1" strike="noStrike">
+                <a:solidFill>
+                  <a:srgbClr val="00a65d"/>
+                </a:solidFill>
+                <a:latin typeface="Courier New"/>
+                <a:ea typeface="DejaVu Sans"/>
+              </a:rPr>
+              <a:t>α := max(α, value)</a:t>
+            </a:r>
+            <a:endParaRPr b="0" lang="en-US" sz="1000" spc="-1" strike="noStrike">
+              <a:latin typeface="Arial"/>
+            </a:endParaRPr>
+          </a:p>
+          <a:p>
+            <a:pPr>
+              <a:lnSpc>
+                <a:spcPct val="100000"/>
+              </a:lnSpc>
+            </a:pPr>
+            <a:r>
+              <a:rPr b="0" lang="en-US" sz="1000" spc="-1" strike="noStrike">
+                <a:solidFill>
+                  <a:srgbClr val="00a65d"/>
+                </a:solidFill>
+                <a:latin typeface="Courier New"/>
+                <a:ea typeface="DejaVu Sans"/>
+              </a:rPr>
+              <a:t>            </a:t>
+            </a:r>
+            <a:r>
+              <a:rPr b="0" lang="en-US" sz="1000" spc="-1" strike="noStrike">
+                <a:solidFill>
+                  <a:srgbClr val="ce181e"/>
+                </a:solidFill>
+                <a:latin typeface="Courier New"/>
+                <a:ea typeface="DejaVu Sans"/>
+              </a:rPr>
+              <a:t>if α ≥ β then</a:t>
+            </a:r>
+            <a:endParaRPr b="0" lang="en-US" sz="1000" spc="-1" strike="noStrike">
+              <a:latin typeface="Arial"/>
+            </a:endParaRPr>
+          </a:p>
+          <a:p>
+            <a:pPr>
+              <a:lnSpc>
+                <a:spcPct val="100000"/>
+              </a:lnSpc>
+            </a:pPr>
+            <a:r>
+              <a:rPr b="0" lang="en-US" sz="1000" spc="-1" strike="noStrike">
+                <a:solidFill>
+                  <a:srgbClr val="ce181e"/>
+                </a:solidFill>
+                <a:latin typeface="Courier New"/>
+                <a:ea typeface="DejaVu Sans"/>
+              </a:rPr>
+              <a:t>                </a:t>
+            </a:r>
+            <a:r>
+              <a:rPr b="0" lang="en-US" sz="1000" spc="-1" strike="noStrike">
+                <a:solidFill>
+                  <a:srgbClr val="ce181e"/>
+                </a:solidFill>
+                <a:latin typeface="Courier New"/>
+                <a:ea typeface="DejaVu Sans"/>
+              </a:rPr>
+              <a:t>break (* β cut-off *)</a:t>
+            </a:r>
+            <a:endParaRPr b="0" lang="en-US" sz="1000" spc="-1" strike="noStrike">
+              <a:latin typeface="Arial"/>
+            </a:endParaRPr>
+          </a:p>
+          <a:p>
+            <a:pPr>
+              <a:lnSpc>
+                <a:spcPct val="100000"/>
+              </a:lnSpc>
+            </a:pPr>
+            <a:r>
+              <a:rPr b="0" lang="en-US" sz="1000" spc="-1" strike="noStrike">
+                <a:solidFill>
+                  <a:srgbClr val="ce181e"/>
+                </a:solidFill>
+                <a:latin typeface="Courier New"/>
+                <a:ea typeface="DejaVu Sans"/>
+              </a:rPr>
+              <a:t>        </a:t>
+            </a:r>
+            <a:r>
+              <a:rPr b="0" lang="en-US" sz="1000" spc="-1" strike="noStrike">
+                <a:solidFill>
+                  <a:srgbClr val="0066b3"/>
+                </a:solidFill>
+                <a:latin typeface="Courier New"/>
+                <a:ea typeface="DejaVu Sans"/>
+              </a:rPr>
+              <a:t>return value</a:t>
+            </a:r>
+            <a:endParaRPr b="0" lang="en-US" sz="1000" spc="-1" strike="noStrike">
+              <a:latin typeface="Arial"/>
+            </a:endParaRPr>
+          </a:p>
+          <a:p>
+            <a:pPr>
+              <a:lnSpc>
+                <a:spcPct val="100000"/>
+              </a:lnSpc>
+            </a:pPr>
+            <a:r>
+              <a:rPr b="0" lang="en-US" sz="1000" spc="-1" strike="noStrike">
+                <a:solidFill>
+                  <a:srgbClr val="0066b3"/>
+                </a:solidFill>
+                <a:latin typeface="Courier New"/>
+                <a:ea typeface="DejaVu Sans"/>
+              </a:rPr>
+              <a:t>    </a:t>
+            </a:r>
+            <a:r>
+              <a:rPr b="0" lang="en-US" sz="1000" spc="-1" strike="noStrike">
+                <a:solidFill>
+                  <a:srgbClr val="ce181e"/>
+                </a:solidFill>
+                <a:latin typeface="Courier New"/>
+                <a:ea typeface="DejaVu Sans"/>
+              </a:rPr>
+              <a:t>else</a:t>
+            </a:r>
+            <a:endParaRPr b="0" lang="en-US" sz="1000" spc="-1" strike="noStrike">
+              <a:latin typeface="Arial"/>
+            </a:endParaRPr>
+          </a:p>
+          <a:p>
+            <a:pPr>
+              <a:lnSpc>
+                <a:spcPct val="100000"/>
+              </a:lnSpc>
+            </a:pPr>
+            <a:r>
+              <a:rPr b="0" lang="en-US" sz="1000" spc="-1" strike="noStrike">
+                <a:solidFill>
+                  <a:srgbClr val="ce181e"/>
+                </a:solidFill>
+                <a:latin typeface="Courier New"/>
+                <a:ea typeface="DejaVu Sans"/>
+              </a:rPr>
+              <a:t>        </a:t>
+            </a:r>
+            <a:r>
+              <a:rPr b="0" lang="en-US" sz="1000" spc="-1" strike="noStrike">
+                <a:solidFill>
+                  <a:srgbClr val="ce181e"/>
+                </a:solidFill>
+                <a:latin typeface="Courier New"/>
+                <a:ea typeface="DejaVu Sans"/>
+              </a:rPr>
+              <a:t>value := +∞</a:t>
+            </a:r>
+            <a:endParaRPr b="0" lang="en-US" sz="1000" spc="-1" strike="noStrike">
+              <a:latin typeface="Arial"/>
+            </a:endParaRPr>
+          </a:p>
+          <a:p>
+            <a:pPr>
+              <a:lnSpc>
+                <a:spcPct val="100000"/>
+              </a:lnSpc>
+            </a:pPr>
+            <a:r>
+              <a:rPr b="0" lang="en-US" sz="1000" spc="-1" strike="noStrike">
+                <a:solidFill>
+                  <a:srgbClr val="ce181e"/>
+                </a:solidFill>
+                <a:latin typeface="Courier New"/>
+                <a:ea typeface="DejaVu Sans"/>
+              </a:rPr>
+              <a:t>        </a:t>
+            </a:r>
+            <a:r>
+              <a:rPr b="0" lang="en-US" sz="1000" spc="-1" strike="noStrike">
+                <a:solidFill>
+                  <a:srgbClr val="0066b3"/>
+                </a:solidFill>
+                <a:latin typeface="Courier New"/>
+                <a:ea typeface="DejaVu Sans"/>
+              </a:rPr>
+              <a:t>for each child of node do</a:t>
+            </a:r>
+            <a:endParaRPr b="0" lang="en-US" sz="1000" spc="-1" strike="noStrike">
+              <a:latin typeface="Arial"/>
+            </a:endParaRPr>
+          </a:p>
+          <a:p>
+            <a:pPr>
+              <a:lnSpc>
+                <a:spcPct val="100000"/>
+              </a:lnSpc>
+            </a:pPr>
+            <a:r>
+              <a:rPr b="0" lang="en-US" sz="1000" spc="-1" strike="noStrike">
+                <a:solidFill>
+                  <a:srgbClr val="0066b3"/>
+                </a:solidFill>
+                <a:latin typeface="Courier New"/>
+                <a:ea typeface="DejaVu Sans"/>
+              </a:rPr>
+              <a:t>            </a:t>
+            </a:r>
+            <a:r>
+              <a:rPr b="0" lang="en-US" sz="1000" spc="-1" strike="noStrike">
+                <a:solidFill>
+                  <a:srgbClr val="0066b3"/>
+                </a:solidFill>
+                <a:latin typeface="Courier New"/>
+                <a:ea typeface="DejaVu Sans"/>
+              </a:rPr>
+              <a:t>value := </a:t>
+            </a:r>
+            <a:r>
+              <a:rPr b="0" lang="en-US" sz="1000" spc="-1" strike="noStrike">
+                <a:solidFill>
+                  <a:srgbClr val="00a65d"/>
+                </a:solidFill>
+                <a:latin typeface="Courier New"/>
+                <a:ea typeface="DejaVu Sans"/>
+              </a:rPr>
+              <a:t>min(value, alphabeta(child, depth − 1, α, β, TRUE))</a:t>
+            </a:r>
+            <a:endParaRPr b="0" lang="en-US" sz="1000" spc="-1" strike="noStrike">
+              <a:latin typeface="Arial"/>
+            </a:endParaRPr>
+          </a:p>
+          <a:p>
+            <a:pPr>
+              <a:lnSpc>
+                <a:spcPct val="100000"/>
+              </a:lnSpc>
+            </a:pPr>
+            <a:r>
+              <a:rPr b="0" lang="en-US" sz="1000" spc="-1" strike="noStrike">
+                <a:solidFill>
+                  <a:srgbClr val="00a65d"/>
+                </a:solidFill>
+                <a:latin typeface="Courier New"/>
+                <a:ea typeface="DejaVu Sans"/>
+              </a:rPr>
+              <a:t>            </a:t>
+            </a:r>
+            <a:r>
+              <a:rPr b="0" lang="en-US" sz="1000" spc="-1" strike="noStrike">
+                <a:solidFill>
+                  <a:srgbClr val="00a65d"/>
+                </a:solidFill>
+                <a:latin typeface="Courier New"/>
+                <a:ea typeface="DejaVu Sans"/>
+              </a:rPr>
+              <a:t>β := min(β, value)</a:t>
+            </a:r>
+            <a:endParaRPr b="0" lang="en-US" sz="1000" spc="-1" strike="noStrike">
+              <a:latin typeface="Arial"/>
+            </a:endParaRPr>
+          </a:p>
+          <a:p>
+            <a:pPr>
+              <a:lnSpc>
+                <a:spcPct val="100000"/>
+              </a:lnSpc>
+            </a:pPr>
+            <a:r>
+              <a:rPr b="0" lang="en-US" sz="1000" spc="-1" strike="noStrike">
+                <a:solidFill>
+                  <a:srgbClr val="00a65d"/>
+                </a:solidFill>
+                <a:latin typeface="Courier New"/>
+                <a:ea typeface="DejaVu Sans"/>
+              </a:rPr>
+              <a:t>            </a:t>
+            </a:r>
+            <a:r>
+              <a:rPr b="0" lang="en-US" sz="1000" spc="-1" strike="noStrike">
+                <a:solidFill>
+                  <a:srgbClr val="ce181e"/>
+                </a:solidFill>
+                <a:latin typeface="Courier New"/>
+                <a:ea typeface="DejaVu Sans"/>
+              </a:rPr>
+              <a:t>if α ≥ β then</a:t>
+            </a:r>
+            <a:endParaRPr b="0" lang="en-US" sz="1000" spc="-1" strike="noStrike">
+              <a:latin typeface="Arial"/>
+            </a:endParaRPr>
+          </a:p>
+          <a:p>
+            <a:pPr>
+              <a:lnSpc>
+                <a:spcPct val="100000"/>
+              </a:lnSpc>
+            </a:pPr>
+            <a:r>
+              <a:rPr b="0" lang="en-US" sz="1000" spc="-1" strike="noStrike">
+                <a:solidFill>
+                  <a:srgbClr val="ce181e"/>
+                </a:solidFill>
+                <a:latin typeface="Courier New"/>
+                <a:ea typeface="DejaVu Sans"/>
+              </a:rPr>
+              <a:t>                </a:t>
+            </a:r>
+            <a:r>
+              <a:rPr b="0" lang="en-US" sz="1000" spc="-1" strike="noStrike">
+                <a:solidFill>
+                  <a:srgbClr val="ce181e"/>
+                </a:solidFill>
+                <a:latin typeface="Courier New"/>
+                <a:ea typeface="DejaVu Sans"/>
+              </a:rPr>
+              <a:t>break (* α cut-off *)</a:t>
+            </a:r>
+            <a:endParaRPr b="0" lang="en-US" sz="1000" spc="-1" strike="noStrike">
+              <a:latin typeface="Arial"/>
+            </a:endParaRPr>
+          </a:p>
+          <a:p>
+            <a:pPr>
+              <a:lnSpc>
+                <a:spcPct val="100000"/>
+              </a:lnSpc>
+            </a:pPr>
+            <a:r>
+              <a:rPr b="0" lang="en-US" sz="1000" spc="-1" strike="noStrike">
+                <a:solidFill>
+                  <a:srgbClr val="ce181e"/>
+                </a:solidFill>
+                <a:latin typeface="Courier New"/>
+                <a:ea typeface="DejaVu Sans"/>
+              </a:rPr>
+              <a:t>        </a:t>
+            </a:r>
+            <a:r>
+              <a:rPr b="0" lang="en-US" sz="1000" spc="-1" strike="noStrike">
+                <a:solidFill>
+                  <a:srgbClr val="0066b3"/>
+                </a:solidFill>
+                <a:latin typeface="Courier New"/>
+                <a:ea typeface="DejaVu Sans"/>
+              </a:rPr>
+              <a:t>return value</a:t>
+            </a:r>
+            <a:endParaRPr b="0" lang="en-US" sz="1000" spc="-1" strike="noStrike">
+              <a:latin typeface="Arial"/>
+            </a:endParaRPr>
+          </a:p>
+        </p:txBody>
+      </p:sp>
+      <p:sp>
+        <p:nvSpPr>
+          <p:cNvPr id="211" name="CustomShape 6"/>
+          <p:cNvSpPr/>
+          <p:nvPr/>
+        </p:nvSpPr>
+        <p:spPr>
+          <a:xfrm>
+            <a:off x="1586880" y="5017680"/>
+            <a:ext cx="3075840" cy="376560"/>
+          </a:xfrm>
+          <a:prstGeom prst="rect">
+            <a:avLst/>
+          </a:prstGeom>
+          <a:noFill/>
+          <a:ln>
+            <a:noFill/>
+          </a:ln>
+        </p:spPr>
+        <p:style>
+          <a:lnRef idx="0"/>
+          <a:fillRef idx="0"/>
+          <a:effectRef idx="0"/>
+          <a:fontRef idx="minor"/>
+        </p:style>
+        <p:txBody>
+          <a:bodyPr lIns="90000" rIns="90000" tIns="45000" bIns="45000"/>
+          <a:p>
+            <a:pPr>
+              <a:lnSpc>
+                <a:spcPct val="100000"/>
+              </a:lnSpc>
+            </a:pPr>
+            <a:r>
+              <a:rPr b="0" lang="en-US" sz="1000" spc="-1" strike="noStrike">
+                <a:solidFill>
+                  <a:srgbClr val="000000"/>
+                </a:solidFill>
+                <a:latin typeface="Courier New"/>
+                <a:ea typeface="DejaVu Sans"/>
+              </a:rPr>
+              <a:t>(* Initial call *)</a:t>
+            </a:r>
+            <a:endParaRPr b="0" lang="en-US" sz="1000" spc="-1" strike="noStrike">
+              <a:latin typeface="Arial"/>
+            </a:endParaRPr>
+          </a:p>
+          <a:p>
+            <a:pPr>
+              <a:lnSpc>
+                <a:spcPct val="100000"/>
+              </a:lnSpc>
+            </a:pPr>
+            <a:r>
+              <a:rPr b="0" lang="en-US" sz="1000" spc="-1" strike="noStrike">
+                <a:solidFill>
+                  <a:srgbClr val="00a65d"/>
+                </a:solidFill>
+                <a:latin typeface="Courier New"/>
+                <a:ea typeface="DejaVu Sans"/>
+              </a:rPr>
+              <a:t>alphabeta(origin, depth, −</a:t>
+            </a:r>
+            <a:r>
+              <a:rPr b="0" lang="en-US" sz="1000" spc="-1" strike="noStrike" u="sng">
+                <a:solidFill>
+                  <a:srgbClr val="0000ff"/>
+                </a:solidFill>
+                <a:uFillTx/>
+                <a:latin typeface="Courier New"/>
+                <a:ea typeface="DejaVu Sans"/>
+                <a:hlinkClick r:id="rId1"/>
+              </a:rPr>
+              <a:t>∞</a:t>
+            </a:r>
+            <a:r>
+              <a:rPr b="0" lang="en-US" sz="1000" spc="-1" strike="noStrike">
+                <a:solidFill>
+                  <a:srgbClr val="0000ff"/>
+                </a:solidFill>
+                <a:latin typeface="Courier New"/>
+                <a:ea typeface="DejaVu Sans"/>
+              </a:rPr>
+              <a:t>, +</a:t>
+            </a:r>
+            <a:r>
+              <a:rPr b="0" lang="en-US" sz="1000" spc="-1" strike="noStrike" u="sng">
+                <a:solidFill>
+                  <a:srgbClr val="0000ff"/>
+                </a:solidFill>
+                <a:uFillTx/>
+                <a:latin typeface="Courier New"/>
+                <a:ea typeface="DejaVu Sans"/>
+                <a:hlinkClick r:id="rId2"/>
+              </a:rPr>
+              <a:t>∞</a:t>
+            </a:r>
+            <a:r>
+              <a:rPr b="0" lang="en-US" sz="1000" spc="-1" strike="noStrike">
+                <a:solidFill>
+                  <a:srgbClr val="0000ff"/>
+                </a:solidFill>
+                <a:latin typeface="Courier New"/>
+                <a:ea typeface="DejaVu Sans"/>
+              </a:rPr>
+              <a:t>, TRUE)</a:t>
+            </a:r>
+            <a:endParaRPr b="0" lang="en-US" sz="1000" spc="-1" strike="noStrike">
+              <a:latin typeface="Arial"/>
+            </a:endParaRPr>
+          </a:p>
+        </p:txBody>
       </p:sp>
     </p:spTree>
   </p:cSld>
@@ -13840,7 +15783,7 @@
         <p:spPr>
           <a:xfrm>
             <a:off x="0" y="165240"/>
-            <a:ext cx="11885040" cy="1140840"/>
+            <a:ext cx="11883600" cy="1139400"/>
           </a:xfrm>
           <a:prstGeom prst="rect">
             <a:avLst/>
@@ -13889,9 +15832,9 @@
         <p:grpSpPr>
           <a:xfrm>
             <a:off x="2693520" y="1211760"/>
-            <a:ext cx="6479640" cy="5005800"/>
+            <a:ext cx="6478200" cy="5004360"/>
             <a:chOff x="2693520" y="1211760"/>
-            <a:chExt cx="6479640" cy="5005800"/>
+            <a:chExt cx="6478200" cy="5004360"/>
           </a:xfrm>
         </p:grpSpPr>
         <p:sp>
@@ -13903,7 +15846,7 @@
           <p:spPr>
             <a:xfrm>
               <a:off x="2714400" y="1211760"/>
-              <a:ext cx="6399720" cy="868320"/>
+              <a:ext cx="6398280" cy="866880"/>
             </a:xfrm>
             <a:prstGeom prst="roundRect">
               <a:avLst>
@@ -13936,7 +15879,7 @@
           <p:spPr>
             <a:xfrm>
               <a:off x="2730600" y="1233720"/>
-              <a:ext cx="6409800" cy="835200"/>
+              <a:ext cx="6408360" cy="833760"/>
             </a:xfrm>
             <a:prstGeom prst="rect">
               <a:avLst/>
@@ -13985,7 +15928,7 @@
           <p:spPr>
             <a:xfrm>
               <a:off x="2693520" y="2260800"/>
-              <a:ext cx="6399720" cy="835200"/>
+              <a:ext cx="6398280" cy="833760"/>
             </a:xfrm>
             <a:prstGeom prst="roundRect">
               <a:avLst>
@@ -14018,7 +15961,7 @@
           <p:spPr>
             <a:xfrm>
               <a:off x="2720520" y="2264400"/>
-              <a:ext cx="6383880" cy="787320"/>
+              <a:ext cx="6382440" cy="785880"/>
             </a:xfrm>
             <a:prstGeom prst="rect">
               <a:avLst/>
@@ -14067,7 +16010,7 @@
           <p:spPr>
             <a:xfrm>
               <a:off x="2790360" y="3492360"/>
-              <a:ext cx="6371640" cy="835200"/>
+              <a:ext cx="6370200" cy="833760"/>
             </a:xfrm>
             <a:prstGeom prst="rect">
               <a:avLst/>
@@ -14176,7 +16119,7 @@
           <p:spPr>
             <a:xfrm>
               <a:off x="2747160" y="4670280"/>
-              <a:ext cx="6426000" cy="824760"/>
+              <a:ext cx="6424560" cy="823320"/>
             </a:xfrm>
             <a:prstGeom prst="rect">
               <a:avLst/>
@@ -14274,8 +16217,8 @@
           </p:nvSpPr>
           <p:spPr>
             <a:xfrm>
-              <a:off x="2749320" y="3279240"/>
-              <a:ext cx="6399720" cy="835200"/>
+              <a:off x="2749320" y="3315240"/>
+              <a:ext cx="6398280" cy="833760"/>
             </a:xfrm>
             <a:prstGeom prst="roundRect">
               <a:avLst>
@@ -14308,7 +16251,7 @@
           <p:spPr>
             <a:xfrm>
               <a:off x="2747160" y="4363920"/>
-              <a:ext cx="6399720" cy="835200"/>
+              <a:ext cx="6398280" cy="833760"/>
             </a:xfrm>
             <a:prstGeom prst="roundRect">
               <a:avLst>
@@ -14341,7 +16284,7 @@
           <p:spPr>
             <a:xfrm>
               <a:off x="2747160" y="5382360"/>
-              <a:ext cx="6399720" cy="835200"/>
+              <a:ext cx="6398280" cy="833760"/>
             </a:xfrm>
             <a:prstGeom prst="roundRect">
               <a:avLst>
@@ -14373,8 +16316,8 @@
           </p:nvSpPr>
           <p:spPr>
             <a:xfrm>
-              <a:off x="2743920" y="3279240"/>
-              <a:ext cx="6399720" cy="835200"/>
+              <a:off x="2743920" y="3495240"/>
+              <a:ext cx="6403680" cy="653760"/>
             </a:xfrm>
             <a:prstGeom prst="rect">
               <a:avLst/>
@@ -14423,7 +16366,7 @@
           <p:spPr>
             <a:xfrm>
               <a:off x="2747160" y="4543920"/>
-              <a:ext cx="6399720" cy="576720"/>
+              <a:ext cx="6398280" cy="575280"/>
             </a:xfrm>
             <a:prstGeom prst="rect">
               <a:avLst/>
@@ -14455,7 +16398,7 @@
                   <a:latin typeface="Times New Roman"/>
                   <a:ea typeface="Times New Roman"/>
                 </a:rPr>
-                <a:t>Minimax and Alpha-beta prune</a:t>
+                <a:t>Minimax and Alpha-Beta prune</a:t>
               </a:r>
               <a:endParaRPr b="0" lang="en-US" sz="2400" spc="-1" strike="noStrike">
                 <a:latin typeface="Arial"/>
@@ -14472,7 +16415,7 @@
           <p:spPr>
             <a:xfrm>
               <a:off x="4298040" y="5576400"/>
-              <a:ext cx="3219480" cy="439200"/>
+              <a:ext cx="3218040" cy="437760"/>
             </a:xfrm>
             <a:prstGeom prst="rect">
               <a:avLst/>
@@ -14542,7 +16485,7 @@
         <p:spPr>
           <a:xfrm>
             <a:off x="374400" y="152280"/>
-            <a:ext cx="11129400" cy="6550920"/>
+            <a:ext cx="11127960" cy="6549480"/>
           </a:xfrm>
           <a:prstGeom prst="rect">
             <a:avLst/>
@@ -14571,6 +16514,1938 @@
           <p:childTnLst>
             <p:seq>
               <p:cTn id="4" dur="indefinite" nodeType="mainSeq"/>
+              <p:prevCondLst>
+                <p:cond delay="0" evt="onPrev">
+                  <p:tgtEl>
+                    <p:sldTgt/>
+                  </p:tgtEl>
+                </p:cond>
+              </p:prevCondLst>
+              <p:nextCondLst>
+                <p:cond delay="0" evt="onNext">
+                  <p:tgtEl>
+                    <p:sldTgt/>
+                  </p:tgtEl>
+                </p:cond>
+              </p:nextCondLst>
+            </p:seq>
+          </p:childTnLst>
+        </p:cTn>
+      </p:par>
+    </p:tnLst>
+  </p:timing>
+</p:sld>
+</file>
+
+<file path=ppt/slides/slide20.xml><?xml version="1.0" encoding="utf-8"?>
+<p:sld xmlns:a="http://schemas.openxmlformats.org/drawingml/2006/main" xmlns:p="http://schemas.openxmlformats.org/presentationml/2006/main" xmlns:r="http://schemas.openxmlformats.org/officeDocument/2006/relationships" xmlns:p14="http://schemas.microsoft.com/office/powerpoint/2010/main" xmlns:p15="http://schemas.microsoft.com/office/powerpoint/2012/main" xmlns:mc="http://schemas.openxmlformats.org/markup-compatibility/2006">
+  <p:cSld>
+    <p:spTree>
+      <p:nvGrpSpPr>
+        <p:cNvPr id="1" name=""/>
+        <p:cNvGrpSpPr/>
+        <p:nvPr/>
+      </p:nvGrpSpPr>
+      <p:grpSpPr>
+        <a:xfrm>
+          <a:off x="0" y="0"/>
+          <a:ext cx="0" cy="0"/>
+          <a:chOff x="0" y="0"/>
+          <a:chExt cx="0" cy="0"/>
+        </a:xfrm>
+      </p:grpSpPr>
+      <p:sp>
+        <p:nvSpPr>
+          <p:cNvPr id="212" name="CustomShape 1"/>
+          <p:cNvSpPr/>
+          <p:nvPr/>
+        </p:nvSpPr>
+        <p:spPr>
+          <a:xfrm>
+            <a:off x="374400" y="152280"/>
+            <a:ext cx="11127960" cy="6549480"/>
+          </a:xfrm>
+          <a:prstGeom prst="rect">
+            <a:avLst/>
+          </a:prstGeom>
+          <a:noFill/>
+          <a:ln w="25560">
+            <a:solidFill>
+              <a:srgbClr val="395e89"/>
+            </a:solidFill>
+            <a:round/>
+          </a:ln>
+        </p:spPr>
+        <p:style>
+          <a:lnRef idx="0"/>
+          <a:fillRef idx="0"/>
+          <a:effectRef idx="0"/>
+          <a:fontRef idx="minor"/>
+        </p:style>
+      </p:sp>
+      <p:sp>
+        <p:nvSpPr>
+          <p:cNvPr id="213" name="CustomShape 2"/>
+          <p:cNvSpPr/>
+          <p:nvPr/>
+        </p:nvSpPr>
+        <p:spPr>
+          <a:xfrm>
+            <a:off x="982440" y="694080"/>
+            <a:ext cx="5319360" cy="543960"/>
+          </a:xfrm>
+          <a:prstGeom prst="rect">
+            <a:avLst/>
+          </a:prstGeom>
+          <a:noFill/>
+          <a:ln>
+            <a:noFill/>
+          </a:ln>
+        </p:spPr>
+        <p:style>
+          <a:lnRef idx="0"/>
+          <a:fillRef idx="0"/>
+          <a:effectRef idx="0"/>
+          <a:fontRef idx="minor"/>
+        </p:style>
+        <p:txBody>
+          <a:bodyPr wrap="none" lIns="90000" rIns="90000" tIns="45000" bIns="45000"/>
+          <a:p>
+            <a:pPr marL="216000" indent="-212760">
+              <a:lnSpc>
+                <a:spcPct val="100000"/>
+              </a:lnSpc>
+              <a:buClr>
+                <a:srgbClr val="000000"/>
+              </a:buClr>
+              <a:buFont typeface="Wingdings" charset="2"/>
+              <a:buChar char=""/>
+            </a:pPr>
+            <a:r>
+              <a:rPr b="1" lang="en-US" sz="3000" spc="-1" strike="noStrike">
+                <a:solidFill>
+                  <a:srgbClr val="000000"/>
+                </a:solidFill>
+                <a:latin typeface="Times New Roman"/>
+                <a:ea typeface="Arial"/>
+              </a:rPr>
+              <a:t> </a:t>
+            </a:r>
+            <a:r>
+              <a:rPr b="1" lang="en-US" sz="3000" spc="-1" strike="noStrike">
+                <a:solidFill>
+                  <a:srgbClr val="000000"/>
+                </a:solidFill>
+                <a:latin typeface="Times New Roman"/>
+                <a:ea typeface="Arial"/>
+              </a:rPr>
+              <a:t>Complexity of a Chess Game</a:t>
+            </a:r>
+            <a:endParaRPr b="0" lang="en-US" sz="3000" spc="-1" strike="noStrike">
+              <a:latin typeface="Arial"/>
+            </a:endParaRPr>
+          </a:p>
+        </p:txBody>
+      </p:sp>
+      <p:sp>
+        <p:nvSpPr>
+          <p:cNvPr id="214" name="CustomShape 3"/>
+          <p:cNvSpPr/>
+          <p:nvPr/>
+        </p:nvSpPr>
+        <p:spPr>
+          <a:xfrm>
+            <a:off x="914400" y="1645920"/>
+            <a:ext cx="7787160" cy="543960"/>
+          </a:xfrm>
+          <a:prstGeom prst="rect">
+            <a:avLst/>
+          </a:prstGeom>
+          <a:noFill/>
+          <a:ln>
+            <a:noFill/>
+          </a:ln>
+        </p:spPr>
+        <p:style>
+          <a:lnRef idx="0"/>
+          <a:fillRef idx="0"/>
+          <a:effectRef idx="0"/>
+          <a:fontRef idx="minor"/>
+        </p:style>
+        <p:txBody>
+          <a:bodyPr wrap="none" lIns="90000" rIns="90000" tIns="45000" bIns="45000"/>
+          <a:p>
+            <a:pPr>
+              <a:lnSpc>
+                <a:spcPct val="100000"/>
+              </a:lnSpc>
+            </a:pPr>
+            <a:r>
+              <a:rPr b="1" lang="en-US" sz="3000" spc="-1" strike="noStrike">
+                <a:solidFill>
+                  <a:srgbClr val="000000"/>
+                </a:solidFill>
+                <a:latin typeface="Times New Roman"/>
+                <a:ea typeface="Arial"/>
+              </a:rPr>
+              <a:t>20 possible start moves, 20 possible replies, etc.</a:t>
+            </a:r>
+            <a:endParaRPr b="0" lang="en-US" sz="3000" spc="-1" strike="noStrike">
+              <a:latin typeface="Arial"/>
+            </a:endParaRPr>
+          </a:p>
+        </p:txBody>
+      </p:sp>
+      <p:sp>
+        <p:nvSpPr>
+          <p:cNvPr id="215" name="CustomShape 4"/>
+          <p:cNvSpPr/>
+          <p:nvPr/>
+        </p:nvSpPr>
+        <p:spPr>
+          <a:xfrm>
+            <a:off x="982440" y="694080"/>
+            <a:ext cx="5319360" cy="543960"/>
+          </a:xfrm>
+          <a:prstGeom prst="rect">
+            <a:avLst/>
+          </a:prstGeom>
+          <a:noFill/>
+          <a:ln>
+            <a:noFill/>
+          </a:ln>
+        </p:spPr>
+        <p:style>
+          <a:lnRef idx="0"/>
+          <a:fillRef idx="0"/>
+          <a:effectRef idx="0"/>
+          <a:fontRef idx="minor"/>
+        </p:style>
+        <p:txBody>
+          <a:bodyPr wrap="none" lIns="90000" rIns="90000" tIns="45000" bIns="45000"/>
+          <a:p>
+            <a:pPr marL="216000" indent="-212760">
+              <a:lnSpc>
+                <a:spcPct val="100000"/>
+              </a:lnSpc>
+              <a:buClr>
+                <a:srgbClr val="000000"/>
+              </a:buClr>
+              <a:buFont typeface="Wingdings" charset="2"/>
+              <a:buChar char=""/>
+            </a:pPr>
+            <a:r>
+              <a:rPr b="1" lang="en-US" sz="3000" spc="-1" strike="noStrike">
+                <a:solidFill>
+                  <a:srgbClr val="000000"/>
+                </a:solidFill>
+                <a:latin typeface="Times New Roman"/>
+                <a:ea typeface="Arial"/>
+              </a:rPr>
+              <a:t> </a:t>
+            </a:r>
+            <a:r>
+              <a:rPr b="1" lang="en-US" sz="3000" spc="-1" strike="noStrike">
+                <a:solidFill>
+                  <a:srgbClr val="000000"/>
+                </a:solidFill>
+                <a:latin typeface="Times New Roman"/>
+                <a:ea typeface="Arial"/>
+              </a:rPr>
+              <a:t>Complexity of a Chess Game</a:t>
+            </a:r>
+            <a:endParaRPr b="0" lang="en-US" sz="3000" spc="-1" strike="noStrike">
+              <a:latin typeface="Arial"/>
+            </a:endParaRPr>
+          </a:p>
+        </p:txBody>
+      </p:sp>
+      <p:sp>
+        <p:nvSpPr>
+          <p:cNvPr id="216" name="CustomShape 5"/>
+          <p:cNvSpPr/>
+          <p:nvPr/>
+        </p:nvSpPr>
+        <p:spPr>
+          <a:xfrm>
+            <a:off x="888840" y="2193120"/>
+            <a:ext cx="7520400" cy="543960"/>
+          </a:xfrm>
+          <a:prstGeom prst="rect">
+            <a:avLst/>
+          </a:prstGeom>
+          <a:noFill/>
+          <a:ln>
+            <a:noFill/>
+          </a:ln>
+        </p:spPr>
+        <p:style>
+          <a:lnRef idx="0"/>
+          <a:fillRef idx="0"/>
+          <a:effectRef idx="0"/>
+          <a:fontRef idx="minor"/>
+        </p:style>
+        <p:txBody>
+          <a:bodyPr wrap="none" lIns="90000" rIns="90000" tIns="45000" bIns="45000"/>
+          <a:p>
+            <a:pPr>
+              <a:lnSpc>
+                <a:spcPct val="100000"/>
+              </a:lnSpc>
+            </a:pPr>
+            <a:r>
+              <a:rPr b="1" lang="en-US" sz="3000" spc="-1" strike="noStrike">
+                <a:solidFill>
+                  <a:srgbClr val="000000"/>
+                </a:solidFill>
+                <a:latin typeface="Times New Roman"/>
+                <a:ea typeface="Arial"/>
+              </a:rPr>
+              <a:t>400 possible positions after 2 ply (half moves)</a:t>
+            </a:r>
+            <a:endParaRPr b="0" lang="en-US" sz="3000" spc="-1" strike="noStrike">
+              <a:latin typeface="Arial"/>
+            </a:endParaRPr>
+          </a:p>
+        </p:txBody>
+      </p:sp>
+      <p:sp>
+        <p:nvSpPr>
+          <p:cNvPr id="217" name="CustomShape 6"/>
+          <p:cNvSpPr/>
+          <p:nvPr/>
+        </p:nvSpPr>
+        <p:spPr>
+          <a:xfrm>
+            <a:off x="869040" y="2744640"/>
+            <a:ext cx="4614120" cy="543960"/>
+          </a:xfrm>
+          <a:prstGeom prst="rect">
+            <a:avLst/>
+          </a:prstGeom>
+          <a:noFill/>
+          <a:ln>
+            <a:noFill/>
+          </a:ln>
+        </p:spPr>
+        <p:style>
+          <a:lnRef idx="0"/>
+          <a:fillRef idx="0"/>
+          <a:effectRef idx="0"/>
+          <a:fontRef idx="minor"/>
+        </p:style>
+        <p:txBody>
+          <a:bodyPr wrap="none" lIns="90000" rIns="90000" tIns="45000" bIns="45000"/>
+          <a:p>
+            <a:pPr>
+              <a:lnSpc>
+                <a:spcPct val="100000"/>
+              </a:lnSpc>
+            </a:pPr>
+            <a:r>
+              <a:rPr b="1" lang="en-US" sz="3000" spc="-1" strike="noStrike">
+                <a:solidFill>
+                  <a:srgbClr val="000000"/>
+                </a:solidFill>
+                <a:latin typeface="Times New Roman"/>
+                <a:ea typeface="Arial"/>
+              </a:rPr>
+              <a:t>197 281 positions after 4ply</a:t>
+            </a:r>
+            <a:endParaRPr b="0" lang="en-US" sz="3000" spc="-1" strike="noStrike">
+              <a:latin typeface="Arial"/>
+            </a:endParaRPr>
+          </a:p>
+        </p:txBody>
+      </p:sp>
+      <p:sp>
+        <p:nvSpPr>
+          <p:cNvPr id="218" name="CustomShape 7"/>
+          <p:cNvSpPr/>
+          <p:nvPr/>
+        </p:nvSpPr>
+        <p:spPr>
+          <a:xfrm>
+            <a:off x="914400" y="3291840"/>
+            <a:ext cx="10099080" cy="543960"/>
+          </a:xfrm>
+          <a:prstGeom prst="rect">
+            <a:avLst/>
+          </a:prstGeom>
+          <a:noFill/>
+          <a:ln>
+            <a:noFill/>
+          </a:ln>
+        </p:spPr>
+        <p:style>
+          <a:lnRef idx="0"/>
+          <a:fillRef idx="0"/>
+          <a:effectRef idx="0"/>
+          <a:fontRef idx="minor"/>
+        </p:style>
+        <p:txBody>
+          <a:bodyPr wrap="none" lIns="90000" rIns="90000" tIns="45000" bIns="45000"/>
+          <a:p>
+            <a:pPr>
+              <a:lnSpc>
+                <a:spcPct val="100000"/>
+              </a:lnSpc>
+            </a:pPr>
+            <a:r>
+              <a:rPr b="1" lang="en-US" sz="3000" spc="-1" strike="noStrike">
+                <a:solidFill>
+                  <a:srgbClr val="000000"/>
+                </a:solidFill>
+                <a:latin typeface="Times New Roman"/>
+                <a:ea typeface="Arial"/>
+              </a:rPr>
+              <a:t>713 positions after 10 ply (5 White moves and 5 Black moves)</a:t>
+            </a:r>
+            <a:endParaRPr b="0" lang="en-US" sz="3000" spc="-1" strike="noStrike">
+              <a:latin typeface="Arial"/>
+            </a:endParaRPr>
+          </a:p>
+          <a:p>
+            <a:pPr>
+              <a:lnSpc>
+                <a:spcPct val="100000"/>
+              </a:lnSpc>
+            </a:pPr>
+            <a:endParaRPr b="0" lang="en-US" sz="3000" spc="-1" strike="noStrike">
+              <a:latin typeface="Arial"/>
+            </a:endParaRPr>
+          </a:p>
+          <a:p>
+            <a:pPr>
+              <a:lnSpc>
+                <a:spcPct val="100000"/>
+              </a:lnSpc>
+            </a:pPr>
+            <a:r>
+              <a:rPr b="1" lang="en-US" sz="3000" spc="-1" strike="noStrike">
+                <a:solidFill>
+                  <a:srgbClr val="000000"/>
+                </a:solidFill>
+                <a:latin typeface="Times New Roman"/>
+                <a:ea typeface="Arial"/>
+              </a:rPr>
+              <a:t>More and more :((</a:t>
+            </a:r>
+            <a:endParaRPr b="0" lang="en-US" sz="3000" spc="-1" strike="noStrike">
+              <a:latin typeface="Arial"/>
+            </a:endParaRPr>
+          </a:p>
+        </p:txBody>
+      </p:sp>
+    </p:spTree>
+  </p:cSld>
+  <p:timing>
+    <p:tnLst>
+      <p:par>
+        <p:cTn id="52" dur="indefinite" restart="never" nodeType="tmRoot">
+          <p:childTnLst>
+            <p:seq>
+              <p:cTn id="53" dur="indefinite" nodeType="mainSeq"/>
+              <p:prevCondLst>
+                <p:cond delay="0" evt="onPrev">
+                  <p:tgtEl>
+                    <p:sldTgt/>
+                  </p:tgtEl>
+                </p:cond>
+              </p:prevCondLst>
+              <p:nextCondLst>
+                <p:cond delay="0" evt="onNext">
+                  <p:tgtEl>
+                    <p:sldTgt/>
+                  </p:tgtEl>
+                </p:cond>
+              </p:nextCondLst>
+            </p:seq>
+          </p:childTnLst>
+        </p:cTn>
+      </p:par>
+    </p:tnLst>
+  </p:timing>
+</p:sld>
+</file>
+
+<file path=ppt/slides/slide21.xml><?xml version="1.0" encoding="utf-8"?>
+<p:sld xmlns:a="http://schemas.openxmlformats.org/drawingml/2006/main" xmlns:p="http://schemas.openxmlformats.org/presentationml/2006/main" xmlns:r="http://schemas.openxmlformats.org/officeDocument/2006/relationships" xmlns:p14="http://schemas.microsoft.com/office/powerpoint/2010/main" xmlns:p15="http://schemas.microsoft.com/office/powerpoint/2012/main" xmlns:mc="http://schemas.openxmlformats.org/markup-compatibility/2006">
+  <p:cSld>
+    <p:spTree>
+      <p:nvGrpSpPr>
+        <p:cNvPr id="1" name=""/>
+        <p:cNvGrpSpPr/>
+        <p:nvPr/>
+      </p:nvGrpSpPr>
+      <p:grpSpPr>
+        <a:xfrm>
+          <a:off x="0" y="0"/>
+          <a:ext cx="0" cy="0"/>
+          <a:chOff x="0" y="0"/>
+          <a:chExt cx="0" cy="0"/>
+        </a:xfrm>
+      </p:grpSpPr>
+      <p:sp>
+        <p:nvSpPr>
+          <p:cNvPr id="219" name="CustomShape 1"/>
+          <p:cNvSpPr/>
+          <p:nvPr/>
+        </p:nvSpPr>
+        <p:spPr>
+          <a:xfrm>
+            <a:off x="352440" y="153360"/>
+            <a:ext cx="11112480" cy="1139400"/>
+          </a:xfrm>
+          <a:prstGeom prst="rect">
+            <a:avLst/>
+          </a:prstGeom>
+          <a:noFill/>
+          <a:ln>
+            <a:noFill/>
+          </a:ln>
+        </p:spPr>
+        <p:style>
+          <a:lnRef idx="0"/>
+          <a:fillRef idx="0"/>
+          <a:effectRef idx="0"/>
+          <a:fontRef idx="minor"/>
+        </p:style>
+        <p:txBody>
+          <a:bodyPr lIns="90000" rIns="90000" tIns="45000" bIns="45000" anchor="ctr"/>
+          <a:p>
+            <a:pPr algn="ctr">
+              <a:lnSpc>
+                <a:spcPct val="100000"/>
+              </a:lnSpc>
+            </a:pPr>
+            <a:endParaRPr b="0" lang="en-US" sz="1800" spc="-1" strike="noStrike">
+              <a:latin typeface="Arial"/>
+            </a:endParaRPr>
+          </a:p>
+          <a:p>
+            <a:pPr algn="ctr">
+              <a:lnSpc>
+                <a:spcPct val="100000"/>
+              </a:lnSpc>
+            </a:pPr>
+            <a:endParaRPr b="0" lang="en-US" sz="1800" spc="-1" strike="noStrike">
+              <a:latin typeface="Arial"/>
+            </a:endParaRPr>
+          </a:p>
+          <a:p>
+            <a:pPr algn="ctr">
+              <a:lnSpc>
+                <a:spcPct val="100000"/>
+              </a:lnSpc>
+            </a:pPr>
+            <a:endParaRPr b="0" lang="en-US" sz="1800" spc="-1" strike="noStrike">
+              <a:latin typeface="Arial"/>
+            </a:endParaRPr>
+          </a:p>
+          <a:p>
+            <a:pPr algn="ctr">
+              <a:lnSpc>
+                <a:spcPct val="100000"/>
+              </a:lnSpc>
+            </a:pPr>
+            <a:endParaRPr b="0" lang="en-US" sz="1800" spc="-1" strike="noStrike">
+              <a:latin typeface="Arial"/>
+            </a:endParaRPr>
+          </a:p>
+          <a:p>
+            <a:pPr algn="ctr">
+              <a:lnSpc>
+                <a:spcPct val="100000"/>
+              </a:lnSpc>
+            </a:pPr>
+            <a:endParaRPr b="0" lang="en-US" sz="1800" spc="-1" strike="noStrike">
+              <a:latin typeface="Arial"/>
+            </a:endParaRPr>
+          </a:p>
+          <a:p>
+            <a:pPr algn="ctr">
+              <a:lnSpc>
+                <a:spcPct val="100000"/>
+              </a:lnSpc>
+            </a:pPr>
+            <a:endParaRPr b="0" lang="en-US" sz="1800" spc="-1" strike="noStrike">
+              <a:latin typeface="Arial"/>
+            </a:endParaRPr>
+          </a:p>
+          <a:p>
+            <a:pPr algn="ctr">
+              <a:lnSpc>
+                <a:spcPct val="100000"/>
+              </a:lnSpc>
+            </a:pPr>
+            <a:endParaRPr b="0" lang="en-US" sz="1800" spc="-1" strike="noStrike">
+              <a:latin typeface="Arial"/>
+            </a:endParaRPr>
+          </a:p>
+          <a:p>
+            <a:pPr algn="ctr">
+              <a:lnSpc>
+                <a:spcPct val="100000"/>
+              </a:lnSpc>
+            </a:pPr>
+            <a:endParaRPr b="0" lang="en-US" sz="1800" spc="-1" strike="noStrike">
+              <a:latin typeface="Arial"/>
+            </a:endParaRPr>
+          </a:p>
+          <a:p>
+            <a:pPr algn="ctr">
+              <a:lnSpc>
+                <a:spcPct val="100000"/>
+              </a:lnSpc>
+            </a:pPr>
+            <a:r>
+              <a:rPr b="1" lang="en-US" sz="4400" spc="-1" strike="noStrike">
+                <a:solidFill>
+                  <a:srgbClr val="00b0f0"/>
+                </a:solidFill>
+                <a:latin typeface="Times New Roman"/>
+                <a:ea typeface="Calibri"/>
+              </a:rPr>
+              <a:t>DEMONSTRATION</a:t>
+            </a:r>
+            <a:endParaRPr b="0" lang="en-US" sz="4400" spc="-1" strike="noStrike">
+              <a:latin typeface="Arial"/>
+            </a:endParaRPr>
+          </a:p>
+        </p:txBody>
+      </p:sp>
+      <p:sp>
+        <p:nvSpPr>
+          <p:cNvPr id="220" name="CustomShape 2"/>
+          <p:cNvSpPr/>
+          <p:nvPr/>
+        </p:nvSpPr>
+        <p:spPr>
+          <a:xfrm>
+            <a:off x="1001520" y="1506600"/>
+            <a:ext cx="10694880" cy="4522320"/>
+          </a:xfrm>
+          <a:prstGeom prst="rect">
+            <a:avLst/>
+          </a:prstGeom>
+          <a:noFill/>
+          <a:ln>
+            <a:noFill/>
+          </a:ln>
+        </p:spPr>
+        <p:style>
+          <a:lnRef idx="0"/>
+          <a:fillRef idx="0"/>
+          <a:effectRef idx="0"/>
+          <a:fontRef idx="minor"/>
+        </p:style>
+      </p:sp>
+      <p:sp>
+        <p:nvSpPr>
+          <p:cNvPr id="221" name="CustomShape 3"/>
+          <p:cNvSpPr/>
+          <p:nvPr/>
+        </p:nvSpPr>
+        <p:spPr>
+          <a:xfrm>
+            <a:off x="374400" y="152280"/>
+            <a:ext cx="11127960" cy="6549480"/>
+          </a:xfrm>
+          <a:prstGeom prst="rect">
+            <a:avLst/>
+          </a:prstGeom>
+          <a:noFill/>
+          <a:ln w="25560">
+            <a:solidFill>
+              <a:srgbClr val="395e89"/>
+            </a:solidFill>
+            <a:round/>
+          </a:ln>
+        </p:spPr>
+        <p:style>
+          <a:lnRef idx="0"/>
+          <a:fillRef idx="0"/>
+          <a:effectRef idx="0"/>
+          <a:fontRef idx="minor"/>
+        </p:style>
+      </p:sp>
+    </p:spTree>
+  </p:cSld>
+  <p:timing>
+    <p:tnLst>
+      <p:par>
+        <p:cTn id="54" dur="indefinite" restart="never" nodeType="tmRoot">
+          <p:childTnLst>
+            <p:seq>
+              <p:cTn id="55" dur="indefinite" nodeType="mainSeq"/>
+              <p:prevCondLst>
+                <p:cond delay="0" evt="onPrev">
+                  <p:tgtEl>
+                    <p:sldTgt/>
+                  </p:tgtEl>
+                </p:cond>
+              </p:prevCondLst>
+              <p:nextCondLst>
+                <p:cond delay="0" evt="onNext">
+                  <p:tgtEl>
+                    <p:sldTgt/>
+                  </p:tgtEl>
+                </p:cond>
+              </p:nextCondLst>
+            </p:seq>
+          </p:childTnLst>
+        </p:cTn>
+      </p:par>
+    </p:tnLst>
+  </p:timing>
+</p:sld>
+</file>
+
+<file path=ppt/slides/slide22.xml><?xml version="1.0" encoding="utf-8"?>
+<p:sld xmlns:a="http://schemas.openxmlformats.org/drawingml/2006/main" xmlns:p="http://schemas.openxmlformats.org/presentationml/2006/main" xmlns:r="http://schemas.openxmlformats.org/officeDocument/2006/relationships" xmlns:p14="http://schemas.microsoft.com/office/powerpoint/2010/main" xmlns:p15="http://schemas.microsoft.com/office/powerpoint/2012/main" xmlns:mc="http://schemas.openxmlformats.org/markup-compatibility/2006">
+  <p:cSld>
+    <p:spTree>
+      <p:nvGrpSpPr>
+        <p:cNvPr id="1" name=""/>
+        <p:cNvGrpSpPr/>
+        <p:nvPr/>
+      </p:nvGrpSpPr>
+      <p:grpSpPr>
+        <a:xfrm>
+          <a:off x="0" y="0"/>
+          <a:ext cx="0" cy="0"/>
+          <a:chOff x="0" y="0"/>
+          <a:chExt cx="0" cy="0"/>
+        </a:xfrm>
+      </p:grpSpPr>
+      <p:sp>
+        <p:nvSpPr>
+          <p:cNvPr id="222" name="CustomShape 1"/>
+          <p:cNvSpPr/>
+          <p:nvPr/>
+        </p:nvSpPr>
+        <p:spPr>
+          <a:xfrm>
+            <a:off x="457200" y="152280"/>
+            <a:ext cx="11045520" cy="1139400"/>
+          </a:xfrm>
+          <a:prstGeom prst="rect">
+            <a:avLst/>
+          </a:prstGeom>
+          <a:noFill/>
+          <a:ln>
+            <a:noFill/>
+          </a:ln>
+        </p:spPr>
+        <p:style>
+          <a:lnRef idx="0"/>
+          <a:fillRef idx="0"/>
+          <a:effectRef idx="0"/>
+          <a:fontRef idx="minor"/>
+        </p:style>
+        <p:txBody>
+          <a:bodyPr lIns="90000" rIns="90000" tIns="45000" bIns="45000" anchor="ctr"/>
+          <a:p>
+            <a:pPr algn="ctr">
+              <a:lnSpc>
+                <a:spcPct val="100000"/>
+              </a:lnSpc>
+            </a:pPr>
+            <a:r>
+              <a:rPr b="1" lang="en-US" sz="4400" spc="-1" strike="noStrike">
+                <a:solidFill>
+                  <a:srgbClr val="00b0f0"/>
+                </a:solidFill>
+                <a:latin typeface="Times New Roman"/>
+                <a:ea typeface="Calibri"/>
+              </a:rPr>
+              <a:t>CONCLUSION</a:t>
+            </a:r>
+            <a:endParaRPr b="0" lang="en-US" sz="4400" spc="-1" strike="noStrike">
+              <a:latin typeface="Arial"/>
+            </a:endParaRPr>
+          </a:p>
+        </p:txBody>
+      </p:sp>
+      <p:sp>
+        <p:nvSpPr>
+          <p:cNvPr id="223" name="CustomShape 2"/>
+          <p:cNvSpPr/>
+          <p:nvPr/>
+        </p:nvSpPr>
+        <p:spPr>
+          <a:xfrm>
+            <a:off x="457200" y="152280"/>
+            <a:ext cx="11045520" cy="6549480"/>
+          </a:xfrm>
+          <a:prstGeom prst="rect">
+            <a:avLst/>
+          </a:prstGeom>
+          <a:noFill/>
+          <a:ln w="25560">
+            <a:solidFill>
+              <a:srgbClr val="395e89"/>
+            </a:solidFill>
+            <a:round/>
+          </a:ln>
+        </p:spPr>
+        <p:style>
+          <a:lnRef idx="0"/>
+          <a:fillRef idx="0"/>
+          <a:effectRef idx="0"/>
+          <a:fontRef idx="minor"/>
+        </p:style>
+      </p:sp>
+      <p:sp>
+        <p:nvSpPr>
+          <p:cNvPr id="224" name="CustomShape 3"/>
+          <p:cNvSpPr/>
+          <p:nvPr/>
+        </p:nvSpPr>
+        <p:spPr>
+          <a:xfrm>
+            <a:off x="823680" y="1982160"/>
+            <a:ext cx="4248720" cy="4204080"/>
+          </a:xfrm>
+          <a:prstGeom prst="rect">
+            <a:avLst/>
+          </a:prstGeom>
+          <a:solidFill>
+            <a:schemeClr val="accent1"/>
+          </a:solidFill>
+          <a:ln w="25560">
+            <a:solidFill>
+              <a:schemeClr val="lt1"/>
+            </a:solidFill>
+            <a:round/>
+          </a:ln>
+        </p:spPr>
+        <p:style>
+          <a:lnRef idx="0"/>
+          <a:fillRef idx="0"/>
+          <a:effectRef idx="0"/>
+          <a:fontRef idx="minor"/>
+        </p:style>
+      </p:sp>
+      <p:sp>
+        <p:nvSpPr>
+          <p:cNvPr id="225" name="CustomShape 4"/>
+          <p:cNvSpPr/>
+          <p:nvPr/>
+        </p:nvSpPr>
+        <p:spPr>
+          <a:xfrm rot="16200000">
+            <a:off x="-771480" y="3668760"/>
+            <a:ext cx="3645360" cy="680400"/>
+          </a:xfrm>
+          <a:prstGeom prst="rect">
+            <a:avLst/>
+          </a:prstGeom>
+          <a:noFill/>
+          <a:ln>
+            <a:noFill/>
+          </a:ln>
+        </p:spPr>
+        <p:style>
+          <a:lnRef idx="0"/>
+          <a:fillRef idx="0"/>
+          <a:effectRef idx="0"/>
+          <a:fontRef idx="minor"/>
+        </p:style>
+      </p:sp>
+      <p:sp>
+        <p:nvSpPr>
+          <p:cNvPr id="226" name="CustomShape 5"/>
+          <p:cNvSpPr/>
+          <p:nvPr/>
+        </p:nvSpPr>
+        <p:spPr>
+          <a:xfrm>
+            <a:off x="6666480" y="1985760"/>
+            <a:ext cx="4457520" cy="4144320"/>
+          </a:xfrm>
+          <a:prstGeom prst="rect">
+            <a:avLst/>
+          </a:prstGeom>
+          <a:solidFill>
+            <a:schemeClr val="accent1"/>
+          </a:solidFill>
+          <a:ln w="25560">
+            <a:solidFill>
+              <a:schemeClr val="lt1"/>
+            </a:solidFill>
+            <a:round/>
+          </a:ln>
+        </p:spPr>
+        <p:style>
+          <a:lnRef idx="0"/>
+          <a:fillRef idx="0"/>
+          <a:effectRef idx="0"/>
+          <a:fontRef idx="minor"/>
+        </p:style>
+      </p:sp>
+      <p:sp>
+        <p:nvSpPr>
+          <p:cNvPr id="227" name="CustomShape 6"/>
+          <p:cNvSpPr/>
+          <p:nvPr/>
+        </p:nvSpPr>
+        <p:spPr>
+          <a:xfrm>
+            <a:off x="6820920" y="2154600"/>
+            <a:ext cx="4274640" cy="3947400"/>
+          </a:xfrm>
+          <a:prstGeom prst="rect">
+            <a:avLst/>
+          </a:prstGeom>
+          <a:noFill/>
+          <a:ln>
+            <a:noFill/>
+          </a:ln>
+        </p:spPr>
+        <p:style>
+          <a:lnRef idx="0"/>
+          <a:fillRef idx="0"/>
+          <a:effectRef idx="0"/>
+          <a:fontRef idx="minor"/>
+        </p:style>
+        <p:txBody>
+          <a:bodyPr lIns="170640" rIns="170640" tIns="603000" bIns="170640"/>
+          <a:p>
+            <a:pPr>
+              <a:lnSpc>
+                <a:spcPct val="90000"/>
+              </a:lnSpc>
+            </a:pPr>
+            <a:endParaRPr b="0" lang="en-US" sz="1800" spc="-1" strike="noStrike">
+              <a:latin typeface="Arial"/>
+            </a:endParaRPr>
+          </a:p>
+          <a:p>
+            <a:pPr>
+              <a:lnSpc>
+                <a:spcPct val="90000"/>
+              </a:lnSpc>
+            </a:pPr>
+            <a:endParaRPr b="0" lang="en-US" sz="1800" spc="-1" strike="noStrike">
+              <a:latin typeface="Arial"/>
+            </a:endParaRPr>
+          </a:p>
+          <a:p>
+            <a:pPr>
+              <a:lnSpc>
+                <a:spcPct val="90000"/>
+              </a:lnSpc>
+            </a:pPr>
+            <a:endParaRPr b="0" lang="en-US" sz="1800" spc="-1" strike="noStrike">
+              <a:latin typeface="Arial"/>
+            </a:endParaRPr>
+          </a:p>
+          <a:p>
+            <a:pPr lvl="1" marL="228600" indent="-225000">
+              <a:lnSpc>
+                <a:spcPct val="90000"/>
+              </a:lnSpc>
+              <a:buClr>
+                <a:srgbClr val="ffffff"/>
+              </a:buClr>
+              <a:buFont typeface="Calibri"/>
+              <a:buChar char="•"/>
+            </a:pPr>
+            <a:r>
+              <a:rPr b="0" lang="en-US" sz="2400" spc="-1" strike="noStrike">
+                <a:solidFill>
+                  <a:srgbClr val="ffffff"/>
+                </a:solidFill>
+                <a:latin typeface="Calibri"/>
+                <a:ea typeface="Calibri"/>
+              </a:rPr>
+              <a:t>Application work not stable and not complete yet</a:t>
+            </a:r>
+            <a:endParaRPr b="0" lang="en-US" sz="2400" spc="-1" strike="noStrike">
+              <a:latin typeface="Arial"/>
+            </a:endParaRPr>
+          </a:p>
+          <a:p>
+            <a:pPr lvl="1" marL="228600" indent="-225000">
+              <a:lnSpc>
+                <a:spcPct val="90000"/>
+              </a:lnSpc>
+              <a:spcBef>
+                <a:spcPts val="360"/>
+              </a:spcBef>
+              <a:buClr>
+                <a:srgbClr val="ffffff"/>
+              </a:buClr>
+              <a:buFont typeface="Calibri"/>
+              <a:buChar char="•"/>
+            </a:pPr>
+            <a:r>
+              <a:rPr b="0" lang="en-US" sz="2400" spc="-1" strike="noStrike">
+                <a:solidFill>
+                  <a:srgbClr val="ffffff"/>
+                </a:solidFill>
+                <a:latin typeface="Calibri"/>
+                <a:ea typeface="Calibri"/>
+              </a:rPr>
+              <a:t>Evaluate System is still basic.</a:t>
+            </a:r>
+            <a:endParaRPr b="0" lang="en-US" sz="2400" spc="-1" strike="noStrike">
+              <a:latin typeface="Arial"/>
+            </a:endParaRPr>
+          </a:p>
+          <a:p>
+            <a:pPr>
+              <a:lnSpc>
+                <a:spcPct val="90000"/>
+              </a:lnSpc>
+              <a:spcBef>
+                <a:spcPts val="360"/>
+              </a:spcBef>
+            </a:pPr>
+            <a:endParaRPr b="0" lang="en-US" sz="2400" spc="-1" strike="noStrike">
+              <a:latin typeface="Arial"/>
+            </a:endParaRPr>
+          </a:p>
+          <a:p>
+            <a:pPr>
+              <a:lnSpc>
+                <a:spcPct val="90000"/>
+              </a:lnSpc>
+              <a:spcBef>
+                <a:spcPts val="360"/>
+              </a:spcBef>
+            </a:pPr>
+            <a:endParaRPr b="0" lang="en-US" sz="2400" spc="-1" strike="noStrike">
+              <a:latin typeface="Arial"/>
+            </a:endParaRPr>
+          </a:p>
+          <a:p>
+            <a:pPr marL="228600" indent="-225000">
+              <a:lnSpc>
+                <a:spcPct val="90000"/>
+              </a:lnSpc>
+              <a:spcBef>
+                <a:spcPts val="360"/>
+              </a:spcBef>
+            </a:pPr>
+            <a:endParaRPr b="0" lang="en-US" sz="2400" spc="-1" strike="noStrike">
+              <a:latin typeface="Arial"/>
+            </a:endParaRPr>
+          </a:p>
+          <a:p>
+            <a:pPr marL="228600" indent="-225000">
+              <a:lnSpc>
+                <a:spcPct val="90000"/>
+              </a:lnSpc>
+              <a:spcBef>
+                <a:spcPts val="360"/>
+              </a:spcBef>
+            </a:pPr>
+            <a:endParaRPr b="0" lang="en-US" sz="2400" spc="-1" strike="noStrike">
+              <a:latin typeface="Arial"/>
+            </a:endParaRPr>
+          </a:p>
+          <a:p>
+            <a:pPr marL="228600" indent="-72720">
+              <a:lnSpc>
+                <a:spcPct val="90000"/>
+              </a:lnSpc>
+              <a:spcBef>
+                <a:spcPts val="360"/>
+              </a:spcBef>
+            </a:pPr>
+            <a:endParaRPr b="0" lang="en-US" sz="2400" spc="-1" strike="noStrike">
+              <a:latin typeface="Arial"/>
+            </a:endParaRPr>
+          </a:p>
+        </p:txBody>
+      </p:sp>
+      <p:sp>
+        <p:nvSpPr>
+          <p:cNvPr id="228" name="CustomShape 7"/>
+          <p:cNvSpPr/>
+          <p:nvPr/>
+        </p:nvSpPr>
+        <p:spPr>
+          <a:xfrm rot="16200000">
+            <a:off x="4741560" y="3668400"/>
+            <a:ext cx="3645360" cy="680400"/>
+          </a:xfrm>
+          <a:prstGeom prst="rect">
+            <a:avLst/>
+          </a:prstGeom>
+          <a:noFill/>
+          <a:ln>
+            <a:noFill/>
+          </a:ln>
+        </p:spPr>
+        <p:style>
+          <a:lnRef idx="0"/>
+          <a:fillRef idx="0"/>
+          <a:effectRef idx="0"/>
+          <a:fontRef idx="minor"/>
+        </p:style>
+      </p:sp>
+      <p:sp>
+        <p:nvSpPr>
+          <p:cNvPr id="229" name="CustomShape 8"/>
+          <p:cNvSpPr/>
+          <p:nvPr/>
+        </p:nvSpPr>
+        <p:spPr>
+          <a:xfrm>
+            <a:off x="992520" y="2012400"/>
+            <a:ext cx="4251240" cy="3850560"/>
+          </a:xfrm>
+          <a:prstGeom prst="rect">
+            <a:avLst/>
+          </a:prstGeom>
+          <a:noFill/>
+          <a:ln>
+            <a:noFill/>
+          </a:ln>
+        </p:spPr>
+        <p:style>
+          <a:lnRef idx="0"/>
+          <a:fillRef idx="0"/>
+          <a:effectRef idx="0"/>
+          <a:fontRef idx="minor"/>
+        </p:style>
+        <p:txBody>
+          <a:bodyPr lIns="170640" rIns="170640" tIns="603000" bIns="170640"/>
+          <a:p>
+            <a:pPr>
+              <a:lnSpc>
+                <a:spcPct val="90000"/>
+              </a:lnSpc>
+            </a:pPr>
+            <a:endParaRPr b="0" lang="en-US" sz="1800" spc="-1" strike="noStrike">
+              <a:latin typeface="Arial"/>
+            </a:endParaRPr>
+          </a:p>
+          <a:p>
+            <a:pPr>
+              <a:lnSpc>
+                <a:spcPct val="90000"/>
+              </a:lnSpc>
+            </a:pPr>
+            <a:endParaRPr b="0" lang="en-US" sz="1800" spc="-1" strike="noStrike">
+              <a:latin typeface="Arial"/>
+            </a:endParaRPr>
+          </a:p>
+          <a:p>
+            <a:pPr>
+              <a:lnSpc>
+                <a:spcPct val="90000"/>
+              </a:lnSpc>
+            </a:pPr>
+            <a:endParaRPr b="0" lang="en-US" sz="1800" spc="-1" strike="noStrike">
+              <a:latin typeface="Arial"/>
+            </a:endParaRPr>
+          </a:p>
+          <a:p>
+            <a:pPr lvl="1" marL="228600" indent="-225000">
+              <a:lnSpc>
+                <a:spcPct val="90000"/>
+              </a:lnSpc>
+              <a:spcBef>
+                <a:spcPts val="360"/>
+              </a:spcBef>
+              <a:buClr>
+                <a:srgbClr val="ffffff"/>
+              </a:buClr>
+              <a:buFont typeface="Calibri"/>
+              <a:buChar char="•"/>
+            </a:pPr>
+            <a:r>
+              <a:rPr b="0" lang="en-US" sz="2400" spc="-1" strike="noStrike">
+                <a:solidFill>
+                  <a:srgbClr val="ffffff"/>
+                </a:solidFill>
+                <a:latin typeface="Calibri"/>
+                <a:ea typeface="Calibri"/>
+              </a:rPr>
+              <a:t>Implement design pattern</a:t>
+            </a:r>
+            <a:endParaRPr b="0" lang="en-US" sz="2400" spc="-1" strike="noStrike">
+              <a:latin typeface="Arial"/>
+            </a:endParaRPr>
+          </a:p>
+          <a:p>
+            <a:pPr lvl="1" marL="228600" indent="-225000">
+              <a:lnSpc>
+                <a:spcPct val="90000"/>
+              </a:lnSpc>
+              <a:spcBef>
+                <a:spcPts val="360"/>
+              </a:spcBef>
+              <a:buClr>
+                <a:srgbClr val="ffffff"/>
+              </a:buClr>
+              <a:buFont typeface="Calibri"/>
+              <a:buChar char="•"/>
+            </a:pPr>
+            <a:r>
+              <a:rPr b="0" lang="en-US" sz="2400" spc="-1" strike="noStrike">
+                <a:solidFill>
+                  <a:srgbClr val="ffffff"/>
+                </a:solidFill>
+                <a:latin typeface="Calibri"/>
+                <a:ea typeface="Calibri"/>
+              </a:rPr>
+              <a:t>Chess Game Structure</a:t>
+            </a:r>
+            <a:endParaRPr b="0" lang="en-US" sz="2400" spc="-1" strike="noStrike">
+              <a:latin typeface="Arial"/>
+            </a:endParaRPr>
+          </a:p>
+          <a:p>
+            <a:pPr lvl="1" marL="228600" indent="-225000">
+              <a:lnSpc>
+                <a:spcPct val="90000"/>
+              </a:lnSpc>
+              <a:spcBef>
+                <a:spcPts val="360"/>
+              </a:spcBef>
+              <a:buClr>
+                <a:srgbClr val="ffffff"/>
+              </a:buClr>
+              <a:buFont typeface="Calibri"/>
+              <a:buChar char="•"/>
+            </a:pPr>
+            <a:r>
+              <a:rPr b="0" lang="en-US" sz="2400" spc="-1" strike="noStrike">
+                <a:solidFill>
+                  <a:srgbClr val="ffffff"/>
+                </a:solidFill>
+                <a:latin typeface="Calibri"/>
+                <a:ea typeface="Calibri"/>
+              </a:rPr>
+              <a:t>Integrate AI in Game</a:t>
+            </a:r>
+            <a:endParaRPr b="0" lang="en-US" sz="2400" spc="-1" strike="noStrike">
+              <a:latin typeface="Arial"/>
+            </a:endParaRPr>
+          </a:p>
+          <a:p>
+            <a:pPr>
+              <a:lnSpc>
+                <a:spcPct val="90000"/>
+              </a:lnSpc>
+              <a:spcBef>
+                <a:spcPts val="360"/>
+              </a:spcBef>
+            </a:pPr>
+            <a:endParaRPr b="0" lang="en-US" sz="2400" spc="-1" strike="noStrike">
+              <a:latin typeface="Arial"/>
+            </a:endParaRPr>
+          </a:p>
+          <a:p>
+            <a:pPr marL="228600" indent="-72720">
+              <a:lnSpc>
+                <a:spcPct val="90000"/>
+              </a:lnSpc>
+              <a:spcBef>
+                <a:spcPts val="360"/>
+              </a:spcBef>
+            </a:pPr>
+            <a:endParaRPr b="0" lang="en-US" sz="2400" spc="-1" strike="noStrike">
+              <a:latin typeface="Arial"/>
+            </a:endParaRPr>
+          </a:p>
+          <a:p>
+            <a:pPr marL="228600" indent="-72720">
+              <a:lnSpc>
+                <a:spcPct val="90000"/>
+              </a:lnSpc>
+              <a:spcBef>
+                <a:spcPts val="360"/>
+              </a:spcBef>
+            </a:pPr>
+            <a:endParaRPr b="0" lang="en-US" sz="2400" spc="-1" strike="noStrike">
+              <a:latin typeface="Arial"/>
+            </a:endParaRPr>
+          </a:p>
+        </p:txBody>
+      </p:sp>
+      <p:sp>
+        <p:nvSpPr>
+          <p:cNvPr id="230" name="CustomShape 9"/>
+          <p:cNvSpPr/>
+          <p:nvPr/>
+        </p:nvSpPr>
+        <p:spPr>
+          <a:xfrm>
+            <a:off x="7589160" y="2244600"/>
+            <a:ext cx="3645360" cy="680400"/>
+          </a:xfrm>
+          <a:prstGeom prst="rect">
+            <a:avLst/>
+          </a:prstGeom>
+          <a:noFill/>
+          <a:ln>
+            <a:noFill/>
+          </a:ln>
+        </p:spPr>
+        <p:style>
+          <a:lnRef idx="0"/>
+          <a:fillRef idx="0"/>
+          <a:effectRef idx="0"/>
+          <a:fontRef idx="minor"/>
+        </p:style>
+        <p:txBody>
+          <a:bodyPr lIns="0" rIns="603000" tIns="0" bIns="0"/>
+          <a:p>
+            <a:pPr algn="r">
+              <a:lnSpc>
+                <a:spcPct val="90000"/>
+              </a:lnSpc>
+            </a:pPr>
+            <a:r>
+              <a:rPr b="0" lang="en-US" sz="3400" spc="-1" strike="noStrike">
+                <a:solidFill>
+                  <a:srgbClr val="ffffff"/>
+                </a:solidFill>
+                <a:latin typeface="Times New Roman"/>
+                <a:ea typeface="Calibri"/>
+              </a:rPr>
+              <a:t>Disadvantage</a:t>
+            </a:r>
+            <a:endParaRPr b="0" lang="en-US" sz="3400" spc="-1" strike="noStrike">
+              <a:latin typeface="Arial"/>
+            </a:endParaRPr>
+          </a:p>
+        </p:txBody>
+      </p:sp>
+      <p:pic>
+        <p:nvPicPr>
+          <p:cNvPr id="231" name="Picture 12" descr=""/>
+          <p:cNvPicPr/>
+          <p:nvPr/>
+        </p:nvPicPr>
+        <p:blipFill>
+          <a:blip r:embed="rId1"/>
+          <a:stretch/>
+        </p:blipFill>
+        <p:spPr>
+          <a:xfrm>
+            <a:off x="838800" y="1958040"/>
+            <a:ext cx="1364400" cy="1317600"/>
+          </a:xfrm>
+          <a:prstGeom prst="rect">
+            <a:avLst/>
+          </a:prstGeom>
+          <a:ln>
+            <a:noFill/>
+          </a:ln>
+        </p:spPr>
+      </p:pic>
+      <p:pic>
+        <p:nvPicPr>
+          <p:cNvPr id="232" name="Picture 13" descr=""/>
+          <p:cNvPicPr/>
+          <p:nvPr/>
+        </p:nvPicPr>
+        <p:blipFill>
+          <a:blip r:embed="rId2"/>
+          <a:stretch/>
+        </p:blipFill>
+        <p:spPr>
+          <a:xfrm>
+            <a:off x="6667560" y="1906200"/>
+            <a:ext cx="1348200" cy="1266480"/>
+          </a:xfrm>
+          <a:prstGeom prst="rect">
+            <a:avLst/>
+          </a:prstGeom>
+          <a:ln>
+            <a:noFill/>
+          </a:ln>
+        </p:spPr>
+      </p:pic>
+      <p:sp>
+        <p:nvSpPr>
+          <p:cNvPr id="233" name="CustomShape 10"/>
+          <p:cNvSpPr/>
+          <p:nvPr/>
+        </p:nvSpPr>
+        <p:spPr>
+          <a:xfrm>
+            <a:off x="1270440" y="2228040"/>
+            <a:ext cx="3645360" cy="680400"/>
+          </a:xfrm>
+          <a:prstGeom prst="rect">
+            <a:avLst/>
+          </a:prstGeom>
+          <a:noFill/>
+          <a:ln>
+            <a:noFill/>
+          </a:ln>
+        </p:spPr>
+        <p:style>
+          <a:lnRef idx="0"/>
+          <a:fillRef idx="0"/>
+          <a:effectRef idx="0"/>
+          <a:fontRef idx="minor"/>
+        </p:style>
+        <p:txBody>
+          <a:bodyPr lIns="0" rIns="603000" tIns="0" bIns="0"/>
+          <a:p>
+            <a:pPr algn="r">
+              <a:lnSpc>
+                <a:spcPct val="90000"/>
+              </a:lnSpc>
+            </a:pPr>
+            <a:r>
+              <a:rPr b="0" lang="en-US" sz="3400" spc="-1" strike="noStrike">
+                <a:solidFill>
+                  <a:srgbClr val="ffffff"/>
+                </a:solidFill>
+                <a:latin typeface="Times New Roman"/>
+                <a:ea typeface="Calibri"/>
+              </a:rPr>
+              <a:t>Advantage</a:t>
+            </a:r>
+            <a:endParaRPr b="0" lang="en-US" sz="3400" spc="-1" strike="noStrike">
+              <a:latin typeface="Arial"/>
+            </a:endParaRPr>
+          </a:p>
+        </p:txBody>
+      </p:sp>
+    </p:spTree>
+  </p:cSld>
+  <p:timing>
+    <p:tnLst>
+      <p:par>
+        <p:cTn id="56" dur="indefinite" restart="never" nodeType="tmRoot">
+          <p:childTnLst>
+            <p:seq>
+              <p:cTn id="57" dur="indefinite" nodeType="mainSeq"/>
+              <p:prevCondLst>
+                <p:cond delay="0" evt="onPrev">
+                  <p:tgtEl>
+                    <p:sldTgt/>
+                  </p:tgtEl>
+                </p:cond>
+              </p:prevCondLst>
+              <p:nextCondLst>
+                <p:cond delay="0" evt="onNext">
+                  <p:tgtEl>
+                    <p:sldTgt/>
+                  </p:tgtEl>
+                </p:cond>
+              </p:nextCondLst>
+            </p:seq>
+          </p:childTnLst>
+        </p:cTn>
+      </p:par>
+    </p:tnLst>
+  </p:timing>
+</p:sld>
+</file>
+
+<file path=ppt/slides/slide23.xml><?xml version="1.0" encoding="utf-8"?>
+<p:sld xmlns:a="http://schemas.openxmlformats.org/drawingml/2006/main" xmlns:p="http://schemas.openxmlformats.org/presentationml/2006/main" xmlns:r="http://schemas.openxmlformats.org/officeDocument/2006/relationships" xmlns:p14="http://schemas.microsoft.com/office/powerpoint/2010/main" xmlns:p15="http://schemas.microsoft.com/office/powerpoint/2012/main" xmlns:mc="http://schemas.openxmlformats.org/markup-compatibility/2006">
+  <p:cSld>
+    <p:spTree>
+      <p:nvGrpSpPr>
+        <p:cNvPr id="1" name=""/>
+        <p:cNvGrpSpPr/>
+        <p:nvPr/>
+      </p:nvGrpSpPr>
+      <p:grpSpPr>
+        <a:xfrm>
+          <a:off x="0" y="0"/>
+          <a:ext cx="0" cy="0"/>
+          <a:chOff x="0" y="0"/>
+          <a:chExt cx="0" cy="0"/>
+        </a:xfrm>
+      </p:grpSpPr>
+      <p:sp>
+        <p:nvSpPr>
+          <p:cNvPr id="234" name="CustomShape 1"/>
+          <p:cNvSpPr/>
+          <p:nvPr/>
+        </p:nvSpPr>
+        <p:spPr>
+          <a:xfrm>
+            <a:off x="374400" y="152280"/>
+            <a:ext cx="11127960" cy="6549480"/>
+          </a:xfrm>
+          <a:prstGeom prst="rect">
+            <a:avLst/>
+          </a:prstGeom>
+          <a:noFill/>
+          <a:ln w="25560">
+            <a:solidFill>
+              <a:srgbClr val="395e89"/>
+            </a:solidFill>
+            <a:round/>
+          </a:ln>
+        </p:spPr>
+        <p:style>
+          <a:lnRef idx="0"/>
+          <a:fillRef idx="0"/>
+          <a:effectRef idx="0"/>
+          <a:fontRef idx="minor"/>
+        </p:style>
+      </p:sp>
+      <p:sp>
+        <p:nvSpPr>
+          <p:cNvPr id="235" name="CustomShape 2"/>
+          <p:cNvSpPr/>
+          <p:nvPr/>
+        </p:nvSpPr>
+        <p:spPr>
+          <a:xfrm>
+            <a:off x="1343880" y="694080"/>
+            <a:ext cx="3009240" cy="574560"/>
+          </a:xfrm>
+          <a:prstGeom prst="rect">
+            <a:avLst/>
+          </a:prstGeom>
+          <a:noFill/>
+          <a:ln>
+            <a:noFill/>
+          </a:ln>
+        </p:spPr>
+        <p:style>
+          <a:lnRef idx="0"/>
+          <a:fillRef idx="0"/>
+          <a:effectRef idx="0"/>
+          <a:fontRef idx="minor"/>
+        </p:style>
+        <p:txBody>
+          <a:bodyPr wrap="none" lIns="90000" rIns="90000" tIns="45000" bIns="45000"/>
+          <a:p>
+            <a:pPr marL="216000" indent="-212760">
+              <a:lnSpc>
+                <a:spcPct val="100000"/>
+              </a:lnSpc>
+              <a:buClr>
+                <a:srgbClr val="000000"/>
+              </a:buClr>
+              <a:buFont typeface="Wingdings" charset="2"/>
+              <a:buChar char=""/>
+            </a:pPr>
+            <a:r>
+              <a:rPr b="1" lang="en-US" sz="3200" spc="-1" strike="noStrike">
+                <a:solidFill>
+                  <a:srgbClr val="000000"/>
+                </a:solidFill>
+                <a:latin typeface="Times New Roman"/>
+                <a:ea typeface="Calibri"/>
+              </a:rPr>
+              <a:t> </a:t>
+            </a:r>
+            <a:r>
+              <a:rPr b="1" lang="en-US" sz="3200" spc="-1" strike="noStrike">
+                <a:solidFill>
+                  <a:srgbClr val="000000"/>
+                </a:solidFill>
+                <a:latin typeface="Times New Roman"/>
+                <a:ea typeface="Calibri"/>
+              </a:rPr>
+              <a:t>Feature work</a:t>
+            </a:r>
+            <a:endParaRPr b="0" lang="en-US" sz="3200" spc="-1" strike="noStrike">
+              <a:latin typeface="Arial"/>
+            </a:endParaRPr>
+          </a:p>
+        </p:txBody>
+      </p:sp>
+      <p:sp>
+        <p:nvSpPr>
+          <p:cNvPr id="236" name="CustomShape 3"/>
+          <p:cNvSpPr/>
+          <p:nvPr/>
+        </p:nvSpPr>
+        <p:spPr>
+          <a:xfrm>
+            <a:off x="374400" y="152280"/>
+            <a:ext cx="11127960" cy="6549480"/>
+          </a:xfrm>
+          <a:prstGeom prst="rect">
+            <a:avLst/>
+          </a:prstGeom>
+          <a:noFill/>
+          <a:ln w="25560">
+            <a:solidFill>
+              <a:srgbClr val="395e89"/>
+            </a:solidFill>
+            <a:round/>
+          </a:ln>
+        </p:spPr>
+        <p:style>
+          <a:lnRef idx="0"/>
+          <a:fillRef idx="0"/>
+          <a:effectRef idx="0"/>
+          <a:fontRef idx="minor"/>
+        </p:style>
+      </p:sp>
+      <p:sp>
+        <p:nvSpPr>
+          <p:cNvPr id="237" name="CustomShape 4"/>
+          <p:cNvSpPr/>
+          <p:nvPr/>
+        </p:nvSpPr>
+        <p:spPr>
+          <a:xfrm>
+            <a:off x="685800" y="1828800"/>
+            <a:ext cx="11045520" cy="4522320"/>
+          </a:xfrm>
+          <a:prstGeom prst="rect">
+            <a:avLst/>
+          </a:prstGeom>
+          <a:noFill/>
+          <a:ln>
+            <a:noFill/>
+          </a:ln>
+        </p:spPr>
+        <p:style>
+          <a:lnRef idx="0"/>
+          <a:fillRef idx="0"/>
+          <a:effectRef idx="0"/>
+          <a:fontRef idx="minor"/>
+        </p:style>
+        <p:txBody>
+          <a:bodyPr lIns="90000" rIns="90000" tIns="45000" bIns="45000"/>
+          <a:p>
+            <a:pPr marL="342720" indent="-339120">
+              <a:lnSpc>
+                <a:spcPct val="200000"/>
+              </a:lnSpc>
+              <a:buClr>
+                <a:srgbClr val="000000"/>
+              </a:buClr>
+              <a:buFont typeface="Noto Sans Symbols"/>
+              <a:buChar char="➢"/>
+            </a:pPr>
+            <a:r>
+              <a:rPr b="0" lang="en-US" sz="2600" spc="-1" strike="noStrike">
+                <a:solidFill>
+                  <a:srgbClr val="000000"/>
+                </a:solidFill>
+                <a:latin typeface="Times New Roman"/>
+                <a:ea typeface="Times New Roman"/>
+              </a:rPr>
+              <a:t> </a:t>
+            </a:r>
+            <a:r>
+              <a:rPr b="0" lang="en-US" sz="2600" spc="-1" strike="noStrike">
+                <a:solidFill>
+                  <a:srgbClr val="000000"/>
+                </a:solidFill>
+                <a:latin typeface="Times New Roman"/>
+                <a:ea typeface="Times New Roman"/>
+              </a:rPr>
+              <a:t>Make game faster and smarter.</a:t>
+            </a:r>
+            <a:endParaRPr b="0" lang="en-US" sz="2600" spc="-1" strike="noStrike">
+              <a:latin typeface="Arial"/>
+            </a:endParaRPr>
+          </a:p>
+          <a:p>
+            <a:pPr marL="342720" indent="-339120">
+              <a:lnSpc>
+                <a:spcPct val="200000"/>
+              </a:lnSpc>
+              <a:spcBef>
+                <a:spcPts val="700"/>
+              </a:spcBef>
+              <a:buClr>
+                <a:srgbClr val="000000"/>
+              </a:buClr>
+              <a:buFont typeface="Noto Sans Symbols"/>
+              <a:buChar char="➢"/>
+            </a:pPr>
+            <a:r>
+              <a:rPr b="0" lang="en-US" sz="2600" spc="-1" strike="noStrike">
+                <a:solidFill>
+                  <a:srgbClr val="000000"/>
+                </a:solidFill>
+                <a:latin typeface="Times New Roman"/>
+                <a:ea typeface="Times New Roman"/>
+              </a:rPr>
+              <a:t> </a:t>
+            </a:r>
+            <a:r>
+              <a:rPr b="0" lang="en-US" sz="2600" spc="-1" strike="noStrike">
+                <a:solidFill>
+                  <a:srgbClr val="000000"/>
+                </a:solidFill>
+                <a:latin typeface="Times New Roman"/>
+                <a:ea typeface="Times New Roman"/>
+              </a:rPr>
+              <a:t>Ensure game run stable.</a:t>
+            </a:r>
+            <a:endParaRPr b="0" lang="en-US" sz="2600" spc="-1" strike="noStrike">
+              <a:latin typeface="Arial"/>
+            </a:endParaRPr>
+          </a:p>
+          <a:p>
+            <a:pPr marL="342720" indent="-339120">
+              <a:lnSpc>
+                <a:spcPct val="200000"/>
+              </a:lnSpc>
+              <a:spcBef>
+                <a:spcPts val="700"/>
+              </a:spcBef>
+              <a:buClr>
+                <a:srgbClr val="000000"/>
+              </a:buClr>
+              <a:buFont typeface="Noto Sans Symbols"/>
+              <a:buChar char="➢"/>
+            </a:pPr>
+            <a:r>
+              <a:rPr b="0" lang="en-US" sz="2600" spc="-1" strike="noStrike">
+                <a:solidFill>
+                  <a:srgbClr val="000000"/>
+                </a:solidFill>
+                <a:latin typeface="Times New Roman"/>
+                <a:ea typeface="Times New Roman"/>
+              </a:rPr>
+              <a:t> </a:t>
+            </a:r>
+            <a:r>
+              <a:rPr b="0" lang="en-US" sz="2600" spc="-1" strike="noStrike">
+                <a:solidFill>
+                  <a:srgbClr val="000000"/>
+                </a:solidFill>
+                <a:latin typeface="Times New Roman"/>
+                <a:ea typeface="Times New Roman"/>
+              </a:rPr>
+              <a:t>Make new online mode for 2 player people.</a:t>
+            </a:r>
+            <a:endParaRPr b="0" lang="en-US" sz="2600" spc="-1" strike="noStrike">
+              <a:latin typeface="Arial"/>
+            </a:endParaRPr>
+          </a:p>
+          <a:p>
+            <a:pPr marL="342720" indent="-116640">
+              <a:lnSpc>
+                <a:spcPct val="200000"/>
+              </a:lnSpc>
+              <a:spcBef>
+                <a:spcPts val="700"/>
+              </a:spcBef>
+            </a:pPr>
+            <a:endParaRPr b="0" lang="en-US" sz="2600" spc="-1" strike="noStrike">
+              <a:latin typeface="Arial"/>
+            </a:endParaRPr>
+          </a:p>
+        </p:txBody>
+      </p:sp>
+    </p:spTree>
+  </p:cSld>
+  <p:timing>
+    <p:tnLst>
+      <p:par>
+        <p:cTn id="58" dur="indefinite" restart="never" nodeType="tmRoot">
+          <p:childTnLst>
+            <p:seq>
+              <p:cTn id="59" dur="indefinite" nodeType="mainSeq"/>
+              <p:prevCondLst>
+                <p:cond delay="0" evt="onPrev">
+                  <p:tgtEl>
+                    <p:sldTgt/>
+                  </p:tgtEl>
+                </p:cond>
+              </p:prevCondLst>
+              <p:nextCondLst>
+                <p:cond delay="0" evt="onNext">
+                  <p:tgtEl>
+                    <p:sldTgt/>
+                  </p:tgtEl>
+                </p:cond>
+              </p:nextCondLst>
+            </p:seq>
+          </p:childTnLst>
+        </p:cTn>
+      </p:par>
+    </p:tnLst>
+  </p:timing>
+</p:sld>
+</file>
+
+<file path=ppt/slides/slide24.xml><?xml version="1.0" encoding="utf-8"?>
+<p:sld xmlns:a="http://schemas.openxmlformats.org/drawingml/2006/main" xmlns:p="http://schemas.openxmlformats.org/presentationml/2006/main" xmlns:r="http://schemas.openxmlformats.org/officeDocument/2006/relationships" xmlns:p14="http://schemas.microsoft.com/office/powerpoint/2010/main" xmlns:p15="http://schemas.microsoft.com/office/powerpoint/2012/main" xmlns:mc="http://schemas.openxmlformats.org/markup-compatibility/2006">
+  <p:cSld>
+    <p:spTree>
+      <p:nvGrpSpPr>
+        <p:cNvPr id="1" name=""/>
+        <p:cNvGrpSpPr/>
+        <p:nvPr/>
+      </p:nvGrpSpPr>
+      <p:grpSpPr>
+        <a:xfrm>
+          <a:off x="0" y="0"/>
+          <a:ext cx="0" cy="0"/>
+          <a:chOff x="0" y="0"/>
+          <a:chExt cx="0" cy="0"/>
+        </a:xfrm>
+      </p:grpSpPr>
+      <p:pic>
+        <p:nvPicPr>
+          <p:cNvPr id="238" name="Shape 411" descr=""/>
+          <p:cNvPicPr/>
+          <p:nvPr/>
+        </p:nvPicPr>
+        <p:blipFill>
+          <a:blip r:embed="rId1"/>
+          <a:stretch/>
+        </p:blipFill>
+        <p:spPr>
+          <a:xfrm>
+            <a:off x="3886200" y="2743200"/>
+            <a:ext cx="4873320" cy="3730320"/>
+          </a:xfrm>
+          <a:prstGeom prst="rect">
+            <a:avLst/>
+          </a:prstGeom>
+          <a:ln>
+            <a:noFill/>
+          </a:ln>
+        </p:spPr>
+      </p:pic>
+      <p:sp>
+        <p:nvSpPr>
+          <p:cNvPr id="239" name="CustomShape 1"/>
+          <p:cNvSpPr/>
+          <p:nvPr/>
+        </p:nvSpPr>
+        <p:spPr>
+          <a:xfrm>
+            <a:off x="2514600" y="1447920"/>
+            <a:ext cx="7579800" cy="4873320"/>
+          </a:xfrm>
+          <a:prstGeom prst="rect">
+            <a:avLst/>
+          </a:prstGeom>
+          <a:noFill/>
+          <a:ln>
+            <a:noFill/>
+          </a:ln>
+        </p:spPr>
+        <p:style>
+          <a:lnRef idx="0"/>
+          <a:fillRef idx="0"/>
+          <a:effectRef idx="0"/>
+          <a:fontRef idx="minor"/>
+        </p:style>
+        <p:txBody>
+          <a:bodyPr lIns="90000" rIns="90000" tIns="45000" bIns="45000"/>
+          <a:p>
+            <a:pPr marL="342720" indent="-339120" algn="ctr">
+              <a:lnSpc>
+                <a:spcPct val="100000"/>
+              </a:lnSpc>
+            </a:pPr>
+            <a:r>
+              <a:rPr b="1" lang="en-US" sz="4800" spc="-1" strike="noStrike">
+                <a:solidFill>
+                  <a:srgbClr val="3a1a62"/>
+                </a:solidFill>
+                <a:latin typeface="Calibri"/>
+                <a:ea typeface="Calibri"/>
+              </a:rPr>
+              <a:t>THANKS FOR ATTENTION</a:t>
+            </a:r>
+            <a:endParaRPr b="0" lang="en-US" sz="4800" spc="-1" strike="noStrike">
+              <a:latin typeface="Arial"/>
+            </a:endParaRPr>
+          </a:p>
+        </p:txBody>
+      </p:sp>
+      <p:sp>
+        <p:nvSpPr>
+          <p:cNvPr id="240" name="CustomShape 2"/>
+          <p:cNvSpPr/>
+          <p:nvPr/>
+        </p:nvSpPr>
+        <p:spPr>
+          <a:xfrm>
+            <a:off x="10063080" y="0"/>
+            <a:ext cx="489960" cy="361440"/>
+          </a:xfrm>
+          <a:prstGeom prst="rect">
+            <a:avLst/>
+          </a:prstGeom>
+          <a:noFill/>
+          <a:ln>
+            <a:noFill/>
+          </a:ln>
+        </p:spPr>
+        <p:style>
+          <a:lnRef idx="0"/>
+          <a:fillRef idx="0"/>
+          <a:effectRef idx="0"/>
+          <a:fontRef idx="minor"/>
+        </p:style>
+        <p:txBody>
+          <a:bodyPr lIns="90000" rIns="90000" tIns="45000" bIns="45000" anchor="ctr"/>
+          <a:p>
+            <a:pPr algn="r">
+              <a:lnSpc>
+                <a:spcPct val="100000"/>
+              </a:lnSpc>
+            </a:pPr>
+            <a:fld id="{54D9CB5A-DFD7-4AFB-A04E-5746C587AF6C}" type="slidenum">
+              <a:rPr b="0" lang="en-US" sz="900" spc="-1" strike="noStrike">
+                <a:solidFill>
+                  <a:srgbClr val="888888"/>
+                </a:solidFill>
+                <a:latin typeface="Calibri"/>
+                <a:ea typeface="Calibri"/>
+              </a:rPr>
+              <a:t>&lt;number&gt;</a:t>
+            </a:fld>
+            <a:endParaRPr b="0" lang="en-US" sz="900" spc="-1" strike="noStrike">
+              <a:latin typeface="Arial"/>
+            </a:endParaRPr>
+          </a:p>
+        </p:txBody>
+      </p:sp>
+      <p:sp>
+        <p:nvSpPr>
+          <p:cNvPr id="241" name="CustomShape 3"/>
+          <p:cNvSpPr/>
+          <p:nvPr/>
+        </p:nvSpPr>
+        <p:spPr>
+          <a:xfrm>
+            <a:off x="457200" y="152280"/>
+            <a:ext cx="11045520" cy="6549480"/>
+          </a:xfrm>
+          <a:prstGeom prst="rect">
+            <a:avLst/>
+          </a:prstGeom>
+          <a:noFill/>
+          <a:ln w="25560">
+            <a:solidFill>
+              <a:srgbClr val="395e89"/>
+            </a:solidFill>
+            <a:round/>
+          </a:ln>
+        </p:spPr>
+        <p:style>
+          <a:lnRef idx="0"/>
+          <a:fillRef idx="0"/>
+          <a:effectRef idx="0"/>
+          <a:fontRef idx="minor"/>
+        </p:style>
+      </p:sp>
+    </p:spTree>
+  </p:cSld>
+  <p:timing>
+    <p:tnLst>
+      <p:par>
+        <p:cTn id="60" dur="indefinite" restart="never" nodeType="tmRoot">
+          <p:childTnLst>
+            <p:seq>
+              <p:cTn id="61" dur="indefinite" nodeType="mainSeq"/>
               <p:prevCondLst>
                 <p:cond delay="0" evt="onPrev">
                   <p:tgtEl>
@@ -14620,7 +18495,7 @@
         <p:spPr>
           <a:xfrm>
             <a:off x="0" y="154080"/>
-            <a:ext cx="11885040" cy="1140840"/>
+            <a:ext cx="11883600" cy="1139400"/>
           </a:xfrm>
           <a:prstGeom prst="rect">
             <a:avLst/>
@@ -14669,7 +18544,7 @@
         <p:spPr>
           <a:xfrm>
             <a:off x="374400" y="152280"/>
-            <a:ext cx="11129400" cy="6550920"/>
+            <a:ext cx="11127960" cy="6549480"/>
           </a:xfrm>
           <a:prstGeom prst="rect">
             <a:avLst/>
@@ -14698,7 +18573,7 @@
         <p:spPr>
           <a:xfrm>
             <a:off x="1097280" y="1193760"/>
-            <a:ext cx="4523760" cy="545400"/>
+            <a:ext cx="4522320" cy="543960"/>
           </a:xfrm>
           <a:prstGeom prst="rect">
             <a:avLst/>
@@ -14717,7 +18592,7 @@
         <p:txBody>
           <a:bodyPr wrap="none" lIns="90000" rIns="90000" tIns="45000" bIns="45000"/>
           <a:p>
-            <a:pPr marL="216000" indent="-214200">
+            <a:pPr marL="216000" indent="-212760">
               <a:lnSpc>
                 <a:spcPct val="100000"/>
               </a:lnSpc>
@@ -14762,7 +18637,7 @@
         <p:spPr>
           <a:xfrm>
             <a:off x="1005840" y="1860840"/>
-            <a:ext cx="7826760" cy="423720"/>
+            <a:ext cx="7825320" cy="422280"/>
           </a:xfrm>
           <a:prstGeom prst="rect">
             <a:avLst/>
@@ -14815,7 +18690,7 @@
         <p:spPr>
           <a:xfrm>
             <a:off x="1109520" y="2468880"/>
-            <a:ext cx="3915000" cy="2876400"/>
+            <a:ext cx="3913560" cy="2874960"/>
           </a:xfrm>
           <a:prstGeom prst="rect">
             <a:avLst/>
@@ -14834,7 +18709,7 @@
         <p:spPr>
           <a:xfrm>
             <a:off x="5081760" y="3657600"/>
-            <a:ext cx="1004040" cy="546840"/>
+            <a:ext cx="1002600" cy="545400"/>
           </a:xfrm>
           <a:custGeom>
             <a:avLst/>
@@ -14899,7 +18774,7 @@
         <p:spPr>
           <a:xfrm>
             <a:off x="6766560" y="2468880"/>
-            <a:ext cx="3164400" cy="2741400"/>
+            <a:ext cx="3162960" cy="2739960"/>
           </a:xfrm>
           <a:prstGeom prst="rect">
             <a:avLst/>
@@ -14922,7 +18797,7 @@
         <p:spPr>
           <a:xfrm>
             <a:off x="6146280" y="2497320"/>
-            <a:ext cx="4824720" cy="2712960"/>
+            <a:ext cx="4823280" cy="2711520"/>
           </a:xfrm>
           <a:prstGeom prst="rect">
             <a:avLst/>
@@ -14941,7 +18816,7 @@
         <p:spPr>
           <a:xfrm>
             <a:off x="1828800" y="5700960"/>
-            <a:ext cx="4689000" cy="423720"/>
+            <a:ext cx="4687560" cy="422280"/>
           </a:xfrm>
           <a:prstGeom prst="rect">
             <a:avLst/>
@@ -15187,7 +19062,7 @@
         <p:spPr>
           <a:xfrm>
             <a:off x="4206240" y="662040"/>
-            <a:ext cx="2833200" cy="708120"/>
+            <a:ext cx="2831760" cy="706680"/>
           </a:xfrm>
           <a:prstGeom prst="rect">
             <a:avLst/>
@@ -15236,7 +19111,7 @@
         <p:spPr>
           <a:xfrm>
             <a:off x="0" y="1645920"/>
-            <a:ext cx="4067640" cy="4114440"/>
+            <a:ext cx="4066200" cy="4113000"/>
           </a:xfrm>
           <a:prstGeom prst="rect">
             <a:avLst/>
@@ -15265,7 +19140,7 @@
             </a:endParaRPr>
           </a:p>
           <a:p>
-            <a:pPr marL="216000" indent="-214200">
+            <a:pPr marL="216000" indent="-212760">
               <a:lnSpc>
                 <a:spcPct val="100000"/>
               </a:lnSpc>
@@ -15300,7 +19175,7 @@
             </a:endParaRPr>
           </a:p>
           <a:p>
-            <a:pPr marL="216000" indent="-214200">
+            <a:pPr marL="216000" indent="-212760">
               <a:lnSpc>
                 <a:spcPct val="100000"/>
               </a:lnSpc>
@@ -15335,7 +19210,7 @@
             </a:endParaRPr>
           </a:p>
           <a:p>
-            <a:pPr marL="216000" indent="-214200">
+            <a:pPr marL="216000" indent="-212760">
               <a:lnSpc>
                 <a:spcPct val="100000"/>
               </a:lnSpc>
@@ -15370,7 +19245,7 @@
             </a:endParaRPr>
           </a:p>
           <a:p>
-            <a:pPr marL="216000" indent="-214200">
+            <a:pPr marL="216000" indent="-212760">
               <a:lnSpc>
                 <a:spcPct val="100000"/>
               </a:lnSpc>
@@ -15464,7 +19339,7 @@
         <p:spPr>
           <a:xfrm>
             <a:off x="4206240" y="662040"/>
-            <a:ext cx="2833200" cy="708120"/>
+            <a:ext cx="2831760" cy="706680"/>
           </a:xfrm>
           <a:prstGeom prst="rect">
             <a:avLst/>
@@ -15513,7 +19388,7 @@
         <p:spPr>
           <a:xfrm>
             <a:off x="1052640" y="1645920"/>
-            <a:ext cx="4523760" cy="545400"/>
+            <a:ext cx="4522320" cy="543960"/>
           </a:xfrm>
           <a:prstGeom prst="rect">
             <a:avLst/>
@@ -15532,7 +19407,7 @@
         <p:txBody>
           <a:bodyPr wrap="none" lIns="90000" rIns="90000" tIns="45000" bIns="45000"/>
           <a:p>
-            <a:pPr marL="216000" indent="-214200">
+            <a:pPr marL="216000" indent="-212760">
               <a:lnSpc>
                 <a:spcPct val="100000"/>
               </a:lnSpc>
@@ -15571,7 +19446,7 @@
         <p:spPr>
           <a:xfrm>
             <a:off x="2377440" y="2377440"/>
-            <a:ext cx="3808440" cy="4094280"/>
+            <a:ext cx="3807000" cy="4092840"/>
           </a:xfrm>
           <a:prstGeom prst="rect">
             <a:avLst/>
@@ -15639,7 +19514,7 @@
         <p:spPr>
           <a:xfrm>
             <a:off x="4206240" y="662040"/>
-            <a:ext cx="2833200" cy="708120"/>
+            <a:ext cx="2831760" cy="706680"/>
           </a:xfrm>
           <a:prstGeom prst="rect">
             <a:avLst/>
@@ -15688,7 +19563,7 @@
         <p:spPr>
           <a:xfrm>
             <a:off x="1052640" y="1645920"/>
-            <a:ext cx="4523760" cy="545400"/>
+            <a:ext cx="4522320" cy="543960"/>
           </a:xfrm>
           <a:prstGeom prst="rect">
             <a:avLst/>
@@ -15707,7 +19582,7 @@
         <p:txBody>
           <a:bodyPr wrap="none" lIns="90000" rIns="90000" tIns="45000" bIns="45000"/>
           <a:p>
-            <a:pPr marL="216000" indent="-214200">
+            <a:pPr marL="216000" indent="-212760">
               <a:lnSpc>
                 <a:spcPct val="100000"/>
               </a:lnSpc>
@@ -15746,7 +19621,7 @@
         <p:spPr>
           <a:xfrm>
             <a:off x="2194560" y="2373120"/>
-            <a:ext cx="3565080" cy="4026600"/>
+            <a:ext cx="3563640" cy="4025160"/>
           </a:xfrm>
           <a:prstGeom prst="rect">
             <a:avLst/>
@@ -15814,7 +19689,7 @@
         <p:spPr>
           <a:xfrm>
             <a:off x="4206240" y="662040"/>
-            <a:ext cx="2833200" cy="708120"/>
+            <a:ext cx="2831760" cy="706680"/>
           </a:xfrm>
           <a:prstGeom prst="rect">
             <a:avLst/>
@@ -15863,7 +19738,7 @@
         <p:spPr>
           <a:xfrm>
             <a:off x="779040" y="1370880"/>
-            <a:ext cx="4523760" cy="545400"/>
+            <a:ext cx="4522320" cy="543960"/>
           </a:xfrm>
           <a:prstGeom prst="rect">
             <a:avLst/>
@@ -15882,7 +19757,7 @@
         <p:txBody>
           <a:bodyPr wrap="none" lIns="90000" rIns="90000" tIns="45000" bIns="45000"/>
           <a:p>
-            <a:pPr marL="216000" indent="-214200">
+            <a:pPr marL="216000" indent="-212760">
               <a:lnSpc>
                 <a:spcPct val="100000"/>
               </a:lnSpc>
@@ -15921,7 +19796,7 @@
         <p:spPr>
           <a:xfrm>
             <a:off x="1554480" y="2022480"/>
-            <a:ext cx="8619120" cy="4837680"/>
+            <a:ext cx="8617680" cy="4836240"/>
           </a:xfrm>
           <a:prstGeom prst="rect">
             <a:avLst/>
@@ -15989,7 +19864,7 @@
         <p:spPr>
           <a:xfrm>
             <a:off x="4206240" y="662040"/>
-            <a:ext cx="2833200" cy="708120"/>
+            <a:ext cx="2831760" cy="706680"/>
           </a:xfrm>
           <a:prstGeom prst="rect">
             <a:avLst/>
@@ -16038,7 +19913,7 @@
         <p:spPr>
           <a:xfrm>
             <a:off x="779040" y="1370880"/>
-            <a:ext cx="4523760" cy="545400"/>
+            <a:ext cx="4522320" cy="543960"/>
           </a:xfrm>
           <a:prstGeom prst="rect">
             <a:avLst/>
@@ -16057,7 +19932,7 @@
         <p:txBody>
           <a:bodyPr wrap="none" lIns="90000" rIns="90000" tIns="45000" bIns="45000"/>
           <a:p>
-            <a:pPr marL="216000" indent="-214200">
+            <a:pPr marL="216000" indent="-212760">
               <a:lnSpc>
                 <a:spcPct val="100000"/>
               </a:lnSpc>
@@ -16092,7 +19967,7 @@
         <p:spPr>
           <a:xfrm>
             <a:off x="727560" y="1917000"/>
-            <a:ext cx="10335960" cy="5088960"/>
+            <a:ext cx="10334520" cy="5087520"/>
           </a:xfrm>
           <a:prstGeom prst="rect">
             <a:avLst/>
@@ -16970,7 +20845,7 @@
         <p:spPr>
           <a:xfrm>
             <a:off x="4206240" y="662040"/>
-            <a:ext cx="2833200" cy="708120"/>
+            <a:ext cx="2831760" cy="706680"/>
           </a:xfrm>
           <a:prstGeom prst="rect">
             <a:avLst/>
@@ -17019,7 +20894,7 @@
         <p:spPr>
           <a:xfrm>
             <a:off x="779040" y="1370880"/>
-            <a:ext cx="4523760" cy="545400"/>
+            <a:ext cx="4522320" cy="543960"/>
           </a:xfrm>
           <a:prstGeom prst="rect">
             <a:avLst/>
@@ -17038,7 +20913,7 @@
         <p:txBody>
           <a:bodyPr wrap="none" lIns="90000" rIns="90000" tIns="45000" bIns="45000"/>
           <a:p>
-            <a:pPr marL="216000" indent="-214200">
+            <a:pPr marL="216000" indent="-212760">
               <a:lnSpc>
                 <a:spcPct val="100000"/>
               </a:lnSpc>
@@ -17073,7 +20948,7 @@
         <p:spPr>
           <a:xfrm>
             <a:off x="727560" y="1859760"/>
-            <a:ext cx="10153080" cy="4266000"/>
+            <a:ext cx="10151640" cy="4264560"/>
           </a:xfrm>
           <a:prstGeom prst="rect">
             <a:avLst/>
